--- a/notes/reading-code.pptx
+++ b/notes/reading-code.pptx
@@ -222,7 +222,7 @@
           <a:p>
             <a:fld id="{8A1B613A-EFF1-404F-BEE8-EFAE84A4E5E2}" type="datetimeFigureOut">
               <a:rPr lang="en-US" smtClean="0"/>
-              <a:t>1/20/20</a:t>
+              <a:t>1/22/20</a:t>
             </a:fld>
             <a:endParaRPr lang="en-US"/>
           </a:p>
@@ -387,7 +387,7 @@
           <a:p>
             <a:fld id="{690847EA-AC25-3D4E-89E1-FD3F6A9702B6}" type="datetimeFigureOut">
               <a:rPr lang="en-US" smtClean="0"/>
-              <a:t>1/20/20</a:t>
+              <a:t>1/22/20</a:t>
             </a:fld>
             <a:endParaRPr lang="en-US"/>
           </a:p>
@@ -676,7 +676,7 @@
           <p:cNvPr id="2" name="Title 1">
             <a:extLst>
               <a:ext uri="{FF2B5EF4-FFF2-40B4-BE49-F238E27FC236}">
-                <a16:creationId xmlns:a16="http://schemas.microsoft.com/office/drawing/2014/main" xmlns="" id="{FCECE00E-B2E2-4D43-8A21-E17BBDC017E1}"/>
+                <a16:creationId xmlns="" xmlns:a16="http://schemas.microsoft.com/office/drawing/2014/main" id="{FCECE00E-B2E2-4D43-8A21-E17BBDC017E1}"/>
               </a:ext>
             </a:extLst>
           </p:cNvPr>
@@ -714,7 +714,7 @@
           <p:cNvPr id="3" name="Subtitle 2">
             <a:extLst>
               <a:ext uri="{FF2B5EF4-FFF2-40B4-BE49-F238E27FC236}">
-                <a16:creationId xmlns:a16="http://schemas.microsoft.com/office/drawing/2014/main" xmlns="" id="{0C4C7E7C-3478-264C-BF00-D75996D63509}"/>
+                <a16:creationId xmlns="" xmlns:a16="http://schemas.microsoft.com/office/drawing/2014/main" id="{0C4C7E7C-3478-264C-BF00-D75996D63509}"/>
               </a:ext>
             </a:extLst>
           </p:cNvPr>
@@ -785,7 +785,7 @@
           <p:cNvPr id="4" name="Date Placeholder 3">
             <a:extLst>
               <a:ext uri="{FF2B5EF4-FFF2-40B4-BE49-F238E27FC236}">
-                <a16:creationId xmlns:a16="http://schemas.microsoft.com/office/drawing/2014/main" xmlns="" id="{64E1EB94-602A-4843-8753-4DB51430704B}"/>
+                <a16:creationId xmlns="" xmlns:a16="http://schemas.microsoft.com/office/drawing/2014/main" id="{64E1EB94-602A-4843-8753-4DB51430704B}"/>
               </a:ext>
             </a:extLst>
           </p:cNvPr>
@@ -803,7 +803,7 @@
           <a:p>
             <a:fld id="{BE5295ED-3BAF-1140-8495-3D368771D6B1}" type="datetimeFigureOut">
               <a:rPr lang="en-US" smtClean="0"/>
-              <a:t>1/20/20</a:t>
+              <a:t>1/22/20</a:t>
             </a:fld>
             <a:endParaRPr lang="en-US"/>
           </a:p>
@@ -814,7 +814,7 @@
           <p:cNvPr id="5" name="Footer Placeholder 4">
             <a:extLst>
               <a:ext uri="{FF2B5EF4-FFF2-40B4-BE49-F238E27FC236}">
-                <a16:creationId xmlns:a16="http://schemas.microsoft.com/office/drawing/2014/main" xmlns="" id="{FF136E26-0E46-B848-BBFC-A0D2BFA17F33}"/>
+                <a16:creationId xmlns="" xmlns:a16="http://schemas.microsoft.com/office/drawing/2014/main" id="{FF136E26-0E46-B848-BBFC-A0D2BFA17F33}"/>
               </a:ext>
             </a:extLst>
           </p:cNvPr>
@@ -839,7 +839,7 @@
           <p:cNvPr id="6" name="Slide Number Placeholder 5">
             <a:extLst>
               <a:ext uri="{FF2B5EF4-FFF2-40B4-BE49-F238E27FC236}">
-                <a16:creationId xmlns:a16="http://schemas.microsoft.com/office/drawing/2014/main" xmlns="" id="{CEAD4217-442E-6C4A-8D0F-CADFE9EACB6D}"/>
+                <a16:creationId xmlns="" xmlns:a16="http://schemas.microsoft.com/office/drawing/2014/main" id="{CEAD4217-442E-6C4A-8D0F-CADFE9EACB6D}"/>
               </a:ext>
             </a:extLst>
           </p:cNvPr>
@@ -898,7 +898,7 @@
           <p:cNvPr id="2" name="Title 1">
             <a:extLst>
               <a:ext uri="{FF2B5EF4-FFF2-40B4-BE49-F238E27FC236}">
-                <a16:creationId xmlns:a16="http://schemas.microsoft.com/office/drawing/2014/main" xmlns="" id="{F416C72F-B1B5-6442-B3EF-170DEDF83067}"/>
+                <a16:creationId xmlns="" xmlns:a16="http://schemas.microsoft.com/office/drawing/2014/main" id="{F416C72F-B1B5-6442-B3EF-170DEDF83067}"/>
               </a:ext>
             </a:extLst>
           </p:cNvPr>
@@ -927,7 +927,7 @@
           <p:cNvPr id="3" name="Vertical Text Placeholder 2">
             <a:extLst>
               <a:ext uri="{FF2B5EF4-FFF2-40B4-BE49-F238E27FC236}">
-                <a16:creationId xmlns:a16="http://schemas.microsoft.com/office/drawing/2014/main" xmlns="" id="{19182C6A-7EA1-C840-86BB-65DF578F4F4B}"/>
+                <a16:creationId xmlns="" xmlns:a16="http://schemas.microsoft.com/office/drawing/2014/main" id="{19182C6A-7EA1-C840-86BB-65DF578F4F4B}"/>
               </a:ext>
             </a:extLst>
           </p:cNvPr>
@@ -985,7 +985,7 @@
           <p:cNvPr id="4" name="Date Placeholder 3">
             <a:extLst>
               <a:ext uri="{FF2B5EF4-FFF2-40B4-BE49-F238E27FC236}">
-                <a16:creationId xmlns:a16="http://schemas.microsoft.com/office/drawing/2014/main" xmlns="" id="{DBCD3C4B-E6D4-B140-8126-90FD013DE38A}"/>
+                <a16:creationId xmlns="" xmlns:a16="http://schemas.microsoft.com/office/drawing/2014/main" id="{DBCD3C4B-E6D4-B140-8126-90FD013DE38A}"/>
               </a:ext>
             </a:extLst>
           </p:cNvPr>
@@ -1003,7 +1003,7 @@
           <a:p>
             <a:fld id="{BE5295ED-3BAF-1140-8495-3D368771D6B1}" type="datetimeFigureOut">
               <a:rPr lang="en-US" smtClean="0"/>
-              <a:t>1/20/20</a:t>
+              <a:t>1/22/20</a:t>
             </a:fld>
             <a:endParaRPr lang="en-US"/>
           </a:p>
@@ -1014,7 +1014,7 @@
           <p:cNvPr id="5" name="Footer Placeholder 4">
             <a:extLst>
               <a:ext uri="{FF2B5EF4-FFF2-40B4-BE49-F238E27FC236}">
-                <a16:creationId xmlns:a16="http://schemas.microsoft.com/office/drawing/2014/main" xmlns="" id="{E26FD8A5-25AB-2742-9333-F1864AA98C6D}"/>
+                <a16:creationId xmlns="" xmlns:a16="http://schemas.microsoft.com/office/drawing/2014/main" id="{E26FD8A5-25AB-2742-9333-F1864AA98C6D}"/>
               </a:ext>
             </a:extLst>
           </p:cNvPr>
@@ -1039,7 +1039,7 @@
           <p:cNvPr id="6" name="Slide Number Placeholder 5">
             <a:extLst>
               <a:ext uri="{FF2B5EF4-FFF2-40B4-BE49-F238E27FC236}">
-                <a16:creationId xmlns:a16="http://schemas.microsoft.com/office/drawing/2014/main" xmlns="" id="{B4FFBFCA-F2F7-544E-BB46-A887273990B8}"/>
+                <a16:creationId xmlns="" xmlns:a16="http://schemas.microsoft.com/office/drawing/2014/main" id="{B4FFBFCA-F2F7-544E-BB46-A887273990B8}"/>
               </a:ext>
             </a:extLst>
           </p:cNvPr>
@@ -1098,7 +1098,7 @@
           <p:cNvPr id="2" name="Vertical Title 1">
             <a:extLst>
               <a:ext uri="{FF2B5EF4-FFF2-40B4-BE49-F238E27FC236}">
-                <a16:creationId xmlns:a16="http://schemas.microsoft.com/office/drawing/2014/main" xmlns="" id="{A54E5286-71CD-184D-922F-2C587370C871}"/>
+                <a16:creationId xmlns="" xmlns:a16="http://schemas.microsoft.com/office/drawing/2014/main" id="{A54E5286-71CD-184D-922F-2C587370C871}"/>
               </a:ext>
             </a:extLst>
           </p:cNvPr>
@@ -1132,7 +1132,7 @@
           <p:cNvPr id="3" name="Vertical Text Placeholder 2">
             <a:extLst>
               <a:ext uri="{FF2B5EF4-FFF2-40B4-BE49-F238E27FC236}">
-                <a16:creationId xmlns:a16="http://schemas.microsoft.com/office/drawing/2014/main" xmlns="" id="{8E6C93D7-83D1-8740-A256-2B405524A089}"/>
+                <a16:creationId xmlns="" xmlns:a16="http://schemas.microsoft.com/office/drawing/2014/main" id="{8E6C93D7-83D1-8740-A256-2B405524A089}"/>
               </a:ext>
             </a:extLst>
           </p:cNvPr>
@@ -1195,7 +1195,7 @@
           <p:cNvPr id="4" name="Date Placeholder 3">
             <a:extLst>
               <a:ext uri="{FF2B5EF4-FFF2-40B4-BE49-F238E27FC236}">
-                <a16:creationId xmlns:a16="http://schemas.microsoft.com/office/drawing/2014/main" xmlns="" id="{C7CCB8DC-90E9-1D49-B70B-5103FBBD3972}"/>
+                <a16:creationId xmlns="" xmlns:a16="http://schemas.microsoft.com/office/drawing/2014/main" id="{C7CCB8DC-90E9-1D49-B70B-5103FBBD3972}"/>
               </a:ext>
             </a:extLst>
           </p:cNvPr>
@@ -1213,7 +1213,7 @@
           <a:p>
             <a:fld id="{BE5295ED-3BAF-1140-8495-3D368771D6B1}" type="datetimeFigureOut">
               <a:rPr lang="en-US" smtClean="0"/>
-              <a:t>1/20/20</a:t>
+              <a:t>1/22/20</a:t>
             </a:fld>
             <a:endParaRPr lang="en-US"/>
           </a:p>
@@ -1224,7 +1224,7 @@
           <p:cNvPr id="5" name="Footer Placeholder 4">
             <a:extLst>
               <a:ext uri="{FF2B5EF4-FFF2-40B4-BE49-F238E27FC236}">
-                <a16:creationId xmlns:a16="http://schemas.microsoft.com/office/drawing/2014/main" xmlns="" id="{0997D847-8768-9843-9B66-E6B3989BA3D2}"/>
+                <a16:creationId xmlns="" xmlns:a16="http://schemas.microsoft.com/office/drawing/2014/main" id="{0997D847-8768-9843-9B66-E6B3989BA3D2}"/>
               </a:ext>
             </a:extLst>
           </p:cNvPr>
@@ -1249,7 +1249,7 @@
           <p:cNvPr id="6" name="Slide Number Placeholder 5">
             <a:extLst>
               <a:ext uri="{FF2B5EF4-FFF2-40B4-BE49-F238E27FC236}">
-                <a16:creationId xmlns:a16="http://schemas.microsoft.com/office/drawing/2014/main" xmlns="" id="{8E82CB94-E0A6-3E47-9F30-8DEB64C2027C}"/>
+                <a16:creationId xmlns="" xmlns:a16="http://schemas.microsoft.com/office/drawing/2014/main" id="{8E82CB94-E0A6-3E47-9F30-8DEB64C2027C}"/>
               </a:ext>
             </a:extLst>
           </p:cNvPr>
@@ -1308,7 +1308,7 @@
           <p:cNvPr id="2" name="Title 1">
             <a:extLst>
               <a:ext uri="{FF2B5EF4-FFF2-40B4-BE49-F238E27FC236}">
-                <a16:creationId xmlns:a16="http://schemas.microsoft.com/office/drawing/2014/main" xmlns="" id="{B8842375-E5EF-4D4E-AFD0-A94090E7DB29}"/>
+                <a16:creationId xmlns="" xmlns:a16="http://schemas.microsoft.com/office/drawing/2014/main" id="{B8842375-E5EF-4D4E-AFD0-A94090E7DB29}"/>
               </a:ext>
             </a:extLst>
           </p:cNvPr>
@@ -1337,7 +1337,7 @@
           <p:cNvPr id="3" name="Content Placeholder 2">
             <a:extLst>
               <a:ext uri="{FF2B5EF4-FFF2-40B4-BE49-F238E27FC236}">
-                <a16:creationId xmlns:a16="http://schemas.microsoft.com/office/drawing/2014/main" xmlns="" id="{F366F610-FF9B-2A4B-8E35-314B0D78D9D8}"/>
+                <a16:creationId xmlns="" xmlns:a16="http://schemas.microsoft.com/office/drawing/2014/main" id="{F366F610-FF9B-2A4B-8E35-314B0D78D9D8}"/>
               </a:ext>
             </a:extLst>
           </p:cNvPr>
@@ -1395,7 +1395,7 @@
           <p:cNvPr id="4" name="Date Placeholder 3">
             <a:extLst>
               <a:ext uri="{FF2B5EF4-FFF2-40B4-BE49-F238E27FC236}">
-                <a16:creationId xmlns:a16="http://schemas.microsoft.com/office/drawing/2014/main" xmlns="" id="{1561E808-F7D2-E84B-8CD4-83F18272EA72}"/>
+                <a16:creationId xmlns="" xmlns:a16="http://schemas.microsoft.com/office/drawing/2014/main" id="{1561E808-F7D2-E84B-8CD4-83F18272EA72}"/>
               </a:ext>
             </a:extLst>
           </p:cNvPr>
@@ -1413,7 +1413,7 @@
           <a:p>
             <a:fld id="{BE5295ED-3BAF-1140-8495-3D368771D6B1}" type="datetimeFigureOut">
               <a:rPr lang="en-US" smtClean="0"/>
-              <a:t>1/20/20</a:t>
+              <a:t>1/22/20</a:t>
             </a:fld>
             <a:endParaRPr lang="en-US"/>
           </a:p>
@@ -1424,7 +1424,7 @@
           <p:cNvPr id="5" name="Footer Placeholder 4">
             <a:extLst>
               <a:ext uri="{FF2B5EF4-FFF2-40B4-BE49-F238E27FC236}">
-                <a16:creationId xmlns:a16="http://schemas.microsoft.com/office/drawing/2014/main" xmlns="" id="{7B3AD9A1-B1EC-984E-A23E-0ECF6F652482}"/>
+                <a16:creationId xmlns="" xmlns:a16="http://schemas.microsoft.com/office/drawing/2014/main" id="{7B3AD9A1-B1EC-984E-A23E-0ECF6F652482}"/>
               </a:ext>
             </a:extLst>
           </p:cNvPr>
@@ -1449,7 +1449,7 @@
           <p:cNvPr id="6" name="Slide Number Placeholder 5">
             <a:extLst>
               <a:ext uri="{FF2B5EF4-FFF2-40B4-BE49-F238E27FC236}">
-                <a16:creationId xmlns:a16="http://schemas.microsoft.com/office/drawing/2014/main" xmlns="" id="{01BFD94D-9604-2A43-AADF-14B0876B6EBB}"/>
+                <a16:creationId xmlns="" xmlns:a16="http://schemas.microsoft.com/office/drawing/2014/main" id="{01BFD94D-9604-2A43-AADF-14B0876B6EBB}"/>
               </a:ext>
             </a:extLst>
           </p:cNvPr>
@@ -1508,7 +1508,7 @@
           <p:cNvPr id="2" name="Title 1">
             <a:extLst>
               <a:ext uri="{FF2B5EF4-FFF2-40B4-BE49-F238E27FC236}">
-                <a16:creationId xmlns:a16="http://schemas.microsoft.com/office/drawing/2014/main" xmlns="" id="{771589AC-2242-B445-BBEA-95D500596EE6}"/>
+                <a16:creationId xmlns="" xmlns:a16="http://schemas.microsoft.com/office/drawing/2014/main" id="{771589AC-2242-B445-BBEA-95D500596EE6}"/>
               </a:ext>
             </a:extLst>
           </p:cNvPr>
@@ -1546,7 +1546,7 @@
           <p:cNvPr id="3" name="Text Placeholder 2">
             <a:extLst>
               <a:ext uri="{FF2B5EF4-FFF2-40B4-BE49-F238E27FC236}">
-                <a16:creationId xmlns:a16="http://schemas.microsoft.com/office/drawing/2014/main" xmlns="" id="{255D194C-D171-4B45-BA38-8D16CD1C3449}"/>
+                <a16:creationId xmlns="" xmlns:a16="http://schemas.microsoft.com/office/drawing/2014/main" id="{255D194C-D171-4B45-BA38-8D16CD1C3449}"/>
               </a:ext>
             </a:extLst>
           </p:cNvPr>
@@ -1671,7 +1671,7 @@
           <p:cNvPr id="4" name="Date Placeholder 3">
             <a:extLst>
               <a:ext uri="{FF2B5EF4-FFF2-40B4-BE49-F238E27FC236}">
-                <a16:creationId xmlns:a16="http://schemas.microsoft.com/office/drawing/2014/main" xmlns="" id="{68A38244-2F9E-AB4A-B300-488462389FF9}"/>
+                <a16:creationId xmlns="" xmlns:a16="http://schemas.microsoft.com/office/drawing/2014/main" id="{68A38244-2F9E-AB4A-B300-488462389FF9}"/>
               </a:ext>
             </a:extLst>
           </p:cNvPr>
@@ -1689,7 +1689,7 @@
           <a:p>
             <a:fld id="{BE5295ED-3BAF-1140-8495-3D368771D6B1}" type="datetimeFigureOut">
               <a:rPr lang="en-US" smtClean="0"/>
-              <a:t>1/20/20</a:t>
+              <a:t>1/22/20</a:t>
             </a:fld>
             <a:endParaRPr lang="en-US"/>
           </a:p>
@@ -1700,7 +1700,7 @@
           <p:cNvPr id="5" name="Footer Placeholder 4">
             <a:extLst>
               <a:ext uri="{FF2B5EF4-FFF2-40B4-BE49-F238E27FC236}">
-                <a16:creationId xmlns:a16="http://schemas.microsoft.com/office/drawing/2014/main" xmlns="" id="{B33A7B5A-1475-C94F-AD18-1726D2BA89C2}"/>
+                <a16:creationId xmlns="" xmlns:a16="http://schemas.microsoft.com/office/drawing/2014/main" id="{B33A7B5A-1475-C94F-AD18-1726D2BA89C2}"/>
               </a:ext>
             </a:extLst>
           </p:cNvPr>
@@ -1725,7 +1725,7 @@
           <p:cNvPr id="6" name="Slide Number Placeholder 5">
             <a:extLst>
               <a:ext uri="{FF2B5EF4-FFF2-40B4-BE49-F238E27FC236}">
-                <a16:creationId xmlns:a16="http://schemas.microsoft.com/office/drawing/2014/main" xmlns="" id="{8069DDF6-CCE5-3946-8A72-14D318AB4D22}"/>
+                <a16:creationId xmlns="" xmlns:a16="http://schemas.microsoft.com/office/drawing/2014/main" id="{8069DDF6-CCE5-3946-8A72-14D318AB4D22}"/>
               </a:ext>
             </a:extLst>
           </p:cNvPr>
@@ -1784,7 +1784,7 @@
           <p:cNvPr id="2" name="Title 1">
             <a:extLst>
               <a:ext uri="{FF2B5EF4-FFF2-40B4-BE49-F238E27FC236}">
-                <a16:creationId xmlns:a16="http://schemas.microsoft.com/office/drawing/2014/main" xmlns="" id="{AC1D2791-2196-8F4F-AD62-59B19A8810A3}"/>
+                <a16:creationId xmlns="" xmlns:a16="http://schemas.microsoft.com/office/drawing/2014/main" id="{AC1D2791-2196-8F4F-AD62-59B19A8810A3}"/>
               </a:ext>
             </a:extLst>
           </p:cNvPr>
@@ -1813,7 +1813,7 @@
           <p:cNvPr id="3" name="Content Placeholder 2">
             <a:extLst>
               <a:ext uri="{FF2B5EF4-FFF2-40B4-BE49-F238E27FC236}">
-                <a16:creationId xmlns:a16="http://schemas.microsoft.com/office/drawing/2014/main" xmlns="" id="{3962F23A-0A28-6141-B0BF-D7B92C213877}"/>
+                <a16:creationId xmlns="" xmlns:a16="http://schemas.microsoft.com/office/drawing/2014/main" id="{3962F23A-0A28-6141-B0BF-D7B92C213877}"/>
               </a:ext>
             </a:extLst>
           </p:cNvPr>
@@ -1876,7 +1876,7 @@
           <p:cNvPr id="4" name="Content Placeholder 3">
             <a:extLst>
               <a:ext uri="{FF2B5EF4-FFF2-40B4-BE49-F238E27FC236}">
-                <a16:creationId xmlns:a16="http://schemas.microsoft.com/office/drawing/2014/main" xmlns="" id="{C36DF3E7-529D-1C40-B815-3C505F4D107E}"/>
+                <a16:creationId xmlns="" xmlns:a16="http://schemas.microsoft.com/office/drawing/2014/main" id="{C36DF3E7-529D-1C40-B815-3C505F4D107E}"/>
               </a:ext>
             </a:extLst>
           </p:cNvPr>
@@ -1939,7 +1939,7 @@
           <p:cNvPr id="5" name="Date Placeholder 4">
             <a:extLst>
               <a:ext uri="{FF2B5EF4-FFF2-40B4-BE49-F238E27FC236}">
-                <a16:creationId xmlns:a16="http://schemas.microsoft.com/office/drawing/2014/main" xmlns="" id="{ECFEE966-F172-8C42-A9F6-013C2A368C90}"/>
+                <a16:creationId xmlns="" xmlns:a16="http://schemas.microsoft.com/office/drawing/2014/main" id="{ECFEE966-F172-8C42-A9F6-013C2A368C90}"/>
               </a:ext>
             </a:extLst>
           </p:cNvPr>
@@ -1957,7 +1957,7 @@
           <a:p>
             <a:fld id="{BE5295ED-3BAF-1140-8495-3D368771D6B1}" type="datetimeFigureOut">
               <a:rPr lang="en-US" smtClean="0"/>
-              <a:t>1/20/20</a:t>
+              <a:t>1/22/20</a:t>
             </a:fld>
             <a:endParaRPr lang="en-US"/>
           </a:p>
@@ -1968,7 +1968,7 @@
           <p:cNvPr id="6" name="Footer Placeholder 5">
             <a:extLst>
               <a:ext uri="{FF2B5EF4-FFF2-40B4-BE49-F238E27FC236}">
-                <a16:creationId xmlns:a16="http://schemas.microsoft.com/office/drawing/2014/main" xmlns="" id="{54FDED73-DCFA-6648-B65F-CBEDB1D3556B}"/>
+                <a16:creationId xmlns="" xmlns:a16="http://schemas.microsoft.com/office/drawing/2014/main" id="{54FDED73-DCFA-6648-B65F-CBEDB1D3556B}"/>
               </a:ext>
             </a:extLst>
           </p:cNvPr>
@@ -1993,7 +1993,7 @@
           <p:cNvPr id="7" name="Slide Number Placeholder 6">
             <a:extLst>
               <a:ext uri="{FF2B5EF4-FFF2-40B4-BE49-F238E27FC236}">
-                <a16:creationId xmlns:a16="http://schemas.microsoft.com/office/drawing/2014/main" xmlns="" id="{F3D072AD-ADC5-2943-B36C-F14AE6555C55}"/>
+                <a16:creationId xmlns="" xmlns:a16="http://schemas.microsoft.com/office/drawing/2014/main" id="{F3D072AD-ADC5-2943-B36C-F14AE6555C55}"/>
               </a:ext>
             </a:extLst>
           </p:cNvPr>
@@ -2052,7 +2052,7 @@
           <p:cNvPr id="2" name="Title 1">
             <a:extLst>
               <a:ext uri="{FF2B5EF4-FFF2-40B4-BE49-F238E27FC236}">
-                <a16:creationId xmlns:a16="http://schemas.microsoft.com/office/drawing/2014/main" xmlns="" id="{478E3FB4-66D6-9040-98CF-3DE68ABAAB18}"/>
+                <a16:creationId xmlns="" xmlns:a16="http://schemas.microsoft.com/office/drawing/2014/main" id="{478E3FB4-66D6-9040-98CF-3DE68ABAAB18}"/>
               </a:ext>
             </a:extLst>
           </p:cNvPr>
@@ -2086,7 +2086,7 @@
           <p:cNvPr id="3" name="Text Placeholder 2">
             <a:extLst>
               <a:ext uri="{FF2B5EF4-FFF2-40B4-BE49-F238E27FC236}">
-                <a16:creationId xmlns:a16="http://schemas.microsoft.com/office/drawing/2014/main" xmlns="" id="{C3B9CBA2-D589-E342-B02C-AFD0528E353B}"/>
+                <a16:creationId xmlns="" xmlns:a16="http://schemas.microsoft.com/office/drawing/2014/main" id="{C3B9CBA2-D589-E342-B02C-AFD0528E353B}"/>
               </a:ext>
             </a:extLst>
           </p:cNvPr>
@@ -2157,7 +2157,7 @@
           <p:cNvPr id="4" name="Content Placeholder 3">
             <a:extLst>
               <a:ext uri="{FF2B5EF4-FFF2-40B4-BE49-F238E27FC236}">
-                <a16:creationId xmlns:a16="http://schemas.microsoft.com/office/drawing/2014/main" xmlns="" id="{F570E95A-9A57-7F42-A0D4-A9C36B16D13C}"/>
+                <a16:creationId xmlns="" xmlns:a16="http://schemas.microsoft.com/office/drawing/2014/main" id="{F570E95A-9A57-7F42-A0D4-A9C36B16D13C}"/>
               </a:ext>
             </a:extLst>
           </p:cNvPr>
@@ -2220,7 +2220,7 @@
           <p:cNvPr id="5" name="Text Placeholder 4">
             <a:extLst>
               <a:ext uri="{FF2B5EF4-FFF2-40B4-BE49-F238E27FC236}">
-                <a16:creationId xmlns:a16="http://schemas.microsoft.com/office/drawing/2014/main" xmlns="" id="{B6A72F40-C7A9-CC45-82FB-CCCE1FE08B0B}"/>
+                <a16:creationId xmlns="" xmlns:a16="http://schemas.microsoft.com/office/drawing/2014/main" id="{B6A72F40-C7A9-CC45-82FB-CCCE1FE08B0B}"/>
               </a:ext>
             </a:extLst>
           </p:cNvPr>
@@ -2291,7 +2291,7 @@
           <p:cNvPr id="6" name="Content Placeholder 5">
             <a:extLst>
               <a:ext uri="{FF2B5EF4-FFF2-40B4-BE49-F238E27FC236}">
-                <a16:creationId xmlns:a16="http://schemas.microsoft.com/office/drawing/2014/main" xmlns="" id="{9FDA6D2A-2E9D-714C-B9CB-D0F9D788FCD3}"/>
+                <a16:creationId xmlns="" xmlns:a16="http://schemas.microsoft.com/office/drawing/2014/main" id="{9FDA6D2A-2E9D-714C-B9CB-D0F9D788FCD3}"/>
               </a:ext>
             </a:extLst>
           </p:cNvPr>
@@ -2354,7 +2354,7 @@
           <p:cNvPr id="7" name="Date Placeholder 6">
             <a:extLst>
               <a:ext uri="{FF2B5EF4-FFF2-40B4-BE49-F238E27FC236}">
-                <a16:creationId xmlns:a16="http://schemas.microsoft.com/office/drawing/2014/main" xmlns="" id="{1B7F3C0C-4D75-9C49-9075-FA8B3D33CF9B}"/>
+                <a16:creationId xmlns="" xmlns:a16="http://schemas.microsoft.com/office/drawing/2014/main" id="{1B7F3C0C-4D75-9C49-9075-FA8B3D33CF9B}"/>
               </a:ext>
             </a:extLst>
           </p:cNvPr>
@@ -2372,7 +2372,7 @@
           <a:p>
             <a:fld id="{BE5295ED-3BAF-1140-8495-3D368771D6B1}" type="datetimeFigureOut">
               <a:rPr lang="en-US" smtClean="0"/>
-              <a:t>1/20/20</a:t>
+              <a:t>1/22/20</a:t>
             </a:fld>
             <a:endParaRPr lang="en-US"/>
           </a:p>
@@ -2383,7 +2383,7 @@
           <p:cNvPr id="8" name="Footer Placeholder 7">
             <a:extLst>
               <a:ext uri="{FF2B5EF4-FFF2-40B4-BE49-F238E27FC236}">
-                <a16:creationId xmlns:a16="http://schemas.microsoft.com/office/drawing/2014/main" xmlns="" id="{9788C8FA-359A-5447-AA0E-98D16ECCC92D}"/>
+                <a16:creationId xmlns="" xmlns:a16="http://schemas.microsoft.com/office/drawing/2014/main" id="{9788C8FA-359A-5447-AA0E-98D16ECCC92D}"/>
               </a:ext>
             </a:extLst>
           </p:cNvPr>
@@ -2408,7 +2408,7 @@
           <p:cNvPr id="9" name="Slide Number Placeholder 8">
             <a:extLst>
               <a:ext uri="{FF2B5EF4-FFF2-40B4-BE49-F238E27FC236}">
-                <a16:creationId xmlns:a16="http://schemas.microsoft.com/office/drawing/2014/main" xmlns="" id="{3D69C8CD-0DF6-4E4C-A412-31B03845FA24}"/>
+                <a16:creationId xmlns="" xmlns:a16="http://schemas.microsoft.com/office/drawing/2014/main" id="{3D69C8CD-0DF6-4E4C-A412-31B03845FA24}"/>
               </a:ext>
             </a:extLst>
           </p:cNvPr>
@@ -2467,7 +2467,7 @@
           <p:cNvPr id="2" name="Title 1">
             <a:extLst>
               <a:ext uri="{FF2B5EF4-FFF2-40B4-BE49-F238E27FC236}">
-                <a16:creationId xmlns:a16="http://schemas.microsoft.com/office/drawing/2014/main" xmlns="" id="{13C48C8E-A743-0B4F-AB6E-AB828F1218C8}"/>
+                <a16:creationId xmlns="" xmlns:a16="http://schemas.microsoft.com/office/drawing/2014/main" id="{13C48C8E-A743-0B4F-AB6E-AB828F1218C8}"/>
               </a:ext>
             </a:extLst>
           </p:cNvPr>
@@ -2496,7 +2496,7 @@
           <p:cNvPr id="3" name="Date Placeholder 2">
             <a:extLst>
               <a:ext uri="{FF2B5EF4-FFF2-40B4-BE49-F238E27FC236}">
-                <a16:creationId xmlns:a16="http://schemas.microsoft.com/office/drawing/2014/main" xmlns="" id="{70FAB17F-6D86-B147-9346-A9B5242FC803}"/>
+                <a16:creationId xmlns="" xmlns:a16="http://schemas.microsoft.com/office/drawing/2014/main" id="{70FAB17F-6D86-B147-9346-A9B5242FC803}"/>
               </a:ext>
             </a:extLst>
           </p:cNvPr>
@@ -2514,7 +2514,7 @@
           <a:p>
             <a:fld id="{BE5295ED-3BAF-1140-8495-3D368771D6B1}" type="datetimeFigureOut">
               <a:rPr lang="en-US" smtClean="0"/>
-              <a:t>1/20/20</a:t>
+              <a:t>1/22/20</a:t>
             </a:fld>
             <a:endParaRPr lang="en-US"/>
           </a:p>
@@ -2525,7 +2525,7 @@
           <p:cNvPr id="4" name="Footer Placeholder 3">
             <a:extLst>
               <a:ext uri="{FF2B5EF4-FFF2-40B4-BE49-F238E27FC236}">
-                <a16:creationId xmlns:a16="http://schemas.microsoft.com/office/drawing/2014/main" xmlns="" id="{4B8A6F49-DCD7-7B4B-8496-2547B2A81C83}"/>
+                <a16:creationId xmlns="" xmlns:a16="http://schemas.microsoft.com/office/drawing/2014/main" id="{4B8A6F49-DCD7-7B4B-8496-2547B2A81C83}"/>
               </a:ext>
             </a:extLst>
           </p:cNvPr>
@@ -2550,7 +2550,7 @@
           <p:cNvPr id="5" name="Slide Number Placeholder 4">
             <a:extLst>
               <a:ext uri="{FF2B5EF4-FFF2-40B4-BE49-F238E27FC236}">
-                <a16:creationId xmlns:a16="http://schemas.microsoft.com/office/drawing/2014/main" xmlns="" id="{D4D1F89D-8541-BB4B-A145-D0DC66605C91}"/>
+                <a16:creationId xmlns="" xmlns:a16="http://schemas.microsoft.com/office/drawing/2014/main" id="{D4D1F89D-8541-BB4B-A145-D0DC66605C91}"/>
               </a:ext>
             </a:extLst>
           </p:cNvPr>
@@ -2609,7 +2609,7 @@
           <p:cNvPr id="2" name="Date Placeholder 1">
             <a:extLst>
               <a:ext uri="{FF2B5EF4-FFF2-40B4-BE49-F238E27FC236}">
-                <a16:creationId xmlns:a16="http://schemas.microsoft.com/office/drawing/2014/main" xmlns="" id="{AD68AA44-A589-744E-AB85-5B6ED8E7D8C0}"/>
+                <a16:creationId xmlns="" xmlns:a16="http://schemas.microsoft.com/office/drawing/2014/main" id="{AD68AA44-A589-744E-AB85-5B6ED8E7D8C0}"/>
               </a:ext>
             </a:extLst>
           </p:cNvPr>
@@ -2627,7 +2627,7 @@
           <a:p>
             <a:fld id="{BE5295ED-3BAF-1140-8495-3D368771D6B1}" type="datetimeFigureOut">
               <a:rPr lang="en-US" smtClean="0"/>
-              <a:t>1/20/20</a:t>
+              <a:t>1/22/20</a:t>
             </a:fld>
             <a:endParaRPr lang="en-US"/>
           </a:p>
@@ -2638,7 +2638,7 @@
           <p:cNvPr id="3" name="Footer Placeholder 2">
             <a:extLst>
               <a:ext uri="{FF2B5EF4-FFF2-40B4-BE49-F238E27FC236}">
-                <a16:creationId xmlns:a16="http://schemas.microsoft.com/office/drawing/2014/main" xmlns="" id="{1CA0E6D3-947A-FA4D-8626-2883D14EFE8D}"/>
+                <a16:creationId xmlns="" xmlns:a16="http://schemas.microsoft.com/office/drawing/2014/main" id="{1CA0E6D3-947A-FA4D-8626-2883D14EFE8D}"/>
               </a:ext>
             </a:extLst>
           </p:cNvPr>
@@ -2663,7 +2663,7 @@
           <p:cNvPr id="4" name="Slide Number Placeholder 3">
             <a:extLst>
               <a:ext uri="{FF2B5EF4-FFF2-40B4-BE49-F238E27FC236}">
-                <a16:creationId xmlns:a16="http://schemas.microsoft.com/office/drawing/2014/main" xmlns="" id="{5BF0953F-E6D0-2240-B174-03015D0856A8}"/>
+                <a16:creationId xmlns="" xmlns:a16="http://schemas.microsoft.com/office/drawing/2014/main" id="{5BF0953F-E6D0-2240-B174-03015D0856A8}"/>
               </a:ext>
             </a:extLst>
           </p:cNvPr>
@@ -2722,7 +2722,7 @@
           <p:cNvPr id="2" name="Title 1">
             <a:extLst>
               <a:ext uri="{FF2B5EF4-FFF2-40B4-BE49-F238E27FC236}">
-                <a16:creationId xmlns:a16="http://schemas.microsoft.com/office/drawing/2014/main" xmlns="" id="{26FFD677-FF02-3E4E-8E32-44D146E24D90}"/>
+                <a16:creationId xmlns="" xmlns:a16="http://schemas.microsoft.com/office/drawing/2014/main" id="{26FFD677-FF02-3E4E-8E32-44D146E24D90}"/>
               </a:ext>
             </a:extLst>
           </p:cNvPr>
@@ -2760,7 +2760,7 @@
           <p:cNvPr id="3" name="Content Placeholder 2">
             <a:extLst>
               <a:ext uri="{FF2B5EF4-FFF2-40B4-BE49-F238E27FC236}">
-                <a16:creationId xmlns:a16="http://schemas.microsoft.com/office/drawing/2014/main" xmlns="" id="{9942170F-E10D-1348-86CE-8E869B806F9B}"/>
+                <a16:creationId xmlns="" xmlns:a16="http://schemas.microsoft.com/office/drawing/2014/main" id="{9942170F-E10D-1348-86CE-8E869B806F9B}"/>
               </a:ext>
             </a:extLst>
           </p:cNvPr>
@@ -2851,7 +2851,7 @@
           <p:cNvPr id="4" name="Text Placeholder 3">
             <a:extLst>
               <a:ext uri="{FF2B5EF4-FFF2-40B4-BE49-F238E27FC236}">
-                <a16:creationId xmlns:a16="http://schemas.microsoft.com/office/drawing/2014/main" xmlns="" id="{80772D86-2794-394C-A208-2D3E234A3A20}"/>
+                <a16:creationId xmlns="" xmlns:a16="http://schemas.microsoft.com/office/drawing/2014/main" id="{80772D86-2794-394C-A208-2D3E234A3A20}"/>
               </a:ext>
             </a:extLst>
           </p:cNvPr>
@@ -2922,7 +2922,7 @@
           <p:cNvPr id="5" name="Date Placeholder 4">
             <a:extLst>
               <a:ext uri="{FF2B5EF4-FFF2-40B4-BE49-F238E27FC236}">
-                <a16:creationId xmlns:a16="http://schemas.microsoft.com/office/drawing/2014/main" xmlns="" id="{B5314D31-901A-D944-B06D-3D8106F2A2BC}"/>
+                <a16:creationId xmlns="" xmlns:a16="http://schemas.microsoft.com/office/drawing/2014/main" id="{B5314D31-901A-D944-B06D-3D8106F2A2BC}"/>
               </a:ext>
             </a:extLst>
           </p:cNvPr>
@@ -2940,7 +2940,7 @@
           <a:p>
             <a:fld id="{BE5295ED-3BAF-1140-8495-3D368771D6B1}" type="datetimeFigureOut">
               <a:rPr lang="en-US" smtClean="0"/>
-              <a:t>1/20/20</a:t>
+              <a:t>1/22/20</a:t>
             </a:fld>
             <a:endParaRPr lang="en-US"/>
           </a:p>
@@ -2951,7 +2951,7 @@
           <p:cNvPr id="6" name="Footer Placeholder 5">
             <a:extLst>
               <a:ext uri="{FF2B5EF4-FFF2-40B4-BE49-F238E27FC236}">
-                <a16:creationId xmlns:a16="http://schemas.microsoft.com/office/drawing/2014/main" xmlns="" id="{BFFC6519-9D04-AC45-BB37-9DD413CC741D}"/>
+                <a16:creationId xmlns="" xmlns:a16="http://schemas.microsoft.com/office/drawing/2014/main" id="{BFFC6519-9D04-AC45-BB37-9DD413CC741D}"/>
               </a:ext>
             </a:extLst>
           </p:cNvPr>
@@ -2976,7 +2976,7 @@
           <p:cNvPr id="7" name="Slide Number Placeholder 6">
             <a:extLst>
               <a:ext uri="{FF2B5EF4-FFF2-40B4-BE49-F238E27FC236}">
-                <a16:creationId xmlns:a16="http://schemas.microsoft.com/office/drawing/2014/main" xmlns="" id="{856ACFF3-3C93-FA41-80F3-4708944F9A8C}"/>
+                <a16:creationId xmlns="" xmlns:a16="http://schemas.microsoft.com/office/drawing/2014/main" id="{856ACFF3-3C93-FA41-80F3-4708944F9A8C}"/>
               </a:ext>
             </a:extLst>
           </p:cNvPr>
@@ -3035,7 +3035,7 @@
           <p:cNvPr id="2" name="Title 1">
             <a:extLst>
               <a:ext uri="{FF2B5EF4-FFF2-40B4-BE49-F238E27FC236}">
-                <a16:creationId xmlns:a16="http://schemas.microsoft.com/office/drawing/2014/main" xmlns="" id="{52F7D6A8-4C7A-ED44-A821-97E76FB58748}"/>
+                <a16:creationId xmlns="" xmlns:a16="http://schemas.microsoft.com/office/drawing/2014/main" id="{52F7D6A8-4C7A-ED44-A821-97E76FB58748}"/>
               </a:ext>
             </a:extLst>
           </p:cNvPr>
@@ -3073,7 +3073,7 @@
           <p:cNvPr id="3" name="Picture Placeholder 2">
             <a:extLst>
               <a:ext uri="{FF2B5EF4-FFF2-40B4-BE49-F238E27FC236}">
-                <a16:creationId xmlns:a16="http://schemas.microsoft.com/office/drawing/2014/main" xmlns="" id="{FFA0AABB-AB65-FB40-8DCA-227F017E16C5}"/>
+                <a16:creationId xmlns="" xmlns:a16="http://schemas.microsoft.com/office/drawing/2014/main" id="{FFA0AABB-AB65-FB40-8DCA-227F017E16C5}"/>
               </a:ext>
             </a:extLst>
           </p:cNvPr>
@@ -3144,7 +3144,7 @@
           <p:cNvPr id="4" name="Text Placeholder 3">
             <a:extLst>
               <a:ext uri="{FF2B5EF4-FFF2-40B4-BE49-F238E27FC236}">
-                <a16:creationId xmlns:a16="http://schemas.microsoft.com/office/drawing/2014/main" xmlns="" id="{67AC3EE9-FB8F-F642-BB10-A468CFF85E6A}"/>
+                <a16:creationId xmlns="" xmlns:a16="http://schemas.microsoft.com/office/drawing/2014/main" id="{67AC3EE9-FB8F-F642-BB10-A468CFF85E6A}"/>
               </a:ext>
             </a:extLst>
           </p:cNvPr>
@@ -3215,7 +3215,7 @@
           <p:cNvPr id="5" name="Date Placeholder 4">
             <a:extLst>
               <a:ext uri="{FF2B5EF4-FFF2-40B4-BE49-F238E27FC236}">
-                <a16:creationId xmlns:a16="http://schemas.microsoft.com/office/drawing/2014/main" xmlns="" id="{0A0EC8A2-C616-8B40-8C9C-A15442358393}"/>
+                <a16:creationId xmlns="" xmlns:a16="http://schemas.microsoft.com/office/drawing/2014/main" id="{0A0EC8A2-C616-8B40-8C9C-A15442358393}"/>
               </a:ext>
             </a:extLst>
           </p:cNvPr>
@@ -3233,7 +3233,7 @@
           <a:p>
             <a:fld id="{BE5295ED-3BAF-1140-8495-3D368771D6B1}" type="datetimeFigureOut">
               <a:rPr lang="en-US" smtClean="0"/>
-              <a:t>1/20/20</a:t>
+              <a:t>1/22/20</a:t>
             </a:fld>
             <a:endParaRPr lang="en-US"/>
           </a:p>
@@ -3244,7 +3244,7 @@
           <p:cNvPr id="6" name="Footer Placeholder 5">
             <a:extLst>
               <a:ext uri="{FF2B5EF4-FFF2-40B4-BE49-F238E27FC236}">
-                <a16:creationId xmlns:a16="http://schemas.microsoft.com/office/drawing/2014/main" xmlns="" id="{AA229EC7-73FC-4D43-8916-C76404AC37DC}"/>
+                <a16:creationId xmlns="" xmlns:a16="http://schemas.microsoft.com/office/drawing/2014/main" id="{AA229EC7-73FC-4D43-8916-C76404AC37DC}"/>
               </a:ext>
             </a:extLst>
           </p:cNvPr>
@@ -3269,7 +3269,7 @@
           <p:cNvPr id="7" name="Slide Number Placeholder 6">
             <a:extLst>
               <a:ext uri="{FF2B5EF4-FFF2-40B4-BE49-F238E27FC236}">
-                <a16:creationId xmlns:a16="http://schemas.microsoft.com/office/drawing/2014/main" xmlns="" id="{D84430E4-67BB-3342-B2B8-DFBE758CFA59}"/>
+                <a16:creationId xmlns="" xmlns:a16="http://schemas.microsoft.com/office/drawing/2014/main" id="{D84430E4-67BB-3342-B2B8-DFBE758CFA59}"/>
               </a:ext>
             </a:extLst>
           </p:cNvPr>
@@ -3333,7 +3333,7 @@
           <p:cNvPr id="2" name="Title Placeholder 1">
             <a:extLst>
               <a:ext uri="{FF2B5EF4-FFF2-40B4-BE49-F238E27FC236}">
-                <a16:creationId xmlns:a16="http://schemas.microsoft.com/office/drawing/2014/main" xmlns="" id="{ED530927-E202-4648-95ED-A701F648A289}"/>
+                <a16:creationId xmlns="" xmlns:a16="http://schemas.microsoft.com/office/drawing/2014/main" id="{ED530927-E202-4648-95ED-A701F648A289}"/>
               </a:ext>
             </a:extLst>
           </p:cNvPr>
@@ -3372,7 +3372,7 @@
           <p:cNvPr id="3" name="Text Placeholder 2">
             <a:extLst>
               <a:ext uri="{FF2B5EF4-FFF2-40B4-BE49-F238E27FC236}">
-                <a16:creationId xmlns:a16="http://schemas.microsoft.com/office/drawing/2014/main" xmlns="" id="{F00E1E3E-B2FE-5A47-8C43-849DE842741B}"/>
+                <a16:creationId xmlns="" xmlns:a16="http://schemas.microsoft.com/office/drawing/2014/main" id="{F00E1E3E-B2FE-5A47-8C43-849DE842741B}"/>
               </a:ext>
             </a:extLst>
           </p:cNvPr>
@@ -3439,7 +3439,7 @@
           <p:cNvPr id="4" name="Date Placeholder 3">
             <a:extLst>
               <a:ext uri="{FF2B5EF4-FFF2-40B4-BE49-F238E27FC236}">
-                <a16:creationId xmlns:a16="http://schemas.microsoft.com/office/drawing/2014/main" xmlns="" id="{A51822C1-C9FC-554F-B744-0FF8DD0A61C0}"/>
+                <a16:creationId xmlns="" xmlns:a16="http://schemas.microsoft.com/office/drawing/2014/main" id="{A51822C1-C9FC-554F-B744-0FF8DD0A61C0}"/>
               </a:ext>
             </a:extLst>
           </p:cNvPr>
@@ -3475,7 +3475,7 @@
           <a:p>
             <a:fld id="{BE5295ED-3BAF-1140-8495-3D368771D6B1}" type="datetimeFigureOut">
               <a:rPr lang="en-US" smtClean="0"/>
-              <a:t>1/20/20</a:t>
+              <a:t>1/22/20</a:t>
             </a:fld>
             <a:endParaRPr lang="en-US"/>
           </a:p>
@@ -3486,7 +3486,7 @@
           <p:cNvPr id="5" name="Footer Placeholder 4">
             <a:extLst>
               <a:ext uri="{FF2B5EF4-FFF2-40B4-BE49-F238E27FC236}">
-                <a16:creationId xmlns:a16="http://schemas.microsoft.com/office/drawing/2014/main" xmlns="" id="{AA4916E3-9D5B-B647-A5DA-A5B78525EFFB}"/>
+                <a16:creationId xmlns="" xmlns:a16="http://schemas.microsoft.com/office/drawing/2014/main" id="{AA4916E3-9D5B-B647-A5DA-A5B78525EFFB}"/>
               </a:ext>
             </a:extLst>
           </p:cNvPr>
@@ -3529,7 +3529,7 @@
           <p:cNvPr id="6" name="Slide Number Placeholder 5">
             <a:extLst>
               <a:ext uri="{FF2B5EF4-FFF2-40B4-BE49-F238E27FC236}">
-                <a16:creationId xmlns:a16="http://schemas.microsoft.com/office/drawing/2014/main" xmlns="" id="{11872E83-B77B-9647-AE80-95985B60F4F0}"/>
+                <a16:creationId xmlns="" xmlns:a16="http://schemas.microsoft.com/office/drawing/2014/main" id="{11872E83-B77B-9647-AE80-95985B60F4F0}"/>
               </a:ext>
             </a:extLst>
           </p:cNvPr>
@@ -3576,7 +3576,7 @@
           <p:cNvPr id="7" name="Picture 6">
             <a:extLst>
               <a:ext uri="{FF2B5EF4-FFF2-40B4-BE49-F238E27FC236}">
-                <a16:creationId xmlns:a16="http://schemas.microsoft.com/office/drawing/2014/main" xmlns="" id="{F0F46825-E66D-B247-B71A-C48424207597}"/>
+                <a16:creationId xmlns="" xmlns:a16="http://schemas.microsoft.com/office/drawing/2014/main" id="{F0F46825-E66D-B247-B71A-C48424207597}"/>
               </a:ext>
             </a:extLst>
           </p:cNvPr>
@@ -3927,7 +3927,7 @@
           <p:cNvPr id="2" name="Title 1">
             <a:extLst>
               <a:ext uri="{FF2B5EF4-FFF2-40B4-BE49-F238E27FC236}">
-                <a16:creationId xmlns:a16="http://schemas.microsoft.com/office/drawing/2014/main" xmlns="" id="{DDB4A5C5-CE37-5241-A9FF-85F98EF1E91E}"/>
+                <a16:creationId xmlns="" xmlns:a16="http://schemas.microsoft.com/office/drawing/2014/main" id="{DDB4A5C5-CE37-5241-A9FF-85F98EF1E91E}"/>
               </a:ext>
             </a:extLst>
           </p:cNvPr>
@@ -3959,7 +3959,7 @@
           <p:cNvPr id="3" name="Subtitle 2">
             <a:extLst>
               <a:ext uri="{FF2B5EF4-FFF2-40B4-BE49-F238E27FC236}">
-                <a16:creationId xmlns:a16="http://schemas.microsoft.com/office/drawing/2014/main" xmlns="" id="{5EF75859-F09F-414F-8571-4D3854CD3C44}"/>
+                <a16:creationId xmlns="" xmlns:a16="http://schemas.microsoft.com/office/drawing/2014/main" id="{5EF75859-F09F-414F-8571-4D3854CD3C44}"/>
               </a:ext>
             </a:extLst>
           </p:cNvPr>
@@ -3992,7 +3992,7 @@
           <p:cNvPr id="5" name="Rectangle 4">
             <a:extLst>
               <a:ext uri="{FF2B5EF4-FFF2-40B4-BE49-F238E27FC236}">
-                <a16:creationId xmlns:a16="http://schemas.microsoft.com/office/drawing/2014/main" xmlns="" id="{39D37F11-0EC0-C645-ADE9-CE8BFDF0B2D4}"/>
+                <a16:creationId xmlns="" xmlns:a16="http://schemas.microsoft.com/office/drawing/2014/main" id="{39D37F11-0EC0-C645-ADE9-CE8BFDF0B2D4}"/>
               </a:ext>
             </a:extLst>
           </p:cNvPr>
@@ -4172,7 +4172,11 @@
             </a:r>
             <a:r>
               <a:rPr lang="en-US" dirty="0" smtClean="0"/>
-              <a:t>of function does</a:t>
+              <a:t>the function </a:t>
+            </a:r>
+            <a:r>
+              <a:rPr lang="en-US" dirty="0" smtClean="0"/>
+              <a:t>does</a:t>
             </a:r>
             <a:endParaRPr lang="en-US" dirty="0"/>
           </a:p>
@@ -4183,7 +4187,7 @@
           <p:cNvPr id="4" name="TextBox 3">
             <a:extLst>
               <a:ext uri="{FF2B5EF4-FFF2-40B4-BE49-F238E27FC236}">
-                <a16:creationId xmlns:a16="http://schemas.microsoft.com/office/drawing/2014/main" xmlns="" id="{7EA51DEE-4B36-8844-9444-48364D4297AC}"/>
+                <a16:creationId xmlns="" xmlns:a16="http://schemas.microsoft.com/office/drawing/2014/main" id="{7EA51DEE-4B36-8844-9444-48364D4297AC}"/>
               </a:ext>
             </a:extLst>
           </p:cNvPr>
@@ -4390,7 +4394,15 @@
             </a:r>
             <a:r>
               <a:rPr lang="en-US" dirty="0" smtClean="0"/>
-              <a:t>function looking for loops; all of the action occurs in the loops</a:t>
+              <a:t>function </a:t>
+            </a:r>
+            <a:r>
+              <a:rPr lang="en-US" i="1" dirty="0" smtClean="0"/>
+              <a:t>looking for loops</a:t>
+            </a:r>
+            <a:r>
+              <a:rPr lang="en-US" dirty="0" smtClean="0"/>
+              <a:t>; all of the action occurs in the loops</a:t>
             </a:r>
           </a:p>
           <a:p>
@@ -4620,7 +4632,15 @@
           <a:p>
             <a:r>
               <a:rPr lang="en-US" dirty="0" smtClean="0"/>
-              <a:t>The ”holes” are: what we are accumulating (data), the operation is summation; we might also have to look for loop bounds</a:t>
+              <a:t>The </a:t>
+            </a:r>
+            <a:r>
+              <a:rPr lang="en-US" dirty="0" smtClean="0"/>
+              <a:t>“holes</a:t>
+            </a:r>
+            <a:r>
+              <a:rPr lang="en-US" dirty="0" smtClean="0"/>
+              <a:t>” are: what we are accumulating (data), the operation is summation; we might also have to look for loop bounds</a:t>
             </a:r>
             <a:endParaRPr lang="en-US" dirty="0"/>
           </a:p>
@@ -4631,7 +4651,7 @@
           <p:cNvPr id="4" name="TextBox 3">
             <a:extLst>
               <a:ext uri="{FF2B5EF4-FFF2-40B4-BE49-F238E27FC236}">
-                <a16:creationId xmlns:a16="http://schemas.microsoft.com/office/drawing/2014/main" xmlns="" id="{7EA51DEE-4B36-8844-9444-48364D4297AC}"/>
+                <a16:creationId xmlns="" xmlns:a16="http://schemas.microsoft.com/office/drawing/2014/main" id="{7EA51DEE-4B36-8844-9444-48364D4297AC}"/>
               </a:ext>
             </a:extLst>
           </p:cNvPr>
@@ -4942,7 +4962,7 @@
           <p:cNvPr id="4" name="TextBox 3">
             <a:extLst>
               <a:ext uri="{FF2B5EF4-FFF2-40B4-BE49-F238E27FC236}">
-                <a16:creationId xmlns:a16="http://schemas.microsoft.com/office/drawing/2014/main" xmlns="" id="{7EA51DEE-4B36-8844-9444-48364D4297AC}"/>
+                <a16:creationId xmlns="" xmlns:a16="http://schemas.microsoft.com/office/drawing/2014/main" id="{7EA51DEE-4B36-8844-9444-48364D4297AC}"/>
               </a:ext>
             </a:extLst>
           </p:cNvPr>
@@ -5325,7 +5345,15 @@
           <a:p>
             <a:r>
               <a:rPr lang="en-US" dirty="0" smtClean="0"/>
-              <a:t>Then look at the operation which is adding two elements</a:t>
+              <a:t>Then look at the </a:t>
+            </a:r>
+            <a:r>
+              <a:rPr lang="en-US" dirty="0" smtClean="0"/>
+              <a:t>operation, </a:t>
+            </a:r>
+            <a:r>
+              <a:rPr lang="en-US" dirty="0" smtClean="0"/>
+              <a:t>which is adding two elements</a:t>
             </a:r>
           </a:p>
           <a:p>
@@ -5337,7 +5365,11 @@
           <a:p>
             <a:r>
               <a:rPr lang="en-US" dirty="0" smtClean="0"/>
-              <a:t>Nested loops? Think matrix or image operations</a:t>
+              <a:t>See nested </a:t>
+            </a:r>
+            <a:r>
+              <a:rPr lang="en-US" dirty="0" smtClean="0"/>
+              <a:t>loops? Think matrix or image operations</a:t>
             </a:r>
             <a:endParaRPr lang="en-US" dirty="0"/>
           </a:p>
@@ -5348,7 +5380,7 @@
           <p:cNvPr id="4" name="TextBox 3">
             <a:extLst>
               <a:ext uri="{FF2B5EF4-FFF2-40B4-BE49-F238E27FC236}">
-                <a16:creationId xmlns:a16="http://schemas.microsoft.com/office/drawing/2014/main" xmlns="" id="{7EA51DEE-4B36-8844-9444-48364D4297AC}"/>
+                <a16:creationId xmlns="" xmlns:a16="http://schemas.microsoft.com/office/drawing/2014/main" id="{7EA51DEE-4B36-8844-9444-48364D4297AC}"/>
               </a:ext>
             </a:extLst>
           </p:cNvPr>
@@ -6047,7 +6079,7 @@
           <p:cNvPr id="4" name="TextBox 3">
             <a:extLst>
               <a:ext uri="{FF2B5EF4-FFF2-40B4-BE49-F238E27FC236}">
-                <a16:creationId xmlns:a16="http://schemas.microsoft.com/office/drawing/2014/main" xmlns="" id="{7EA51DEE-4B36-8844-9444-48364D4297AC}"/>
+                <a16:creationId xmlns="" xmlns:a16="http://schemas.microsoft.com/office/drawing/2014/main" id="{7EA51DEE-4B36-8844-9444-48364D4297AC}"/>
               </a:ext>
             </a:extLst>
           </p:cNvPr>
@@ -6187,11 +6219,6 @@
               </a:rPr>
               <a:t>)</a:t>
             </a:r>
-            <a:endParaRPr lang="en-US" sz="2400" dirty="0">
-              <a:latin typeface="Monaco" charset="0"/>
-              <a:ea typeface="Monaco" charset="0"/>
-              <a:cs typeface="Monaco" charset="0"/>
-            </a:endParaRPr>
           </a:p>
         </p:txBody>
       </p:sp>
@@ -6455,7 +6482,7 @@
           <p:cNvPr id="4" name="TextBox 3">
             <a:extLst>
               <a:ext uri="{FF2B5EF4-FFF2-40B4-BE49-F238E27FC236}">
-                <a16:creationId xmlns:a16="http://schemas.microsoft.com/office/drawing/2014/main" xmlns="" id="{7EA51DEE-4B36-8844-9444-48364D4297AC}"/>
+                <a16:creationId xmlns="" xmlns:a16="http://schemas.microsoft.com/office/drawing/2014/main" id="{7EA51DEE-4B36-8844-9444-48364D4297AC}"/>
               </a:ext>
             </a:extLst>
           </p:cNvPr>
@@ -6893,12 +6920,17 @@
             </a:r>
             <a:r>
               <a:rPr lang="en-US" dirty="0"/>
-              <a:t>to other developers and your future self by writing high-quality </a:t>
-            </a:r>
-            <a:r>
-              <a:rPr lang="en-US" dirty="0" smtClean="0"/>
-              <a:t>code</a:t>
-            </a:r>
+              <a:t>to other developers and your future self by writing </a:t>
+            </a:r>
+            <a:r>
+              <a:rPr lang="en-US"/>
+              <a:t>high-quality </a:t>
+            </a:r>
+            <a:r>
+              <a:rPr lang="en-US" smtClean="0"/>
+              <a:t>code; and include useful comments</a:t>
+            </a:r>
+            <a:endParaRPr lang="en-US" dirty="0" smtClean="0"/>
           </a:p>
           <a:p>
             <a:r>
@@ -7367,8 +7399,9 @@
             </a:r>
             <a:r>
               <a:rPr lang="en-US" dirty="0" smtClean="0"/>
-              <a:t>author</a:t>
-            </a:r>
+              <a:t>code author</a:t>
+            </a:r>
+            <a:endParaRPr lang="en-US" dirty="0" smtClean="0"/>
           </a:p>
           <a:p>
             <a:pPr lvl="1"/>
@@ -7448,26 +7481,34 @@
             <a:pPr lvl="1"/>
             <a:r>
               <a:rPr lang="en-US" dirty="0" smtClean="0"/>
-              <a:t>Not </a:t>
+              <a:t>Don’t try </a:t>
+            </a:r>
+            <a:r>
+              <a:rPr lang="en-US" dirty="0" smtClean="0"/>
+              <a:t>to determine functionality by simulating the statements literally in </a:t>
+            </a:r>
+            <a:r>
+              <a:rPr lang="en-US" dirty="0" smtClean="0"/>
+              <a:t>your head </a:t>
+            </a:r>
+            <a:r>
+              <a:rPr lang="en-US" dirty="0" smtClean="0"/>
+              <a:t>or on paper</a:t>
+            </a:r>
+          </a:p>
+          <a:p>
+            <a:pPr lvl="1"/>
+            <a:r>
+              <a:rPr lang="en-US" dirty="0" smtClean="0"/>
+              <a:t>Rather, </a:t>
+            </a:r>
+            <a:r>
+              <a:rPr lang="en-US" dirty="0" smtClean="0"/>
+              <a:t>look </a:t>
             </a:r>
             <a:r>
               <a:rPr lang="en-US" dirty="0"/>
-              <a:t>trying </a:t>
-            </a:r>
-            <a:r>
-              <a:rPr lang="en-US" dirty="0" smtClean="0"/>
-              <a:t>to determine functionality by simulating the statements literally in her head or on paper</a:t>
-            </a:r>
-          </a:p>
-          <a:p>
-            <a:pPr lvl="1"/>
-            <a:r>
-              <a:rPr lang="en-US" dirty="0" smtClean="0"/>
-              <a:t>Rather, </a:t>
-            </a:r>
-            <a:r>
-              <a:rPr lang="en-US" dirty="0"/>
-              <a:t>we are looking for patterns that tell us what high-level operations are being </a:t>
+              <a:t>for patterns that tell us what high-level operations are being </a:t>
             </a:r>
             <a:r>
               <a:rPr lang="en-US" dirty="0" smtClean="0"/>
@@ -7757,7 +7798,15 @@
             </a:r>
             <a:r>
               <a:rPr lang="en-US" dirty="0"/>
-              <a:t>on your goal in reading the program, you might start stepping through the main program or immediately jump to a function of interest.</a:t>
+              <a:t>on </a:t>
+            </a:r>
+            <a:r>
+              <a:rPr lang="en-US" dirty="0" smtClean="0"/>
+              <a:t>your purpose in </a:t>
+            </a:r>
+            <a:r>
+              <a:rPr lang="en-US" dirty="0"/>
+              <a:t>reading the program, you might start stepping through the main program or immediately jump to a function of interest.</a:t>
             </a:r>
           </a:p>
           <a:p>
@@ -7978,15 +8027,7 @@
             </a:r>
             <a:r>
               <a:rPr lang="en-US" dirty="0"/>
-              <a:t>a generic function name like </a:t>
-            </a:r>
-            <a:r>
-              <a:rPr lang="en-US" dirty="0"/>
-              <a:t>f</a:t>
-            </a:r>
-            <a:r>
-              <a:rPr lang="en-US" dirty="0"/>
-              <a:t> is how faculty write code-reading questions without giving away the answer</a:t>
+              <a:t>a generic function name like f is how faculty write code-reading questions without giving away the answer</a:t>
             </a:r>
             <a:r>
               <a:rPr lang="en-US" dirty="0" smtClean="0"/>
@@ -8001,7 +8042,7 @@
           <p:cNvPr id="4" name="TextBox 3">
             <a:extLst>
               <a:ext uri="{FF2B5EF4-FFF2-40B4-BE49-F238E27FC236}">
-                <a16:creationId xmlns:a16="http://schemas.microsoft.com/office/drawing/2014/main" xmlns="" id="{7EA51DEE-4B36-8844-9444-48364D4297AC}"/>
+                <a16:creationId xmlns="" xmlns:a16="http://schemas.microsoft.com/office/drawing/2014/main" id="{7EA51DEE-4B36-8844-9444-48364D4297AC}"/>
               </a:ext>
             </a:extLst>
           </p:cNvPr>
@@ -8170,8 +8211,9 @@
             </a:r>
             <a:r>
               <a:rPr lang="en-US" dirty="0" smtClean="0"/>
-              <a:t>careful.</a:t>
-            </a:r>
+              <a:t>careful!</a:t>
+            </a:r>
+            <a:endParaRPr lang="en-US" dirty="0" smtClean="0"/>
           </a:p>
           <a:p>
             <a:r>

--- a/notes/reading-code.pptx
+++ b/notes/reading-code.pptx
@@ -222,7 +222,7 @@
           <a:p>
             <a:fld id="{8A1B613A-EFF1-404F-BEE8-EFAE84A4E5E2}" type="datetimeFigureOut">
               <a:rPr lang="en-US" smtClean="0"/>
-              <a:t>1/22/20</a:t>
+              <a:t>3/22/21</a:t>
             </a:fld>
             <a:endParaRPr lang="en-US"/>
           </a:p>
@@ -387,7 +387,7 @@
           <a:p>
             <a:fld id="{690847EA-AC25-3D4E-89E1-FD3F6A9702B6}" type="datetimeFigureOut">
               <a:rPr lang="en-US" smtClean="0"/>
-              <a:t>1/22/20</a:t>
+              <a:t>3/22/21</a:t>
             </a:fld>
             <a:endParaRPr lang="en-US"/>
           </a:p>
@@ -676,7 +676,7 @@
           <p:cNvPr id="2" name="Title 1">
             <a:extLst>
               <a:ext uri="{FF2B5EF4-FFF2-40B4-BE49-F238E27FC236}">
-                <a16:creationId xmlns="" xmlns:a16="http://schemas.microsoft.com/office/drawing/2014/main" id="{FCECE00E-B2E2-4D43-8A21-E17BBDC017E1}"/>
+                <a16:creationId xmlns:a16="http://schemas.microsoft.com/office/drawing/2014/main" id="{FCECE00E-B2E2-4D43-8A21-E17BBDC017E1}"/>
               </a:ext>
             </a:extLst>
           </p:cNvPr>
@@ -702,10 +702,9 @@
           </a:lstStyle>
           <a:p>
             <a:r>
-              <a:rPr lang="en-US" smtClean="0"/>
+              <a:rPr lang="en-US"/>
               <a:t>Click to edit Master title style</a:t>
             </a:r>
-            <a:endParaRPr lang="en-US"/>
           </a:p>
         </p:txBody>
       </p:sp>
@@ -714,7 +713,7 @@
           <p:cNvPr id="3" name="Subtitle 2">
             <a:extLst>
               <a:ext uri="{FF2B5EF4-FFF2-40B4-BE49-F238E27FC236}">
-                <a16:creationId xmlns="" xmlns:a16="http://schemas.microsoft.com/office/drawing/2014/main" id="{0C4C7E7C-3478-264C-BF00-D75996D63509}"/>
+                <a16:creationId xmlns:a16="http://schemas.microsoft.com/office/drawing/2014/main" id="{0C4C7E7C-3478-264C-BF00-D75996D63509}"/>
               </a:ext>
             </a:extLst>
           </p:cNvPr>
@@ -773,10 +772,9 @@
           </a:lstStyle>
           <a:p>
             <a:r>
-              <a:rPr lang="en-US" smtClean="0"/>
+              <a:rPr lang="en-US"/>
               <a:t>Click to edit Master subtitle style</a:t>
             </a:r>
-            <a:endParaRPr lang="en-US"/>
           </a:p>
         </p:txBody>
       </p:sp>
@@ -785,7 +783,7 @@
           <p:cNvPr id="4" name="Date Placeholder 3">
             <a:extLst>
               <a:ext uri="{FF2B5EF4-FFF2-40B4-BE49-F238E27FC236}">
-                <a16:creationId xmlns="" xmlns:a16="http://schemas.microsoft.com/office/drawing/2014/main" id="{64E1EB94-602A-4843-8753-4DB51430704B}"/>
+                <a16:creationId xmlns:a16="http://schemas.microsoft.com/office/drawing/2014/main" id="{64E1EB94-602A-4843-8753-4DB51430704B}"/>
               </a:ext>
             </a:extLst>
           </p:cNvPr>
@@ -803,7 +801,7 @@
           <a:p>
             <a:fld id="{BE5295ED-3BAF-1140-8495-3D368771D6B1}" type="datetimeFigureOut">
               <a:rPr lang="en-US" smtClean="0"/>
-              <a:t>1/22/20</a:t>
+              <a:t>3/22/21</a:t>
             </a:fld>
             <a:endParaRPr lang="en-US"/>
           </a:p>
@@ -814,7 +812,7 @@
           <p:cNvPr id="5" name="Footer Placeholder 4">
             <a:extLst>
               <a:ext uri="{FF2B5EF4-FFF2-40B4-BE49-F238E27FC236}">
-                <a16:creationId xmlns="" xmlns:a16="http://schemas.microsoft.com/office/drawing/2014/main" id="{FF136E26-0E46-B848-BBFC-A0D2BFA17F33}"/>
+                <a16:creationId xmlns:a16="http://schemas.microsoft.com/office/drawing/2014/main" id="{FF136E26-0E46-B848-BBFC-A0D2BFA17F33}"/>
               </a:ext>
             </a:extLst>
           </p:cNvPr>
@@ -839,7 +837,7 @@
           <p:cNvPr id="6" name="Slide Number Placeholder 5">
             <a:extLst>
               <a:ext uri="{FF2B5EF4-FFF2-40B4-BE49-F238E27FC236}">
-                <a16:creationId xmlns="" xmlns:a16="http://schemas.microsoft.com/office/drawing/2014/main" id="{CEAD4217-442E-6C4A-8D0F-CADFE9EACB6D}"/>
+                <a16:creationId xmlns:a16="http://schemas.microsoft.com/office/drawing/2014/main" id="{CEAD4217-442E-6C4A-8D0F-CADFE9EACB6D}"/>
               </a:ext>
             </a:extLst>
           </p:cNvPr>
@@ -898,7 +896,7 @@
           <p:cNvPr id="2" name="Title 1">
             <a:extLst>
               <a:ext uri="{FF2B5EF4-FFF2-40B4-BE49-F238E27FC236}">
-                <a16:creationId xmlns="" xmlns:a16="http://schemas.microsoft.com/office/drawing/2014/main" id="{F416C72F-B1B5-6442-B3EF-170DEDF83067}"/>
+                <a16:creationId xmlns:a16="http://schemas.microsoft.com/office/drawing/2014/main" id="{F416C72F-B1B5-6442-B3EF-170DEDF83067}"/>
               </a:ext>
             </a:extLst>
           </p:cNvPr>
@@ -915,10 +913,9 @@
           <a:lstStyle/>
           <a:p>
             <a:r>
-              <a:rPr lang="en-US" smtClean="0"/>
+              <a:rPr lang="en-US"/>
               <a:t>Click to edit Master title style</a:t>
             </a:r>
-            <a:endParaRPr lang="en-US"/>
           </a:p>
         </p:txBody>
       </p:sp>
@@ -927,7 +924,7 @@
           <p:cNvPr id="3" name="Vertical Text Placeholder 2">
             <a:extLst>
               <a:ext uri="{FF2B5EF4-FFF2-40B4-BE49-F238E27FC236}">
-                <a16:creationId xmlns="" xmlns:a16="http://schemas.microsoft.com/office/drawing/2014/main" id="{19182C6A-7EA1-C840-86BB-65DF578F4F4B}"/>
+                <a16:creationId xmlns:a16="http://schemas.microsoft.com/office/drawing/2014/main" id="{19182C6A-7EA1-C840-86BB-65DF578F4F4B}"/>
               </a:ext>
             </a:extLst>
           </p:cNvPr>
@@ -945,38 +942,37 @@
           <a:p>
             <a:pPr lvl="0"/>
             <a:r>
-              <a:rPr lang="en-US" smtClean="0"/>
+              <a:rPr lang="en-US"/>
               <a:t>Click to edit Master text styles</a:t>
             </a:r>
           </a:p>
           <a:p>
             <a:pPr lvl="1"/>
             <a:r>
-              <a:rPr lang="en-US" smtClean="0"/>
+              <a:rPr lang="en-US"/>
               <a:t>Second level</a:t>
             </a:r>
           </a:p>
           <a:p>
             <a:pPr lvl="2"/>
             <a:r>
-              <a:rPr lang="en-US" smtClean="0"/>
+              <a:rPr lang="en-US"/>
               <a:t>Third level</a:t>
             </a:r>
           </a:p>
           <a:p>
             <a:pPr lvl="3"/>
             <a:r>
-              <a:rPr lang="en-US" smtClean="0"/>
+              <a:rPr lang="en-US"/>
               <a:t>Fourth level</a:t>
             </a:r>
           </a:p>
           <a:p>
             <a:pPr lvl="4"/>
             <a:r>
-              <a:rPr lang="en-US" smtClean="0"/>
+              <a:rPr lang="en-US"/>
               <a:t>Fifth level</a:t>
             </a:r>
-            <a:endParaRPr lang="en-US"/>
           </a:p>
         </p:txBody>
       </p:sp>
@@ -985,7 +981,7 @@
           <p:cNvPr id="4" name="Date Placeholder 3">
             <a:extLst>
               <a:ext uri="{FF2B5EF4-FFF2-40B4-BE49-F238E27FC236}">
-                <a16:creationId xmlns="" xmlns:a16="http://schemas.microsoft.com/office/drawing/2014/main" id="{DBCD3C4B-E6D4-B140-8126-90FD013DE38A}"/>
+                <a16:creationId xmlns:a16="http://schemas.microsoft.com/office/drawing/2014/main" id="{DBCD3C4B-E6D4-B140-8126-90FD013DE38A}"/>
               </a:ext>
             </a:extLst>
           </p:cNvPr>
@@ -1003,7 +999,7 @@
           <a:p>
             <a:fld id="{BE5295ED-3BAF-1140-8495-3D368771D6B1}" type="datetimeFigureOut">
               <a:rPr lang="en-US" smtClean="0"/>
-              <a:t>1/22/20</a:t>
+              <a:t>3/22/21</a:t>
             </a:fld>
             <a:endParaRPr lang="en-US"/>
           </a:p>
@@ -1014,7 +1010,7 @@
           <p:cNvPr id="5" name="Footer Placeholder 4">
             <a:extLst>
               <a:ext uri="{FF2B5EF4-FFF2-40B4-BE49-F238E27FC236}">
-                <a16:creationId xmlns="" xmlns:a16="http://schemas.microsoft.com/office/drawing/2014/main" id="{E26FD8A5-25AB-2742-9333-F1864AA98C6D}"/>
+                <a16:creationId xmlns:a16="http://schemas.microsoft.com/office/drawing/2014/main" id="{E26FD8A5-25AB-2742-9333-F1864AA98C6D}"/>
               </a:ext>
             </a:extLst>
           </p:cNvPr>
@@ -1039,7 +1035,7 @@
           <p:cNvPr id="6" name="Slide Number Placeholder 5">
             <a:extLst>
               <a:ext uri="{FF2B5EF4-FFF2-40B4-BE49-F238E27FC236}">
-                <a16:creationId xmlns="" xmlns:a16="http://schemas.microsoft.com/office/drawing/2014/main" id="{B4FFBFCA-F2F7-544E-BB46-A887273990B8}"/>
+                <a16:creationId xmlns:a16="http://schemas.microsoft.com/office/drawing/2014/main" id="{B4FFBFCA-F2F7-544E-BB46-A887273990B8}"/>
               </a:ext>
             </a:extLst>
           </p:cNvPr>
@@ -1098,7 +1094,7 @@
           <p:cNvPr id="2" name="Vertical Title 1">
             <a:extLst>
               <a:ext uri="{FF2B5EF4-FFF2-40B4-BE49-F238E27FC236}">
-                <a16:creationId xmlns="" xmlns:a16="http://schemas.microsoft.com/office/drawing/2014/main" id="{A54E5286-71CD-184D-922F-2C587370C871}"/>
+                <a16:creationId xmlns:a16="http://schemas.microsoft.com/office/drawing/2014/main" id="{A54E5286-71CD-184D-922F-2C587370C871}"/>
               </a:ext>
             </a:extLst>
           </p:cNvPr>
@@ -1120,10 +1116,9 @@
           <a:lstStyle/>
           <a:p>
             <a:r>
-              <a:rPr lang="en-US" smtClean="0"/>
+              <a:rPr lang="en-US"/>
               <a:t>Click to edit Master title style</a:t>
             </a:r>
-            <a:endParaRPr lang="en-US"/>
           </a:p>
         </p:txBody>
       </p:sp>
@@ -1132,7 +1127,7 @@
           <p:cNvPr id="3" name="Vertical Text Placeholder 2">
             <a:extLst>
               <a:ext uri="{FF2B5EF4-FFF2-40B4-BE49-F238E27FC236}">
-                <a16:creationId xmlns="" xmlns:a16="http://schemas.microsoft.com/office/drawing/2014/main" id="{8E6C93D7-83D1-8740-A256-2B405524A089}"/>
+                <a16:creationId xmlns:a16="http://schemas.microsoft.com/office/drawing/2014/main" id="{8E6C93D7-83D1-8740-A256-2B405524A089}"/>
               </a:ext>
             </a:extLst>
           </p:cNvPr>
@@ -1155,38 +1150,37 @@
           <a:p>
             <a:pPr lvl="0"/>
             <a:r>
-              <a:rPr lang="en-US" smtClean="0"/>
+              <a:rPr lang="en-US"/>
               <a:t>Click to edit Master text styles</a:t>
             </a:r>
           </a:p>
           <a:p>
             <a:pPr lvl="1"/>
             <a:r>
-              <a:rPr lang="en-US" smtClean="0"/>
+              <a:rPr lang="en-US"/>
               <a:t>Second level</a:t>
             </a:r>
           </a:p>
           <a:p>
             <a:pPr lvl="2"/>
             <a:r>
-              <a:rPr lang="en-US" smtClean="0"/>
+              <a:rPr lang="en-US"/>
               <a:t>Third level</a:t>
             </a:r>
           </a:p>
           <a:p>
             <a:pPr lvl="3"/>
             <a:r>
-              <a:rPr lang="en-US" smtClean="0"/>
+              <a:rPr lang="en-US"/>
               <a:t>Fourth level</a:t>
             </a:r>
           </a:p>
           <a:p>
             <a:pPr lvl="4"/>
             <a:r>
-              <a:rPr lang="en-US" smtClean="0"/>
+              <a:rPr lang="en-US"/>
               <a:t>Fifth level</a:t>
             </a:r>
-            <a:endParaRPr lang="en-US"/>
           </a:p>
         </p:txBody>
       </p:sp>
@@ -1195,7 +1189,7 @@
           <p:cNvPr id="4" name="Date Placeholder 3">
             <a:extLst>
               <a:ext uri="{FF2B5EF4-FFF2-40B4-BE49-F238E27FC236}">
-                <a16:creationId xmlns="" xmlns:a16="http://schemas.microsoft.com/office/drawing/2014/main" id="{C7CCB8DC-90E9-1D49-B70B-5103FBBD3972}"/>
+                <a16:creationId xmlns:a16="http://schemas.microsoft.com/office/drawing/2014/main" id="{C7CCB8DC-90E9-1D49-B70B-5103FBBD3972}"/>
               </a:ext>
             </a:extLst>
           </p:cNvPr>
@@ -1213,7 +1207,7 @@
           <a:p>
             <a:fld id="{BE5295ED-3BAF-1140-8495-3D368771D6B1}" type="datetimeFigureOut">
               <a:rPr lang="en-US" smtClean="0"/>
-              <a:t>1/22/20</a:t>
+              <a:t>3/22/21</a:t>
             </a:fld>
             <a:endParaRPr lang="en-US"/>
           </a:p>
@@ -1224,7 +1218,7 @@
           <p:cNvPr id="5" name="Footer Placeholder 4">
             <a:extLst>
               <a:ext uri="{FF2B5EF4-FFF2-40B4-BE49-F238E27FC236}">
-                <a16:creationId xmlns="" xmlns:a16="http://schemas.microsoft.com/office/drawing/2014/main" id="{0997D847-8768-9843-9B66-E6B3989BA3D2}"/>
+                <a16:creationId xmlns:a16="http://schemas.microsoft.com/office/drawing/2014/main" id="{0997D847-8768-9843-9B66-E6B3989BA3D2}"/>
               </a:ext>
             </a:extLst>
           </p:cNvPr>
@@ -1249,7 +1243,7 @@
           <p:cNvPr id="6" name="Slide Number Placeholder 5">
             <a:extLst>
               <a:ext uri="{FF2B5EF4-FFF2-40B4-BE49-F238E27FC236}">
-                <a16:creationId xmlns="" xmlns:a16="http://schemas.microsoft.com/office/drawing/2014/main" id="{8E82CB94-E0A6-3E47-9F30-8DEB64C2027C}"/>
+                <a16:creationId xmlns:a16="http://schemas.microsoft.com/office/drawing/2014/main" id="{8E82CB94-E0A6-3E47-9F30-8DEB64C2027C}"/>
               </a:ext>
             </a:extLst>
           </p:cNvPr>
@@ -1308,7 +1302,7 @@
           <p:cNvPr id="2" name="Title 1">
             <a:extLst>
               <a:ext uri="{FF2B5EF4-FFF2-40B4-BE49-F238E27FC236}">
-                <a16:creationId xmlns="" xmlns:a16="http://schemas.microsoft.com/office/drawing/2014/main" id="{B8842375-E5EF-4D4E-AFD0-A94090E7DB29}"/>
+                <a16:creationId xmlns:a16="http://schemas.microsoft.com/office/drawing/2014/main" id="{B8842375-E5EF-4D4E-AFD0-A94090E7DB29}"/>
               </a:ext>
             </a:extLst>
           </p:cNvPr>
@@ -1325,10 +1319,9 @@
           <a:lstStyle/>
           <a:p>
             <a:r>
-              <a:rPr lang="en-US" smtClean="0"/>
+              <a:rPr lang="en-US"/>
               <a:t>Click to edit Master title style</a:t>
             </a:r>
-            <a:endParaRPr lang="en-US"/>
           </a:p>
         </p:txBody>
       </p:sp>
@@ -1337,7 +1330,7 @@
           <p:cNvPr id="3" name="Content Placeholder 2">
             <a:extLst>
               <a:ext uri="{FF2B5EF4-FFF2-40B4-BE49-F238E27FC236}">
-                <a16:creationId xmlns="" xmlns:a16="http://schemas.microsoft.com/office/drawing/2014/main" id="{F366F610-FF9B-2A4B-8E35-314B0D78D9D8}"/>
+                <a16:creationId xmlns:a16="http://schemas.microsoft.com/office/drawing/2014/main" id="{F366F610-FF9B-2A4B-8E35-314B0D78D9D8}"/>
               </a:ext>
             </a:extLst>
           </p:cNvPr>
@@ -1355,38 +1348,37 @@
           <a:p>
             <a:pPr lvl="0"/>
             <a:r>
-              <a:rPr lang="en-US" smtClean="0"/>
+              <a:rPr lang="en-US"/>
               <a:t>Click to edit Master text styles</a:t>
             </a:r>
           </a:p>
           <a:p>
             <a:pPr lvl="1"/>
             <a:r>
-              <a:rPr lang="en-US" smtClean="0"/>
+              <a:rPr lang="en-US"/>
               <a:t>Second level</a:t>
             </a:r>
           </a:p>
           <a:p>
             <a:pPr lvl="2"/>
             <a:r>
-              <a:rPr lang="en-US" smtClean="0"/>
+              <a:rPr lang="en-US"/>
               <a:t>Third level</a:t>
             </a:r>
           </a:p>
           <a:p>
             <a:pPr lvl="3"/>
             <a:r>
-              <a:rPr lang="en-US" smtClean="0"/>
+              <a:rPr lang="en-US"/>
               <a:t>Fourth level</a:t>
             </a:r>
           </a:p>
           <a:p>
             <a:pPr lvl="4"/>
             <a:r>
-              <a:rPr lang="en-US" smtClean="0"/>
+              <a:rPr lang="en-US"/>
               <a:t>Fifth level</a:t>
             </a:r>
-            <a:endParaRPr lang="en-US"/>
           </a:p>
         </p:txBody>
       </p:sp>
@@ -1395,7 +1387,7 @@
           <p:cNvPr id="4" name="Date Placeholder 3">
             <a:extLst>
               <a:ext uri="{FF2B5EF4-FFF2-40B4-BE49-F238E27FC236}">
-                <a16:creationId xmlns="" xmlns:a16="http://schemas.microsoft.com/office/drawing/2014/main" id="{1561E808-F7D2-E84B-8CD4-83F18272EA72}"/>
+                <a16:creationId xmlns:a16="http://schemas.microsoft.com/office/drawing/2014/main" id="{1561E808-F7D2-E84B-8CD4-83F18272EA72}"/>
               </a:ext>
             </a:extLst>
           </p:cNvPr>
@@ -1413,7 +1405,7 @@
           <a:p>
             <a:fld id="{BE5295ED-3BAF-1140-8495-3D368771D6B1}" type="datetimeFigureOut">
               <a:rPr lang="en-US" smtClean="0"/>
-              <a:t>1/22/20</a:t>
+              <a:t>3/22/21</a:t>
             </a:fld>
             <a:endParaRPr lang="en-US"/>
           </a:p>
@@ -1424,7 +1416,7 @@
           <p:cNvPr id="5" name="Footer Placeholder 4">
             <a:extLst>
               <a:ext uri="{FF2B5EF4-FFF2-40B4-BE49-F238E27FC236}">
-                <a16:creationId xmlns="" xmlns:a16="http://schemas.microsoft.com/office/drawing/2014/main" id="{7B3AD9A1-B1EC-984E-A23E-0ECF6F652482}"/>
+                <a16:creationId xmlns:a16="http://schemas.microsoft.com/office/drawing/2014/main" id="{7B3AD9A1-B1EC-984E-A23E-0ECF6F652482}"/>
               </a:ext>
             </a:extLst>
           </p:cNvPr>
@@ -1449,7 +1441,7 @@
           <p:cNvPr id="6" name="Slide Number Placeholder 5">
             <a:extLst>
               <a:ext uri="{FF2B5EF4-FFF2-40B4-BE49-F238E27FC236}">
-                <a16:creationId xmlns="" xmlns:a16="http://schemas.microsoft.com/office/drawing/2014/main" id="{01BFD94D-9604-2A43-AADF-14B0876B6EBB}"/>
+                <a16:creationId xmlns:a16="http://schemas.microsoft.com/office/drawing/2014/main" id="{01BFD94D-9604-2A43-AADF-14B0876B6EBB}"/>
               </a:ext>
             </a:extLst>
           </p:cNvPr>
@@ -1508,7 +1500,7 @@
           <p:cNvPr id="2" name="Title 1">
             <a:extLst>
               <a:ext uri="{FF2B5EF4-FFF2-40B4-BE49-F238E27FC236}">
-                <a16:creationId xmlns="" xmlns:a16="http://schemas.microsoft.com/office/drawing/2014/main" id="{771589AC-2242-B445-BBEA-95D500596EE6}"/>
+                <a16:creationId xmlns:a16="http://schemas.microsoft.com/office/drawing/2014/main" id="{771589AC-2242-B445-BBEA-95D500596EE6}"/>
               </a:ext>
             </a:extLst>
           </p:cNvPr>
@@ -1534,10 +1526,9 @@
           </a:lstStyle>
           <a:p>
             <a:r>
-              <a:rPr lang="en-US" smtClean="0"/>
+              <a:rPr lang="en-US"/>
               <a:t>Click to edit Master title style</a:t>
             </a:r>
-            <a:endParaRPr lang="en-US"/>
           </a:p>
         </p:txBody>
       </p:sp>
@@ -1546,7 +1537,7 @@
           <p:cNvPr id="3" name="Text Placeholder 2">
             <a:extLst>
               <a:ext uri="{FF2B5EF4-FFF2-40B4-BE49-F238E27FC236}">
-                <a16:creationId xmlns="" xmlns:a16="http://schemas.microsoft.com/office/drawing/2014/main" id="{255D194C-D171-4B45-BA38-8D16CD1C3449}"/>
+                <a16:creationId xmlns:a16="http://schemas.microsoft.com/office/drawing/2014/main" id="{255D194C-D171-4B45-BA38-8D16CD1C3449}"/>
               </a:ext>
             </a:extLst>
           </p:cNvPr>
@@ -1660,7 +1651,7 @@
           <a:p>
             <a:pPr lvl="0"/>
             <a:r>
-              <a:rPr lang="en-US" smtClean="0"/>
+              <a:rPr lang="en-US"/>
               <a:t>Click to edit Master text styles</a:t>
             </a:r>
           </a:p>
@@ -1671,7 +1662,7 @@
           <p:cNvPr id="4" name="Date Placeholder 3">
             <a:extLst>
               <a:ext uri="{FF2B5EF4-FFF2-40B4-BE49-F238E27FC236}">
-                <a16:creationId xmlns="" xmlns:a16="http://schemas.microsoft.com/office/drawing/2014/main" id="{68A38244-2F9E-AB4A-B300-488462389FF9}"/>
+                <a16:creationId xmlns:a16="http://schemas.microsoft.com/office/drawing/2014/main" id="{68A38244-2F9E-AB4A-B300-488462389FF9}"/>
               </a:ext>
             </a:extLst>
           </p:cNvPr>
@@ -1689,7 +1680,7 @@
           <a:p>
             <a:fld id="{BE5295ED-3BAF-1140-8495-3D368771D6B1}" type="datetimeFigureOut">
               <a:rPr lang="en-US" smtClean="0"/>
-              <a:t>1/22/20</a:t>
+              <a:t>3/22/21</a:t>
             </a:fld>
             <a:endParaRPr lang="en-US"/>
           </a:p>
@@ -1700,7 +1691,7 @@
           <p:cNvPr id="5" name="Footer Placeholder 4">
             <a:extLst>
               <a:ext uri="{FF2B5EF4-FFF2-40B4-BE49-F238E27FC236}">
-                <a16:creationId xmlns="" xmlns:a16="http://schemas.microsoft.com/office/drawing/2014/main" id="{B33A7B5A-1475-C94F-AD18-1726D2BA89C2}"/>
+                <a16:creationId xmlns:a16="http://schemas.microsoft.com/office/drawing/2014/main" id="{B33A7B5A-1475-C94F-AD18-1726D2BA89C2}"/>
               </a:ext>
             </a:extLst>
           </p:cNvPr>
@@ -1725,7 +1716,7 @@
           <p:cNvPr id="6" name="Slide Number Placeholder 5">
             <a:extLst>
               <a:ext uri="{FF2B5EF4-FFF2-40B4-BE49-F238E27FC236}">
-                <a16:creationId xmlns="" xmlns:a16="http://schemas.microsoft.com/office/drawing/2014/main" id="{8069DDF6-CCE5-3946-8A72-14D318AB4D22}"/>
+                <a16:creationId xmlns:a16="http://schemas.microsoft.com/office/drawing/2014/main" id="{8069DDF6-CCE5-3946-8A72-14D318AB4D22}"/>
               </a:ext>
             </a:extLst>
           </p:cNvPr>
@@ -1784,7 +1775,7 @@
           <p:cNvPr id="2" name="Title 1">
             <a:extLst>
               <a:ext uri="{FF2B5EF4-FFF2-40B4-BE49-F238E27FC236}">
-                <a16:creationId xmlns="" xmlns:a16="http://schemas.microsoft.com/office/drawing/2014/main" id="{AC1D2791-2196-8F4F-AD62-59B19A8810A3}"/>
+                <a16:creationId xmlns:a16="http://schemas.microsoft.com/office/drawing/2014/main" id="{AC1D2791-2196-8F4F-AD62-59B19A8810A3}"/>
               </a:ext>
             </a:extLst>
           </p:cNvPr>
@@ -1801,10 +1792,9 @@
           <a:lstStyle/>
           <a:p>
             <a:r>
-              <a:rPr lang="en-US" smtClean="0"/>
+              <a:rPr lang="en-US"/>
               <a:t>Click to edit Master title style</a:t>
             </a:r>
-            <a:endParaRPr lang="en-US"/>
           </a:p>
         </p:txBody>
       </p:sp>
@@ -1813,7 +1803,7 @@
           <p:cNvPr id="3" name="Content Placeholder 2">
             <a:extLst>
               <a:ext uri="{FF2B5EF4-FFF2-40B4-BE49-F238E27FC236}">
-                <a16:creationId xmlns="" xmlns:a16="http://schemas.microsoft.com/office/drawing/2014/main" id="{3962F23A-0A28-6141-B0BF-D7B92C213877}"/>
+                <a16:creationId xmlns:a16="http://schemas.microsoft.com/office/drawing/2014/main" id="{3962F23A-0A28-6141-B0BF-D7B92C213877}"/>
               </a:ext>
             </a:extLst>
           </p:cNvPr>
@@ -1836,38 +1826,37 @@
           <a:p>
             <a:pPr lvl="0"/>
             <a:r>
-              <a:rPr lang="en-US" smtClean="0"/>
+              <a:rPr lang="en-US"/>
               <a:t>Click to edit Master text styles</a:t>
             </a:r>
           </a:p>
           <a:p>
             <a:pPr lvl="1"/>
             <a:r>
-              <a:rPr lang="en-US" smtClean="0"/>
+              <a:rPr lang="en-US"/>
               <a:t>Second level</a:t>
             </a:r>
           </a:p>
           <a:p>
             <a:pPr lvl="2"/>
             <a:r>
-              <a:rPr lang="en-US" smtClean="0"/>
+              <a:rPr lang="en-US"/>
               <a:t>Third level</a:t>
             </a:r>
           </a:p>
           <a:p>
             <a:pPr lvl="3"/>
             <a:r>
-              <a:rPr lang="en-US" smtClean="0"/>
+              <a:rPr lang="en-US"/>
               <a:t>Fourth level</a:t>
             </a:r>
           </a:p>
           <a:p>
             <a:pPr lvl="4"/>
             <a:r>
-              <a:rPr lang="en-US" smtClean="0"/>
+              <a:rPr lang="en-US"/>
               <a:t>Fifth level</a:t>
             </a:r>
-            <a:endParaRPr lang="en-US"/>
           </a:p>
         </p:txBody>
       </p:sp>
@@ -1876,7 +1865,7 @@
           <p:cNvPr id="4" name="Content Placeholder 3">
             <a:extLst>
               <a:ext uri="{FF2B5EF4-FFF2-40B4-BE49-F238E27FC236}">
-                <a16:creationId xmlns="" xmlns:a16="http://schemas.microsoft.com/office/drawing/2014/main" id="{C36DF3E7-529D-1C40-B815-3C505F4D107E}"/>
+                <a16:creationId xmlns:a16="http://schemas.microsoft.com/office/drawing/2014/main" id="{C36DF3E7-529D-1C40-B815-3C505F4D107E}"/>
               </a:ext>
             </a:extLst>
           </p:cNvPr>
@@ -1899,38 +1888,37 @@
           <a:p>
             <a:pPr lvl="0"/>
             <a:r>
-              <a:rPr lang="en-US" smtClean="0"/>
+              <a:rPr lang="en-US"/>
               <a:t>Click to edit Master text styles</a:t>
             </a:r>
           </a:p>
           <a:p>
             <a:pPr lvl="1"/>
             <a:r>
-              <a:rPr lang="en-US" smtClean="0"/>
+              <a:rPr lang="en-US"/>
               <a:t>Second level</a:t>
             </a:r>
           </a:p>
           <a:p>
             <a:pPr lvl="2"/>
             <a:r>
-              <a:rPr lang="en-US" smtClean="0"/>
+              <a:rPr lang="en-US"/>
               <a:t>Third level</a:t>
             </a:r>
           </a:p>
           <a:p>
             <a:pPr lvl="3"/>
             <a:r>
-              <a:rPr lang="en-US" smtClean="0"/>
+              <a:rPr lang="en-US"/>
               <a:t>Fourth level</a:t>
             </a:r>
           </a:p>
           <a:p>
             <a:pPr lvl="4"/>
             <a:r>
-              <a:rPr lang="en-US" smtClean="0"/>
+              <a:rPr lang="en-US"/>
               <a:t>Fifth level</a:t>
             </a:r>
-            <a:endParaRPr lang="en-US"/>
           </a:p>
         </p:txBody>
       </p:sp>
@@ -1939,7 +1927,7 @@
           <p:cNvPr id="5" name="Date Placeholder 4">
             <a:extLst>
               <a:ext uri="{FF2B5EF4-FFF2-40B4-BE49-F238E27FC236}">
-                <a16:creationId xmlns="" xmlns:a16="http://schemas.microsoft.com/office/drawing/2014/main" id="{ECFEE966-F172-8C42-A9F6-013C2A368C90}"/>
+                <a16:creationId xmlns:a16="http://schemas.microsoft.com/office/drawing/2014/main" id="{ECFEE966-F172-8C42-A9F6-013C2A368C90}"/>
               </a:ext>
             </a:extLst>
           </p:cNvPr>
@@ -1957,7 +1945,7 @@
           <a:p>
             <a:fld id="{BE5295ED-3BAF-1140-8495-3D368771D6B1}" type="datetimeFigureOut">
               <a:rPr lang="en-US" smtClean="0"/>
-              <a:t>1/22/20</a:t>
+              <a:t>3/22/21</a:t>
             </a:fld>
             <a:endParaRPr lang="en-US"/>
           </a:p>
@@ -1968,7 +1956,7 @@
           <p:cNvPr id="6" name="Footer Placeholder 5">
             <a:extLst>
               <a:ext uri="{FF2B5EF4-FFF2-40B4-BE49-F238E27FC236}">
-                <a16:creationId xmlns="" xmlns:a16="http://schemas.microsoft.com/office/drawing/2014/main" id="{54FDED73-DCFA-6648-B65F-CBEDB1D3556B}"/>
+                <a16:creationId xmlns:a16="http://schemas.microsoft.com/office/drawing/2014/main" id="{54FDED73-DCFA-6648-B65F-CBEDB1D3556B}"/>
               </a:ext>
             </a:extLst>
           </p:cNvPr>
@@ -1993,7 +1981,7 @@
           <p:cNvPr id="7" name="Slide Number Placeholder 6">
             <a:extLst>
               <a:ext uri="{FF2B5EF4-FFF2-40B4-BE49-F238E27FC236}">
-                <a16:creationId xmlns="" xmlns:a16="http://schemas.microsoft.com/office/drawing/2014/main" id="{F3D072AD-ADC5-2943-B36C-F14AE6555C55}"/>
+                <a16:creationId xmlns:a16="http://schemas.microsoft.com/office/drawing/2014/main" id="{F3D072AD-ADC5-2943-B36C-F14AE6555C55}"/>
               </a:ext>
             </a:extLst>
           </p:cNvPr>
@@ -2052,7 +2040,7 @@
           <p:cNvPr id="2" name="Title 1">
             <a:extLst>
               <a:ext uri="{FF2B5EF4-FFF2-40B4-BE49-F238E27FC236}">
-                <a16:creationId xmlns="" xmlns:a16="http://schemas.microsoft.com/office/drawing/2014/main" id="{478E3FB4-66D6-9040-98CF-3DE68ABAAB18}"/>
+                <a16:creationId xmlns:a16="http://schemas.microsoft.com/office/drawing/2014/main" id="{478E3FB4-66D6-9040-98CF-3DE68ABAAB18}"/>
               </a:ext>
             </a:extLst>
           </p:cNvPr>
@@ -2074,10 +2062,9 @@
           <a:lstStyle/>
           <a:p>
             <a:r>
-              <a:rPr lang="en-US" smtClean="0"/>
+              <a:rPr lang="en-US"/>
               <a:t>Click to edit Master title style</a:t>
             </a:r>
-            <a:endParaRPr lang="en-US"/>
           </a:p>
         </p:txBody>
       </p:sp>
@@ -2086,7 +2073,7 @@
           <p:cNvPr id="3" name="Text Placeholder 2">
             <a:extLst>
               <a:ext uri="{FF2B5EF4-FFF2-40B4-BE49-F238E27FC236}">
-                <a16:creationId xmlns="" xmlns:a16="http://schemas.microsoft.com/office/drawing/2014/main" id="{C3B9CBA2-D589-E342-B02C-AFD0528E353B}"/>
+                <a16:creationId xmlns:a16="http://schemas.microsoft.com/office/drawing/2014/main" id="{C3B9CBA2-D589-E342-B02C-AFD0528E353B}"/>
               </a:ext>
             </a:extLst>
           </p:cNvPr>
@@ -2146,7 +2133,7 @@
           <a:p>
             <a:pPr lvl="0"/>
             <a:r>
-              <a:rPr lang="en-US" smtClean="0"/>
+              <a:rPr lang="en-US"/>
               <a:t>Click to edit Master text styles</a:t>
             </a:r>
           </a:p>
@@ -2157,7 +2144,7 @@
           <p:cNvPr id="4" name="Content Placeholder 3">
             <a:extLst>
               <a:ext uri="{FF2B5EF4-FFF2-40B4-BE49-F238E27FC236}">
-                <a16:creationId xmlns="" xmlns:a16="http://schemas.microsoft.com/office/drawing/2014/main" id="{F570E95A-9A57-7F42-A0D4-A9C36B16D13C}"/>
+                <a16:creationId xmlns:a16="http://schemas.microsoft.com/office/drawing/2014/main" id="{F570E95A-9A57-7F42-A0D4-A9C36B16D13C}"/>
               </a:ext>
             </a:extLst>
           </p:cNvPr>
@@ -2180,38 +2167,37 @@
           <a:p>
             <a:pPr lvl="0"/>
             <a:r>
-              <a:rPr lang="en-US" smtClean="0"/>
+              <a:rPr lang="en-US"/>
               <a:t>Click to edit Master text styles</a:t>
             </a:r>
           </a:p>
           <a:p>
             <a:pPr lvl="1"/>
             <a:r>
-              <a:rPr lang="en-US" smtClean="0"/>
+              <a:rPr lang="en-US"/>
               <a:t>Second level</a:t>
             </a:r>
           </a:p>
           <a:p>
             <a:pPr lvl="2"/>
             <a:r>
-              <a:rPr lang="en-US" smtClean="0"/>
+              <a:rPr lang="en-US"/>
               <a:t>Third level</a:t>
             </a:r>
           </a:p>
           <a:p>
             <a:pPr lvl="3"/>
             <a:r>
-              <a:rPr lang="en-US" smtClean="0"/>
+              <a:rPr lang="en-US"/>
               <a:t>Fourth level</a:t>
             </a:r>
           </a:p>
           <a:p>
             <a:pPr lvl="4"/>
             <a:r>
-              <a:rPr lang="en-US" smtClean="0"/>
+              <a:rPr lang="en-US"/>
               <a:t>Fifth level</a:t>
             </a:r>
-            <a:endParaRPr lang="en-US"/>
           </a:p>
         </p:txBody>
       </p:sp>
@@ -2220,7 +2206,7 @@
           <p:cNvPr id="5" name="Text Placeholder 4">
             <a:extLst>
               <a:ext uri="{FF2B5EF4-FFF2-40B4-BE49-F238E27FC236}">
-                <a16:creationId xmlns="" xmlns:a16="http://schemas.microsoft.com/office/drawing/2014/main" id="{B6A72F40-C7A9-CC45-82FB-CCCE1FE08B0B}"/>
+                <a16:creationId xmlns:a16="http://schemas.microsoft.com/office/drawing/2014/main" id="{B6A72F40-C7A9-CC45-82FB-CCCE1FE08B0B}"/>
               </a:ext>
             </a:extLst>
           </p:cNvPr>
@@ -2280,7 +2266,7 @@
           <a:p>
             <a:pPr lvl="0"/>
             <a:r>
-              <a:rPr lang="en-US" smtClean="0"/>
+              <a:rPr lang="en-US"/>
               <a:t>Click to edit Master text styles</a:t>
             </a:r>
           </a:p>
@@ -2291,7 +2277,7 @@
           <p:cNvPr id="6" name="Content Placeholder 5">
             <a:extLst>
               <a:ext uri="{FF2B5EF4-FFF2-40B4-BE49-F238E27FC236}">
-                <a16:creationId xmlns="" xmlns:a16="http://schemas.microsoft.com/office/drawing/2014/main" id="{9FDA6D2A-2E9D-714C-B9CB-D0F9D788FCD3}"/>
+                <a16:creationId xmlns:a16="http://schemas.microsoft.com/office/drawing/2014/main" id="{9FDA6D2A-2E9D-714C-B9CB-D0F9D788FCD3}"/>
               </a:ext>
             </a:extLst>
           </p:cNvPr>
@@ -2314,38 +2300,37 @@
           <a:p>
             <a:pPr lvl="0"/>
             <a:r>
-              <a:rPr lang="en-US" smtClean="0"/>
+              <a:rPr lang="en-US"/>
               <a:t>Click to edit Master text styles</a:t>
             </a:r>
           </a:p>
           <a:p>
             <a:pPr lvl="1"/>
             <a:r>
-              <a:rPr lang="en-US" smtClean="0"/>
+              <a:rPr lang="en-US"/>
               <a:t>Second level</a:t>
             </a:r>
           </a:p>
           <a:p>
             <a:pPr lvl="2"/>
             <a:r>
-              <a:rPr lang="en-US" smtClean="0"/>
+              <a:rPr lang="en-US"/>
               <a:t>Third level</a:t>
             </a:r>
           </a:p>
           <a:p>
             <a:pPr lvl="3"/>
             <a:r>
-              <a:rPr lang="en-US" smtClean="0"/>
+              <a:rPr lang="en-US"/>
               <a:t>Fourth level</a:t>
             </a:r>
           </a:p>
           <a:p>
             <a:pPr lvl="4"/>
             <a:r>
-              <a:rPr lang="en-US" smtClean="0"/>
+              <a:rPr lang="en-US"/>
               <a:t>Fifth level</a:t>
             </a:r>
-            <a:endParaRPr lang="en-US"/>
           </a:p>
         </p:txBody>
       </p:sp>
@@ -2354,7 +2339,7 @@
           <p:cNvPr id="7" name="Date Placeholder 6">
             <a:extLst>
               <a:ext uri="{FF2B5EF4-FFF2-40B4-BE49-F238E27FC236}">
-                <a16:creationId xmlns="" xmlns:a16="http://schemas.microsoft.com/office/drawing/2014/main" id="{1B7F3C0C-4D75-9C49-9075-FA8B3D33CF9B}"/>
+                <a16:creationId xmlns:a16="http://schemas.microsoft.com/office/drawing/2014/main" id="{1B7F3C0C-4D75-9C49-9075-FA8B3D33CF9B}"/>
               </a:ext>
             </a:extLst>
           </p:cNvPr>
@@ -2372,7 +2357,7 @@
           <a:p>
             <a:fld id="{BE5295ED-3BAF-1140-8495-3D368771D6B1}" type="datetimeFigureOut">
               <a:rPr lang="en-US" smtClean="0"/>
-              <a:t>1/22/20</a:t>
+              <a:t>3/22/21</a:t>
             </a:fld>
             <a:endParaRPr lang="en-US"/>
           </a:p>
@@ -2383,7 +2368,7 @@
           <p:cNvPr id="8" name="Footer Placeholder 7">
             <a:extLst>
               <a:ext uri="{FF2B5EF4-FFF2-40B4-BE49-F238E27FC236}">
-                <a16:creationId xmlns="" xmlns:a16="http://schemas.microsoft.com/office/drawing/2014/main" id="{9788C8FA-359A-5447-AA0E-98D16ECCC92D}"/>
+                <a16:creationId xmlns:a16="http://schemas.microsoft.com/office/drawing/2014/main" id="{9788C8FA-359A-5447-AA0E-98D16ECCC92D}"/>
               </a:ext>
             </a:extLst>
           </p:cNvPr>
@@ -2408,7 +2393,7 @@
           <p:cNvPr id="9" name="Slide Number Placeholder 8">
             <a:extLst>
               <a:ext uri="{FF2B5EF4-FFF2-40B4-BE49-F238E27FC236}">
-                <a16:creationId xmlns="" xmlns:a16="http://schemas.microsoft.com/office/drawing/2014/main" id="{3D69C8CD-0DF6-4E4C-A412-31B03845FA24}"/>
+                <a16:creationId xmlns:a16="http://schemas.microsoft.com/office/drawing/2014/main" id="{3D69C8CD-0DF6-4E4C-A412-31B03845FA24}"/>
               </a:ext>
             </a:extLst>
           </p:cNvPr>
@@ -2467,7 +2452,7 @@
           <p:cNvPr id="2" name="Title 1">
             <a:extLst>
               <a:ext uri="{FF2B5EF4-FFF2-40B4-BE49-F238E27FC236}">
-                <a16:creationId xmlns="" xmlns:a16="http://schemas.microsoft.com/office/drawing/2014/main" id="{13C48C8E-A743-0B4F-AB6E-AB828F1218C8}"/>
+                <a16:creationId xmlns:a16="http://schemas.microsoft.com/office/drawing/2014/main" id="{13C48C8E-A743-0B4F-AB6E-AB828F1218C8}"/>
               </a:ext>
             </a:extLst>
           </p:cNvPr>
@@ -2484,10 +2469,9 @@
           <a:lstStyle/>
           <a:p>
             <a:r>
-              <a:rPr lang="en-US" smtClean="0"/>
+              <a:rPr lang="en-US"/>
               <a:t>Click to edit Master title style</a:t>
             </a:r>
-            <a:endParaRPr lang="en-US"/>
           </a:p>
         </p:txBody>
       </p:sp>
@@ -2496,7 +2480,7 @@
           <p:cNvPr id="3" name="Date Placeholder 2">
             <a:extLst>
               <a:ext uri="{FF2B5EF4-FFF2-40B4-BE49-F238E27FC236}">
-                <a16:creationId xmlns="" xmlns:a16="http://schemas.microsoft.com/office/drawing/2014/main" id="{70FAB17F-6D86-B147-9346-A9B5242FC803}"/>
+                <a16:creationId xmlns:a16="http://schemas.microsoft.com/office/drawing/2014/main" id="{70FAB17F-6D86-B147-9346-A9B5242FC803}"/>
               </a:ext>
             </a:extLst>
           </p:cNvPr>
@@ -2514,7 +2498,7 @@
           <a:p>
             <a:fld id="{BE5295ED-3BAF-1140-8495-3D368771D6B1}" type="datetimeFigureOut">
               <a:rPr lang="en-US" smtClean="0"/>
-              <a:t>1/22/20</a:t>
+              <a:t>3/22/21</a:t>
             </a:fld>
             <a:endParaRPr lang="en-US"/>
           </a:p>
@@ -2525,7 +2509,7 @@
           <p:cNvPr id="4" name="Footer Placeholder 3">
             <a:extLst>
               <a:ext uri="{FF2B5EF4-FFF2-40B4-BE49-F238E27FC236}">
-                <a16:creationId xmlns="" xmlns:a16="http://schemas.microsoft.com/office/drawing/2014/main" id="{4B8A6F49-DCD7-7B4B-8496-2547B2A81C83}"/>
+                <a16:creationId xmlns:a16="http://schemas.microsoft.com/office/drawing/2014/main" id="{4B8A6F49-DCD7-7B4B-8496-2547B2A81C83}"/>
               </a:ext>
             </a:extLst>
           </p:cNvPr>
@@ -2550,7 +2534,7 @@
           <p:cNvPr id="5" name="Slide Number Placeholder 4">
             <a:extLst>
               <a:ext uri="{FF2B5EF4-FFF2-40B4-BE49-F238E27FC236}">
-                <a16:creationId xmlns="" xmlns:a16="http://schemas.microsoft.com/office/drawing/2014/main" id="{D4D1F89D-8541-BB4B-A145-D0DC66605C91}"/>
+                <a16:creationId xmlns:a16="http://schemas.microsoft.com/office/drawing/2014/main" id="{D4D1F89D-8541-BB4B-A145-D0DC66605C91}"/>
               </a:ext>
             </a:extLst>
           </p:cNvPr>
@@ -2609,7 +2593,7 @@
           <p:cNvPr id="2" name="Date Placeholder 1">
             <a:extLst>
               <a:ext uri="{FF2B5EF4-FFF2-40B4-BE49-F238E27FC236}">
-                <a16:creationId xmlns="" xmlns:a16="http://schemas.microsoft.com/office/drawing/2014/main" id="{AD68AA44-A589-744E-AB85-5B6ED8E7D8C0}"/>
+                <a16:creationId xmlns:a16="http://schemas.microsoft.com/office/drawing/2014/main" id="{AD68AA44-A589-744E-AB85-5B6ED8E7D8C0}"/>
               </a:ext>
             </a:extLst>
           </p:cNvPr>
@@ -2627,7 +2611,7 @@
           <a:p>
             <a:fld id="{BE5295ED-3BAF-1140-8495-3D368771D6B1}" type="datetimeFigureOut">
               <a:rPr lang="en-US" smtClean="0"/>
-              <a:t>1/22/20</a:t>
+              <a:t>3/22/21</a:t>
             </a:fld>
             <a:endParaRPr lang="en-US"/>
           </a:p>
@@ -2638,7 +2622,7 @@
           <p:cNvPr id="3" name="Footer Placeholder 2">
             <a:extLst>
               <a:ext uri="{FF2B5EF4-FFF2-40B4-BE49-F238E27FC236}">
-                <a16:creationId xmlns="" xmlns:a16="http://schemas.microsoft.com/office/drawing/2014/main" id="{1CA0E6D3-947A-FA4D-8626-2883D14EFE8D}"/>
+                <a16:creationId xmlns:a16="http://schemas.microsoft.com/office/drawing/2014/main" id="{1CA0E6D3-947A-FA4D-8626-2883D14EFE8D}"/>
               </a:ext>
             </a:extLst>
           </p:cNvPr>
@@ -2663,7 +2647,7 @@
           <p:cNvPr id="4" name="Slide Number Placeholder 3">
             <a:extLst>
               <a:ext uri="{FF2B5EF4-FFF2-40B4-BE49-F238E27FC236}">
-                <a16:creationId xmlns="" xmlns:a16="http://schemas.microsoft.com/office/drawing/2014/main" id="{5BF0953F-E6D0-2240-B174-03015D0856A8}"/>
+                <a16:creationId xmlns:a16="http://schemas.microsoft.com/office/drawing/2014/main" id="{5BF0953F-E6D0-2240-B174-03015D0856A8}"/>
               </a:ext>
             </a:extLst>
           </p:cNvPr>
@@ -2722,7 +2706,7 @@
           <p:cNvPr id="2" name="Title 1">
             <a:extLst>
               <a:ext uri="{FF2B5EF4-FFF2-40B4-BE49-F238E27FC236}">
-                <a16:creationId xmlns="" xmlns:a16="http://schemas.microsoft.com/office/drawing/2014/main" id="{26FFD677-FF02-3E4E-8E32-44D146E24D90}"/>
+                <a16:creationId xmlns:a16="http://schemas.microsoft.com/office/drawing/2014/main" id="{26FFD677-FF02-3E4E-8E32-44D146E24D90}"/>
               </a:ext>
             </a:extLst>
           </p:cNvPr>
@@ -2748,10 +2732,9 @@
           </a:lstStyle>
           <a:p>
             <a:r>
-              <a:rPr lang="en-US" smtClean="0"/>
+              <a:rPr lang="en-US"/>
               <a:t>Click to edit Master title style</a:t>
             </a:r>
-            <a:endParaRPr lang="en-US"/>
           </a:p>
         </p:txBody>
       </p:sp>
@@ -2760,7 +2743,7 @@
           <p:cNvPr id="3" name="Content Placeholder 2">
             <a:extLst>
               <a:ext uri="{FF2B5EF4-FFF2-40B4-BE49-F238E27FC236}">
-                <a16:creationId xmlns="" xmlns:a16="http://schemas.microsoft.com/office/drawing/2014/main" id="{9942170F-E10D-1348-86CE-8E869B806F9B}"/>
+                <a16:creationId xmlns:a16="http://schemas.microsoft.com/office/drawing/2014/main" id="{9942170F-E10D-1348-86CE-8E869B806F9B}"/>
               </a:ext>
             </a:extLst>
           </p:cNvPr>
@@ -2811,38 +2794,37 @@
           <a:p>
             <a:pPr lvl="0"/>
             <a:r>
-              <a:rPr lang="en-US" smtClean="0"/>
+              <a:rPr lang="en-US"/>
               <a:t>Click to edit Master text styles</a:t>
             </a:r>
           </a:p>
           <a:p>
             <a:pPr lvl="1"/>
             <a:r>
-              <a:rPr lang="en-US" smtClean="0"/>
+              <a:rPr lang="en-US"/>
               <a:t>Second level</a:t>
             </a:r>
           </a:p>
           <a:p>
             <a:pPr lvl="2"/>
             <a:r>
-              <a:rPr lang="en-US" smtClean="0"/>
+              <a:rPr lang="en-US"/>
               <a:t>Third level</a:t>
             </a:r>
           </a:p>
           <a:p>
             <a:pPr lvl="3"/>
             <a:r>
-              <a:rPr lang="en-US" smtClean="0"/>
+              <a:rPr lang="en-US"/>
               <a:t>Fourth level</a:t>
             </a:r>
           </a:p>
           <a:p>
             <a:pPr lvl="4"/>
             <a:r>
-              <a:rPr lang="en-US" smtClean="0"/>
+              <a:rPr lang="en-US"/>
               <a:t>Fifth level</a:t>
             </a:r>
-            <a:endParaRPr lang="en-US"/>
           </a:p>
         </p:txBody>
       </p:sp>
@@ -2851,7 +2833,7 @@
           <p:cNvPr id="4" name="Text Placeholder 3">
             <a:extLst>
               <a:ext uri="{FF2B5EF4-FFF2-40B4-BE49-F238E27FC236}">
-                <a16:creationId xmlns="" xmlns:a16="http://schemas.microsoft.com/office/drawing/2014/main" id="{80772D86-2794-394C-A208-2D3E234A3A20}"/>
+                <a16:creationId xmlns:a16="http://schemas.microsoft.com/office/drawing/2014/main" id="{80772D86-2794-394C-A208-2D3E234A3A20}"/>
               </a:ext>
             </a:extLst>
           </p:cNvPr>
@@ -2911,7 +2893,7 @@
           <a:p>
             <a:pPr lvl="0"/>
             <a:r>
-              <a:rPr lang="en-US" smtClean="0"/>
+              <a:rPr lang="en-US"/>
               <a:t>Click to edit Master text styles</a:t>
             </a:r>
           </a:p>
@@ -2922,7 +2904,7 @@
           <p:cNvPr id="5" name="Date Placeholder 4">
             <a:extLst>
               <a:ext uri="{FF2B5EF4-FFF2-40B4-BE49-F238E27FC236}">
-                <a16:creationId xmlns="" xmlns:a16="http://schemas.microsoft.com/office/drawing/2014/main" id="{B5314D31-901A-D944-B06D-3D8106F2A2BC}"/>
+                <a16:creationId xmlns:a16="http://schemas.microsoft.com/office/drawing/2014/main" id="{B5314D31-901A-D944-B06D-3D8106F2A2BC}"/>
               </a:ext>
             </a:extLst>
           </p:cNvPr>
@@ -2940,7 +2922,7 @@
           <a:p>
             <a:fld id="{BE5295ED-3BAF-1140-8495-3D368771D6B1}" type="datetimeFigureOut">
               <a:rPr lang="en-US" smtClean="0"/>
-              <a:t>1/22/20</a:t>
+              <a:t>3/22/21</a:t>
             </a:fld>
             <a:endParaRPr lang="en-US"/>
           </a:p>
@@ -2951,7 +2933,7 @@
           <p:cNvPr id="6" name="Footer Placeholder 5">
             <a:extLst>
               <a:ext uri="{FF2B5EF4-FFF2-40B4-BE49-F238E27FC236}">
-                <a16:creationId xmlns="" xmlns:a16="http://schemas.microsoft.com/office/drawing/2014/main" id="{BFFC6519-9D04-AC45-BB37-9DD413CC741D}"/>
+                <a16:creationId xmlns:a16="http://schemas.microsoft.com/office/drawing/2014/main" id="{BFFC6519-9D04-AC45-BB37-9DD413CC741D}"/>
               </a:ext>
             </a:extLst>
           </p:cNvPr>
@@ -2976,7 +2958,7 @@
           <p:cNvPr id="7" name="Slide Number Placeholder 6">
             <a:extLst>
               <a:ext uri="{FF2B5EF4-FFF2-40B4-BE49-F238E27FC236}">
-                <a16:creationId xmlns="" xmlns:a16="http://schemas.microsoft.com/office/drawing/2014/main" id="{856ACFF3-3C93-FA41-80F3-4708944F9A8C}"/>
+                <a16:creationId xmlns:a16="http://schemas.microsoft.com/office/drawing/2014/main" id="{856ACFF3-3C93-FA41-80F3-4708944F9A8C}"/>
               </a:ext>
             </a:extLst>
           </p:cNvPr>
@@ -3035,7 +3017,7 @@
           <p:cNvPr id="2" name="Title 1">
             <a:extLst>
               <a:ext uri="{FF2B5EF4-FFF2-40B4-BE49-F238E27FC236}">
-                <a16:creationId xmlns="" xmlns:a16="http://schemas.microsoft.com/office/drawing/2014/main" id="{52F7D6A8-4C7A-ED44-A821-97E76FB58748}"/>
+                <a16:creationId xmlns:a16="http://schemas.microsoft.com/office/drawing/2014/main" id="{52F7D6A8-4C7A-ED44-A821-97E76FB58748}"/>
               </a:ext>
             </a:extLst>
           </p:cNvPr>
@@ -3061,10 +3043,9 @@
           </a:lstStyle>
           <a:p>
             <a:r>
-              <a:rPr lang="en-US" smtClean="0"/>
+              <a:rPr lang="en-US"/>
               <a:t>Click to edit Master title style</a:t>
             </a:r>
-            <a:endParaRPr lang="en-US"/>
           </a:p>
         </p:txBody>
       </p:sp>
@@ -3073,7 +3054,7 @@
           <p:cNvPr id="3" name="Picture Placeholder 2">
             <a:extLst>
               <a:ext uri="{FF2B5EF4-FFF2-40B4-BE49-F238E27FC236}">
-                <a16:creationId xmlns="" xmlns:a16="http://schemas.microsoft.com/office/drawing/2014/main" id="{FFA0AABB-AB65-FB40-8DCA-227F017E16C5}"/>
+                <a16:creationId xmlns:a16="http://schemas.microsoft.com/office/drawing/2014/main" id="{FFA0AABB-AB65-FB40-8DCA-227F017E16C5}"/>
               </a:ext>
             </a:extLst>
           </p:cNvPr>
@@ -3132,10 +3113,9 @@
           </a:lstStyle>
           <a:p>
             <a:r>
-              <a:rPr lang="en-US" smtClean="0"/>
+              <a:rPr lang="en-US"/>
               <a:t>Drag picture to placeholder or click icon to add</a:t>
             </a:r>
-            <a:endParaRPr lang="en-US"/>
           </a:p>
         </p:txBody>
       </p:sp>
@@ -3144,7 +3124,7 @@
           <p:cNvPr id="4" name="Text Placeholder 3">
             <a:extLst>
               <a:ext uri="{FF2B5EF4-FFF2-40B4-BE49-F238E27FC236}">
-                <a16:creationId xmlns="" xmlns:a16="http://schemas.microsoft.com/office/drawing/2014/main" id="{67AC3EE9-FB8F-F642-BB10-A468CFF85E6A}"/>
+                <a16:creationId xmlns:a16="http://schemas.microsoft.com/office/drawing/2014/main" id="{67AC3EE9-FB8F-F642-BB10-A468CFF85E6A}"/>
               </a:ext>
             </a:extLst>
           </p:cNvPr>
@@ -3204,7 +3184,7 @@
           <a:p>
             <a:pPr lvl="0"/>
             <a:r>
-              <a:rPr lang="en-US" smtClean="0"/>
+              <a:rPr lang="en-US"/>
               <a:t>Click to edit Master text styles</a:t>
             </a:r>
           </a:p>
@@ -3215,7 +3195,7 @@
           <p:cNvPr id="5" name="Date Placeholder 4">
             <a:extLst>
               <a:ext uri="{FF2B5EF4-FFF2-40B4-BE49-F238E27FC236}">
-                <a16:creationId xmlns="" xmlns:a16="http://schemas.microsoft.com/office/drawing/2014/main" id="{0A0EC8A2-C616-8B40-8C9C-A15442358393}"/>
+                <a16:creationId xmlns:a16="http://schemas.microsoft.com/office/drawing/2014/main" id="{0A0EC8A2-C616-8B40-8C9C-A15442358393}"/>
               </a:ext>
             </a:extLst>
           </p:cNvPr>
@@ -3233,7 +3213,7 @@
           <a:p>
             <a:fld id="{BE5295ED-3BAF-1140-8495-3D368771D6B1}" type="datetimeFigureOut">
               <a:rPr lang="en-US" smtClean="0"/>
-              <a:t>1/22/20</a:t>
+              <a:t>3/22/21</a:t>
             </a:fld>
             <a:endParaRPr lang="en-US"/>
           </a:p>
@@ -3244,7 +3224,7 @@
           <p:cNvPr id="6" name="Footer Placeholder 5">
             <a:extLst>
               <a:ext uri="{FF2B5EF4-FFF2-40B4-BE49-F238E27FC236}">
-                <a16:creationId xmlns="" xmlns:a16="http://schemas.microsoft.com/office/drawing/2014/main" id="{AA229EC7-73FC-4D43-8916-C76404AC37DC}"/>
+                <a16:creationId xmlns:a16="http://schemas.microsoft.com/office/drawing/2014/main" id="{AA229EC7-73FC-4D43-8916-C76404AC37DC}"/>
               </a:ext>
             </a:extLst>
           </p:cNvPr>
@@ -3269,7 +3249,7 @@
           <p:cNvPr id="7" name="Slide Number Placeholder 6">
             <a:extLst>
               <a:ext uri="{FF2B5EF4-FFF2-40B4-BE49-F238E27FC236}">
-                <a16:creationId xmlns="" xmlns:a16="http://schemas.microsoft.com/office/drawing/2014/main" id="{D84430E4-67BB-3342-B2B8-DFBE758CFA59}"/>
+                <a16:creationId xmlns:a16="http://schemas.microsoft.com/office/drawing/2014/main" id="{D84430E4-67BB-3342-B2B8-DFBE758CFA59}"/>
               </a:ext>
             </a:extLst>
           </p:cNvPr>
@@ -3333,7 +3313,7 @@
           <p:cNvPr id="2" name="Title Placeholder 1">
             <a:extLst>
               <a:ext uri="{FF2B5EF4-FFF2-40B4-BE49-F238E27FC236}">
-                <a16:creationId xmlns="" xmlns:a16="http://schemas.microsoft.com/office/drawing/2014/main" id="{ED530927-E202-4648-95ED-A701F648A289}"/>
+                <a16:creationId xmlns:a16="http://schemas.microsoft.com/office/drawing/2014/main" id="{ED530927-E202-4648-95ED-A701F648A289}"/>
               </a:ext>
             </a:extLst>
           </p:cNvPr>
@@ -3360,10 +3340,9 @@
           <a:lstStyle/>
           <a:p>
             <a:r>
-              <a:rPr lang="en-US" smtClean="0"/>
+              <a:rPr lang="en-US"/>
               <a:t>Click to edit Master title style</a:t>
             </a:r>
-            <a:endParaRPr lang="en-US"/>
           </a:p>
         </p:txBody>
       </p:sp>
@@ -3372,7 +3351,7 @@
           <p:cNvPr id="3" name="Text Placeholder 2">
             <a:extLst>
               <a:ext uri="{FF2B5EF4-FFF2-40B4-BE49-F238E27FC236}">
-                <a16:creationId xmlns="" xmlns:a16="http://schemas.microsoft.com/office/drawing/2014/main" id="{F00E1E3E-B2FE-5A47-8C43-849DE842741B}"/>
+                <a16:creationId xmlns:a16="http://schemas.microsoft.com/office/drawing/2014/main" id="{F00E1E3E-B2FE-5A47-8C43-849DE842741B}"/>
               </a:ext>
             </a:extLst>
           </p:cNvPr>
@@ -3439,7 +3418,7 @@
           <p:cNvPr id="4" name="Date Placeholder 3">
             <a:extLst>
               <a:ext uri="{FF2B5EF4-FFF2-40B4-BE49-F238E27FC236}">
-                <a16:creationId xmlns="" xmlns:a16="http://schemas.microsoft.com/office/drawing/2014/main" id="{A51822C1-C9FC-554F-B744-0FF8DD0A61C0}"/>
+                <a16:creationId xmlns:a16="http://schemas.microsoft.com/office/drawing/2014/main" id="{A51822C1-C9FC-554F-B744-0FF8DD0A61C0}"/>
               </a:ext>
             </a:extLst>
           </p:cNvPr>
@@ -3475,7 +3454,7 @@
           <a:p>
             <a:fld id="{BE5295ED-3BAF-1140-8495-3D368771D6B1}" type="datetimeFigureOut">
               <a:rPr lang="en-US" smtClean="0"/>
-              <a:t>1/22/20</a:t>
+              <a:t>3/22/21</a:t>
             </a:fld>
             <a:endParaRPr lang="en-US"/>
           </a:p>
@@ -3486,7 +3465,7 @@
           <p:cNvPr id="5" name="Footer Placeholder 4">
             <a:extLst>
               <a:ext uri="{FF2B5EF4-FFF2-40B4-BE49-F238E27FC236}">
-                <a16:creationId xmlns="" xmlns:a16="http://schemas.microsoft.com/office/drawing/2014/main" id="{AA4916E3-9D5B-B647-A5DA-A5B78525EFFB}"/>
+                <a16:creationId xmlns:a16="http://schemas.microsoft.com/office/drawing/2014/main" id="{AA4916E3-9D5B-B647-A5DA-A5B78525EFFB}"/>
               </a:ext>
             </a:extLst>
           </p:cNvPr>
@@ -3529,7 +3508,7 @@
           <p:cNvPr id="6" name="Slide Number Placeholder 5">
             <a:extLst>
               <a:ext uri="{FF2B5EF4-FFF2-40B4-BE49-F238E27FC236}">
-                <a16:creationId xmlns="" xmlns:a16="http://schemas.microsoft.com/office/drawing/2014/main" id="{11872E83-B77B-9647-AE80-95985B60F4F0}"/>
+                <a16:creationId xmlns:a16="http://schemas.microsoft.com/office/drawing/2014/main" id="{11872E83-B77B-9647-AE80-95985B60F4F0}"/>
               </a:ext>
             </a:extLst>
           </p:cNvPr>
@@ -3576,7 +3555,7 @@
           <p:cNvPr id="7" name="Picture 6">
             <a:extLst>
               <a:ext uri="{FF2B5EF4-FFF2-40B4-BE49-F238E27FC236}">
-                <a16:creationId xmlns="" xmlns:a16="http://schemas.microsoft.com/office/drawing/2014/main" id="{F0F46825-E66D-B247-B71A-C48424207597}"/>
+                <a16:creationId xmlns:a16="http://schemas.microsoft.com/office/drawing/2014/main" id="{F0F46825-E66D-B247-B71A-C48424207597}"/>
               </a:ext>
             </a:extLst>
           </p:cNvPr>
@@ -3927,7 +3906,7 @@
           <p:cNvPr id="2" name="Title 1">
             <a:extLst>
               <a:ext uri="{FF2B5EF4-FFF2-40B4-BE49-F238E27FC236}">
-                <a16:creationId xmlns="" xmlns:a16="http://schemas.microsoft.com/office/drawing/2014/main" id="{DDB4A5C5-CE37-5241-A9FF-85F98EF1E91E}"/>
+                <a16:creationId xmlns:a16="http://schemas.microsoft.com/office/drawing/2014/main" id="{DDB4A5C5-CE37-5241-A9FF-85F98EF1E91E}"/>
               </a:ext>
             </a:extLst>
           </p:cNvPr>
@@ -3947,7 +3926,7 @@
           <a:p>
             <a:pPr algn="l"/>
             <a:r>
-              <a:rPr lang="en-US" b="1" dirty="0" smtClean="0"/>
+              <a:rPr lang="en-US" b="1" dirty="0"/>
               <a:t>How to read code</a:t>
             </a:r>
             <a:endParaRPr lang="en-US" dirty="0"/>
@@ -3959,7 +3938,7 @@
           <p:cNvPr id="3" name="Subtitle 2">
             <a:extLst>
               <a:ext uri="{FF2B5EF4-FFF2-40B4-BE49-F238E27FC236}">
-                <a16:creationId xmlns="" xmlns:a16="http://schemas.microsoft.com/office/drawing/2014/main" id="{5EF75859-F09F-414F-8571-4D3854CD3C44}"/>
+                <a16:creationId xmlns:a16="http://schemas.microsoft.com/office/drawing/2014/main" id="{5EF75859-F09F-414F-8571-4D3854CD3C44}"/>
               </a:ext>
             </a:extLst>
           </p:cNvPr>
@@ -3992,7 +3971,7 @@
           <p:cNvPr id="5" name="Rectangle 4">
             <a:extLst>
               <a:ext uri="{FF2B5EF4-FFF2-40B4-BE49-F238E27FC236}">
-                <a16:creationId xmlns="" xmlns:a16="http://schemas.microsoft.com/office/drawing/2014/main" id="{39D37F11-0EC0-C645-ADE9-CE8BFDF0B2D4}"/>
+                <a16:creationId xmlns:a16="http://schemas.microsoft.com/office/drawing/2014/main" id="{39D37F11-0EC0-C645-ADE9-CE8BFDF0B2D4}"/>
               </a:ext>
             </a:extLst>
           </p:cNvPr>
@@ -4081,10 +4060,9 @@
           <a:lstStyle/>
           <a:p>
             <a:r>
-              <a:rPr lang="en-US" dirty="0" smtClean="0"/>
+              <a:rPr lang="en-US" dirty="0"/>
               <a:t>Function parameters and return value</a:t>
             </a:r>
-            <a:endParaRPr lang="en-US" dirty="0"/>
           </a:p>
         </p:txBody>
       </p:sp>
@@ -4105,80 +4083,26 @@
           <a:p>
             <a:r>
               <a:rPr lang="en-US" dirty="0"/>
-              <a:t>The next step is to identify the parameters and return </a:t>
-            </a:r>
-            <a:r>
-              <a:rPr lang="en-US" dirty="0" smtClean="0"/>
-              <a:t>value</a:t>
-            </a:r>
-            <a:endParaRPr lang="en-US" dirty="0"/>
-          </a:p>
-          <a:p>
-            <a:r>
-              <a:rPr lang="en-US" dirty="0"/>
-              <a:t>T</a:t>
-            </a:r>
-            <a:r>
-              <a:rPr lang="en-US" dirty="0" smtClean="0"/>
-              <a:t>he </a:t>
-            </a:r>
-            <a:r>
-              <a:rPr lang="en-US" dirty="0"/>
-              <a:t>names of the parameters often tell us a </a:t>
-            </a:r>
-            <a:r>
-              <a:rPr lang="en-US" dirty="0" smtClean="0"/>
-              <a:t>lot</a:t>
-            </a:r>
-          </a:p>
-          <a:p>
-            <a:r>
-              <a:rPr lang="en-US" dirty="0" smtClean="0"/>
-              <a:t>Unfortunately</a:t>
-            </a:r>
-            <a:r>
-              <a:rPr lang="en-US" dirty="0"/>
-              <a:t>, Python usually does not have explicit </a:t>
-            </a:r>
-            <a:r>
-              <a:rPr lang="en-US" dirty="0" smtClean="0"/>
-              <a:t>types </a:t>
-            </a:r>
-            <a:r>
-              <a:rPr lang="en-US" dirty="0"/>
-              <a:t>(they aren't checked by Python anyway) so we have to figure that out </a:t>
-            </a:r>
-            <a:r>
-              <a:rPr lang="en-US" dirty="0" smtClean="0"/>
-              <a:t>ourselves</a:t>
-            </a:r>
-          </a:p>
-          <a:p>
-            <a:r>
-              <a:rPr lang="en-US" dirty="0" smtClean="0"/>
-              <a:t>Knowing </a:t>
-            </a:r>
-            <a:r>
-              <a:rPr lang="en-US" dirty="0"/>
-              <a:t>the types of values and variables is critical to understanding </a:t>
-            </a:r>
-            <a:r>
-              <a:rPr lang="en-US" dirty="0" smtClean="0"/>
-              <a:t>a function; without knowing the types, you cannot know what</a:t>
-            </a:r>
-            <a:r>
-              <a:rPr lang="en-US" dirty="0"/>
-              <a:t> </a:t>
-            </a:r>
-            <a:r>
-              <a:rPr lang="en-US" dirty="0" smtClean="0"/>
-              <a:t>the function </a:t>
-            </a:r>
-            <a:r>
-              <a:rPr lang="en-US" dirty="0" smtClean="0"/>
-              <a:t>does</a:t>
-            </a:r>
-            <a:endParaRPr lang="en-US" dirty="0"/>
+              <a:t>The next step is to identify the parameters and return value</a:t>
+            </a:r>
+          </a:p>
+          <a:p>
+            <a:r>
+              <a:rPr lang="en-US" dirty="0"/>
+              <a:t>The names of the parameters often tell us a lot</a:t>
+            </a:r>
+          </a:p>
+          <a:p>
+            <a:r>
+              <a:rPr lang="en-US" dirty="0"/>
+              <a:t>Unfortunately, Python usually does not have explicit types (they aren't checked by Python anyway) so we have to figure that out ourselves</a:t>
+            </a:r>
+          </a:p>
+          <a:p>
+            <a:r>
+              <a:rPr lang="en-US" dirty="0"/>
+              <a:t>Knowing the types of values and variables is critical to understanding a function; without knowing the types, you cannot know what the function does</a:t>
+            </a:r>
           </a:p>
         </p:txBody>
       </p:sp>
@@ -4187,7 +4111,7 @@
           <p:cNvPr id="4" name="TextBox 3">
             <a:extLst>
               <a:ext uri="{FF2B5EF4-FFF2-40B4-BE49-F238E27FC236}">
-                <a16:creationId xmlns="" xmlns:a16="http://schemas.microsoft.com/office/drawing/2014/main" id="{7EA51DEE-4B36-8844-9444-48364D4297AC}"/>
+                <a16:creationId xmlns:a16="http://schemas.microsoft.com/office/drawing/2014/main" id="{7EA51DEE-4B36-8844-9444-48364D4297AC}"/>
               </a:ext>
             </a:extLst>
           </p:cNvPr>
@@ -4232,7 +4156,7 @@
               <a:t> </a:t>
             </a:r>
             <a:r>
-              <a:rPr lang="mr-IN" sz="2400" dirty="0" err="1" smtClean="0">
+              <a:rPr lang="mr-IN" sz="2400" dirty="0" err="1">
                 <a:latin typeface="Monaco" charset="0"/>
                 <a:ea typeface="Monaco" charset="0"/>
                 <a:cs typeface="Monaco" charset="0"/>
@@ -4240,7 +4164,7 @@
               <a:t>average</a:t>
             </a:r>
             <a:r>
-              <a:rPr lang="mr-IN" sz="2400" dirty="0" smtClean="0">
+              <a:rPr lang="mr-IN" sz="2400" dirty="0">
                 <a:latin typeface="Monaco" charset="0"/>
                 <a:ea typeface="Monaco" charset="0"/>
                 <a:cs typeface="Monaco" charset="0"/>
@@ -4248,7 +4172,7 @@
               <a:t>(</a:t>
             </a:r>
             <a:r>
-              <a:rPr lang="en-US" sz="2400" dirty="0" smtClean="0">
+              <a:rPr lang="en-US" sz="2400" dirty="0">
                 <a:latin typeface="Monaco" charset="0"/>
                 <a:ea typeface="Monaco" charset="0"/>
                 <a:cs typeface="Monaco" charset="0"/>
@@ -4256,56 +4180,132 @@
               <a:t>data</a:t>
             </a:r>
             <a:r>
-              <a:rPr lang="mr-IN" sz="2400" dirty="0" smtClean="0">
+              <a:rPr lang="mr-IN" sz="2400" dirty="0">
                 <a:latin typeface="Monaco" charset="0"/>
                 <a:ea typeface="Monaco" charset="0"/>
                 <a:cs typeface="Monaco" charset="0"/>
               </a:rPr>
               <a:t>):</a:t>
-            </a:r>
-            <a:endParaRPr lang="en-US" sz="2400" dirty="0" smtClean="0">
-              <a:latin typeface="Monaco" charset="0"/>
-              <a:ea typeface="Monaco" charset="0"/>
-              <a:cs typeface="Monaco" charset="0"/>
-            </a:endParaRPr>
-          </a:p>
-          <a:p>
-            <a:r>
-              <a:rPr lang="mr-IN" sz="2400" dirty="0" smtClean="0">
-                <a:latin typeface="Monaco" charset="0"/>
-                <a:ea typeface="Monaco" charset="0"/>
-                <a:cs typeface="Monaco" charset="0"/>
-              </a:rPr>
-              <a:t>    ...</a:t>
-            </a:r>
-            <a:endParaRPr lang="en-US" sz="2400" dirty="0" smtClean="0">
-              <a:latin typeface="Monaco" charset="0"/>
-              <a:ea typeface="Monaco" charset="0"/>
-              <a:cs typeface="Monaco" charset="0"/>
-            </a:endParaRPr>
-          </a:p>
-          <a:p>
-            <a:r>
-              <a:rPr lang="en-US" sz="2400" dirty="0">
-                <a:latin typeface="Monaco" charset="0"/>
-                <a:ea typeface="Monaco" charset="0"/>
-                <a:cs typeface="Monaco" charset="0"/>
-              </a:rPr>
-              <a:t> </a:t>
-            </a:r>
-            <a:r>
-              <a:rPr lang="en-US" sz="2400" dirty="0" smtClean="0">
-                <a:latin typeface="Monaco" charset="0"/>
-                <a:ea typeface="Monaco" charset="0"/>
-                <a:cs typeface="Monaco" charset="0"/>
-              </a:rPr>
-              <a:t>   return sum/n</a:t>
             </a:r>
             <a:endParaRPr lang="en-US" sz="2400" dirty="0">
               <a:latin typeface="Monaco" charset="0"/>
               <a:ea typeface="Monaco" charset="0"/>
               <a:cs typeface="Monaco" charset="0"/>
             </a:endParaRPr>
+          </a:p>
+          <a:p>
+            <a:r>
+              <a:rPr lang="mr-IN" sz="2400" dirty="0">
+                <a:latin typeface="Monaco" charset="0"/>
+                <a:ea typeface="Monaco" charset="0"/>
+                <a:cs typeface="Monaco" charset="0"/>
+              </a:rPr>
+              <a:t>    ...</a:t>
+            </a:r>
+            <a:endParaRPr lang="en-US" sz="2400" dirty="0">
+              <a:latin typeface="Monaco" charset="0"/>
+              <a:ea typeface="Monaco" charset="0"/>
+              <a:cs typeface="Monaco" charset="0"/>
+            </a:endParaRPr>
+          </a:p>
+          <a:p>
+            <a:r>
+              <a:rPr lang="en-US" sz="2400" dirty="0">
+                <a:latin typeface="Monaco" charset="0"/>
+                <a:ea typeface="Monaco" charset="0"/>
+                <a:cs typeface="Monaco" charset="0"/>
+              </a:rPr>
+              <a:t>    return sum/n</a:t>
+            </a:r>
+          </a:p>
+        </p:txBody>
+      </p:sp>
+      <p:cxnSp>
+        <p:nvCxnSpPr>
+          <p:cNvPr id="6" name="Straight Arrow Connector 5">
+            <a:extLst>
+              <a:ext uri="{FF2B5EF4-FFF2-40B4-BE49-F238E27FC236}">
+                <a16:creationId xmlns:a16="http://schemas.microsoft.com/office/drawing/2014/main" id="{0234D36F-30B1-2E4B-B89B-F1DA4E533304}"/>
+              </a:ext>
+            </a:extLst>
+          </p:cNvPr>
+          <p:cNvCxnSpPr>
+            <a:cxnSpLocks/>
+          </p:cNvCxnSpPr>
+          <p:nvPr/>
+        </p:nvCxnSpPr>
+        <p:spPr>
+          <a:xfrm flipH="1">
+            <a:off x="4422912" y="5764696"/>
+            <a:ext cx="2892288" cy="685800"/>
+          </a:xfrm>
+          <a:prstGeom prst="straightConnector1">
+            <a:avLst/>
+          </a:prstGeom>
+          <a:ln>
+            <a:tailEnd type="triangle"/>
+          </a:ln>
+        </p:spPr>
+        <p:style>
+          <a:lnRef idx="1">
+            <a:schemeClr val="accent1"/>
+          </a:lnRef>
+          <a:fillRef idx="0">
+            <a:schemeClr val="accent1"/>
+          </a:fillRef>
+          <a:effectRef idx="0">
+            <a:schemeClr val="accent1"/>
+          </a:effectRef>
+          <a:fontRef idx="minor">
+            <a:schemeClr val="tx1"/>
+          </a:fontRef>
+        </p:style>
+      </p:cxnSp>
+      <p:sp>
+        <p:nvSpPr>
+          <p:cNvPr id="8" name="TextBox 7">
+            <a:extLst>
+              <a:ext uri="{FF2B5EF4-FFF2-40B4-BE49-F238E27FC236}">
+                <a16:creationId xmlns:a16="http://schemas.microsoft.com/office/drawing/2014/main" id="{8F247A76-BE3F-554B-AC89-664E575EF8F7}"/>
+              </a:ext>
+            </a:extLst>
+          </p:cNvPr>
+          <p:cNvSpPr txBox="1"/>
+          <p:nvPr/>
+        </p:nvSpPr>
+        <p:spPr>
+          <a:xfrm>
+            <a:off x="7326408" y="5390400"/>
+            <a:ext cx="4523995" cy="923330"/>
+          </a:xfrm>
+          <a:prstGeom prst="rect">
+            <a:avLst/>
+          </a:prstGeom>
+          <a:noFill/>
+        </p:spPr>
+        <p:txBody>
+          <a:bodyPr wrap="none" rtlCol="0">
+            <a:spAutoFit/>
+          </a:bodyPr>
+          <a:lstStyle/>
+          <a:p>
+            <a:r>
+              <a:rPr lang="en-US" dirty="0"/>
+              <a:t>Don't fall for this trick in interviews.</a:t>
+            </a:r>
+          </a:p>
+          <a:p>
+            <a:r>
+              <a:rPr lang="en-US" dirty="0"/>
+              <a:t>W/o knowing the type, we don't know what</a:t>
+            </a:r>
+            <a:br>
+              <a:rPr lang="en-US" dirty="0"/>
+            </a:br>
+            <a:r>
+              <a:rPr lang="en-US" dirty="0"/>
+              <a:t>the operators do</a:t>
+            </a:r>
           </a:p>
         </p:txBody>
       </p:sp>
@@ -4355,10 +4355,9 @@
           <a:lstStyle/>
           <a:p>
             <a:r>
-              <a:rPr lang="en-US" dirty="0" smtClean="0"/>
+              <a:rPr lang="en-US" dirty="0"/>
               <a:t>Reading the function code itself</a:t>
             </a:r>
-            <a:endParaRPr lang="en-US" dirty="0"/>
           </a:p>
         </p:txBody>
       </p:sp>
@@ -4385,56 +4384,28 @@
           <a:lstStyle/>
           <a:p>
             <a:r>
-              <a:rPr lang="en-US" dirty="0" smtClean="0"/>
-              <a:t>Scan</a:t>
-            </a:r>
-            <a:r>
-              <a:rPr lang="en-US" dirty="0"/>
-              <a:t> the statements of the </a:t>
-            </a:r>
-            <a:r>
-              <a:rPr lang="en-US" dirty="0" smtClean="0"/>
-              <a:t>function </a:t>
-            </a:r>
-            <a:r>
-              <a:rPr lang="en-US" i="1" dirty="0" smtClean="0"/>
+              <a:rPr lang="en-US" dirty="0"/>
+              <a:t>Scan the statements of the function </a:t>
+            </a:r>
+            <a:r>
+              <a:rPr lang="en-US" i="1" dirty="0"/>
               <a:t>looking for loops</a:t>
             </a:r>
             <a:r>
-              <a:rPr lang="en-US" dirty="0" smtClean="0"/>
+              <a:rPr lang="en-US" dirty="0"/>
               <a:t>; all of the action occurs in the loops</a:t>
             </a:r>
           </a:p>
           <a:p>
             <a:r>
-              <a:rPr lang="en-US" dirty="0" smtClean="0"/>
-              <a:t>An </a:t>
-            </a:r>
-            <a:r>
-              <a:rPr lang="en-US" dirty="0"/>
-              <a:t>inexperienced programmer </a:t>
-            </a:r>
-            <a:r>
-              <a:rPr lang="en-US" dirty="0" smtClean="0"/>
-              <a:t>examines </a:t>
-            </a:r>
-            <a:r>
-              <a:rPr lang="en-US" dirty="0"/>
-              <a:t>the statements of the function individually and literally, emulating a computer to figure out the emergent </a:t>
-            </a:r>
-            <a:r>
-              <a:rPr lang="en-US" dirty="0" smtClean="0"/>
-              <a:t>behavior</a:t>
-            </a:r>
-          </a:p>
-          <a:p>
-            <a:r>
-              <a:rPr lang="en-US" dirty="0" smtClean="0"/>
-              <a:t>An </a:t>
-            </a:r>
-            <a:r>
-              <a:rPr lang="en-US" dirty="0"/>
-              <a:t>experienced programmer looks for </a:t>
+              <a:rPr lang="en-US" dirty="0"/>
+              <a:t>An inexperienced programmer examines the statements of the function individually and literally, emulating a computer to figure out the emergent behavior</a:t>
+            </a:r>
+          </a:p>
+          <a:p>
+            <a:r>
+              <a:rPr lang="en-US" dirty="0"/>
+              <a:t>An experienced programmer looks for </a:t>
             </a:r>
             <a:r>
               <a:rPr lang="en-US" b="1" dirty="0"/>
@@ -4442,86 +4413,36 @@
             </a:r>
             <a:r>
               <a:rPr lang="en-US" dirty="0"/>
-              <a:t> in the code that </a:t>
-            </a:r>
-            <a:r>
-              <a:rPr lang="en-US" dirty="0" smtClean="0"/>
-              <a:t>are implementations</a:t>
-            </a:r>
-            <a:r>
-              <a:rPr lang="en-US" dirty="0"/>
-              <a:t> of high-level </a:t>
-            </a:r>
-            <a:r>
-              <a:rPr lang="en-US" dirty="0" smtClean="0"/>
-              <a:t>ops like </a:t>
-            </a:r>
-            <a:r>
-              <a:rPr lang="en-US" dirty="0"/>
-              <a:t>map, search, filter, etc</a:t>
-            </a:r>
-            <a:r>
-              <a:rPr lang="en-US" dirty="0" smtClean="0"/>
-              <a:t>...</a:t>
-            </a:r>
-          </a:p>
-          <a:p>
-            <a:r>
-              <a:rPr lang="en-US" dirty="0" smtClean="0"/>
-              <a:t>Analogy</a:t>
-            </a:r>
-            <a:r>
-              <a:rPr lang="en-US" dirty="0"/>
-              <a:t>:</a:t>
-            </a:r>
-            <a:r>
-              <a:rPr lang="en-US" dirty="0" smtClean="0"/>
-              <a:t> </a:t>
-            </a:r>
-            <a:r>
-              <a:rPr lang="en-US" dirty="0"/>
-              <a:t>consider memorizing the state of a chessboard in the middle of </a:t>
-            </a:r>
-            <a:r>
-              <a:rPr lang="en-US" dirty="0" smtClean="0"/>
-              <a:t>play</a:t>
+              <a:t> in the code that are implementations of high-level ops like map, search, filter, etc...</a:t>
+            </a:r>
+          </a:p>
+          <a:p>
+            <a:r>
+              <a:rPr lang="en-US" dirty="0"/>
+              <a:t>Analogy: consider memorizing the state of a chessboard in the middle of play</a:t>
             </a:r>
           </a:p>
           <a:p>
             <a:pPr lvl="1"/>
             <a:r>
-              <a:rPr lang="en-US" dirty="0" smtClean="0"/>
+              <a:rPr lang="en-US" dirty="0"/>
+              <a:t>A beginner has to memorize where all of the pieces are individually </a:t>
+            </a:r>
+          </a:p>
+          <a:p>
+            <a:pPr lvl="1"/>
+            <a:r>
+              <a:rPr lang="en-US" dirty="0"/>
               <a:t>A </a:t>
             </a:r>
             <a:r>
-              <a:rPr lang="en-US" dirty="0"/>
-              <a:t>beginner has to memorize where all of the pieces are individually </a:t>
-            </a:r>
-            <a:endParaRPr lang="en-US" dirty="0" smtClean="0"/>
-          </a:p>
-          <a:p>
-            <a:pPr lvl="1"/>
-            <a:r>
-              <a:rPr lang="en-US" dirty="0" smtClean="0"/>
-              <a:t>A </a:t>
-            </a:r>
-            <a:r>
-              <a:rPr lang="en-US" dirty="0" err="1" smtClean="0"/>
+              <a:rPr lang="en-US" dirty="0" err="1"/>
               <a:t>chessmaster</a:t>
             </a:r>
             <a:r>
-              <a:rPr lang="en-US" dirty="0" smtClean="0"/>
-              <a:t> </a:t>
-            </a:r>
-            <a:r>
-              <a:rPr lang="en-US" dirty="0"/>
-              <a:t>recognizes that the board is, say, merely a variation on the Budapest </a:t>
-            </a:r>
-            <a:r>
-              <a:rPr lang="en-US" dirty="0" smtClean="0"/>
-              <a:t>Gambit</a:t>
-            </a:r>
-            <a:endParaRPr lang="en-US" dirty="0"/>
+              <a:rPr lang="en-US" dirty="0"/>
+              <a:t> recognizes that the board is, say, merely a variation on the Budapest Gambit</a:t>
+            </a:r>
           </a:p>
         </p:txBody>
       </p:sp>
@@ -4571,78 +4492,56 @@
           <a:lstStyle/>
           <a:p>
             <a:r>
-              <a:rPr lang="en-US" dirty="0" smtClean="0"/>
+              <a:rPr lang="en-US" dirty="0"/>
               <a:t>Identify the pattern, fill in the holes</a:t>
             </a:r>
+          </a:p>
+        </p:txBody>
+      </p:sp>
+      <p:sp>
+        <p:nvSpPr>
+          <p:cNvPr id="3" name="Content Placeholder 2"/>
+          <p:cNvSpPr>
+            <a:spLocks noGrp="1"/>
+          </p:cNvSpPr>
+          <p:nvPr>
+            <p:ph idx="1"/>
+          </p:nvPr>
+        </p:nvSpPr>
+        <p:spPr/>
+        <p:txBody>
+          <a:bodyPr/>
+          <a:lstStyle/>
+          <a:p>
+            <a:r>
+              <a:rPr lang="en-US" dirty="0"/>
+              <a:t>What pattern is this code following? I.e., what’s it doing?</a:t>
+            </a:r>
+            <a:br>
+              <a:rPr lang="en-US" dirty="0"/>
+            </a:br>
+            <a:br>
+              <a:rPr lang="en-US" dirty="0"/>
+            </a:br>
+            <a:br>
+              <a:rPr lang="en-US" dirty="0"/>
+            </a:br>
+            <a:br>
+              <a:rPr lang="en-US" dirty="0"/>
+            </a:br>
             <a:endParaRPr lang="en-US" dirty="0"/>
           </a:p>
-        </p:txBody>
-      </p:sp>
-      <p:sp>
-        <p:nvSpPr>
-          <p:cNvPr id="3" name="Content Placeholder 2"/>
-          <p:cNvSpPr>
-            <a:spLocks noGrp="1"/>
-          </p:cNvSpPr>
-          <p:nvPr>
-            <p:ph idx="1"/>
-          </p:nvPr>
-        </p:nvSpPr>
-        <p:spPr/>
-        <p:txBody>
-          <a:bodyPr/>
-          <a:lstStyle/>
-          <a:p>
-            <a:r>
-              <a:rPr lang="en-US" dirty="0" smtClean="0"/>
-              <a:t>What pattern is this code following? I.e., what’s it doing?</a:t>
-            </a:r>
-            <a:br>
-              <a:rPr lang="en-US" dirty="0" smtClean="0"/>
-            </a:br>
-            <a:r>
-              <a:rPr lang="en-US" dirty="0" smtClean="0"/>
-              <a:t/>
-            </a:r>
-            <a:br>
-              <a:rPr lang="en-US" dirty="0" smtClean="0"/>
-            </a:br>
-            <a:r>
-              <a:rPr lang="en-US" dirty="0" smtClean="0"/>
-              <a:t/>
-            </a:r>
-            <a:br>
-              <a:rPr lang="en-US" dirty="0" smtClean="0"/>
-            </a:br>
-            <a:r>
-              <a:rPr lang="en-US" dirty="0" smtClean="0"/>
-              <a:t/>
-            </a:r>
-            <a:br>
-              <a:rPr lang="en-US" dirty="0" smtClean="0"/>
-            </a:br>
-            <a:endParaRPr lang="en-US" dirty="0" smtClean="0"/>
-          </a:p>
-          <a:p>
-            <a:r>
-              <a:rPr lang="en-US" dirty="0" smtClean="0"/>
+          <a:p>
+            <a:r>
+              <a:rPr lang="en-US" dirty="0"/>
               <a:t>It’s using the accumulator pattern, “sum up a bunch of stuff”</a:t>
             </a:r>
           </a:p>
           <a:p>
             <a:r>
-              <a:rPr lang="en-US" dirty="0" smtClean="0"/>
-              <a:t>The </a:t>
-            </a:r>
-            <a:r>
-              <a:rPr lang="en-US" dirty="0" smtClean="0"/>
-              <a:t>“holes</a:t>
-            </a:r>
-            <a:r>
-              <a:rPr lang="en-US" dirty="0" smtClean="0"/>
-              <a:t>” are: what we are accumulating (data), the operation is summation; we might also have to look for loop bounds</a:t>
-            </a:r>
-            <a:endParaRPr lang="en-US" dirty="0"/>
+              <a:rPr lang="en-US" dirty="0"/>
+              <a:t>The “holes” are: what we are accumulating (data), the operation is summation; we might also have to look for loop bounds</a:t>
+            </a:r>
           </a:p>
         </p:txBody>
       </p:sp>
@@ -4651,7 +4550,7 @@
           <p:cNvPr id="4" name="TextBox 3">
             <a:extLst>
               <a:ext uri="{FF2B5EF4-FFF2-40B4-BE49-F238E27FC236}">
-                <a16:creationId xmlns="" xmlns:a16="http://schemas.microsoft.com/office/drawing/2014/main" id="{7EA51DEE-4B36-8844-9444-48364D4297AC}"/>
+                <a16:creationId xmlns:a16="http://schemas.microsoft.com/office/drawing/2014/main" id="{7EA51DEE-4B36-8844-9444-48364D4297AC}"/>
               </a:ext>
             </a:extLst>
           </p:cNvPr>
@@ -4693,46 +4592,22 @@
                 <a:ea typeface="Monaco" charset="0"/>
                 <a:cs typeface="Monaco" charset="0"/>
               </a:rPr>
-              <a:t> = </a:t>
-            </a:r>
-            <a:r>
-              <a:rPr lang="ro-RO" sz="2400" dirty="0" smtClean="0">
-                <a:latin typeface="Monaco" charset="0"/>
-                <a:ea typeface="Monaco" charset="0"/>
-                <a:cs typeface="Monaco" charset="0"/>
-              </a:rPr>
-              <a:t>0.0</a:t>
-            </a:r>
-          </a:p>
-          <a:p>
-            <a:r>
-              <a:rPr lang="ro-RO" sz="2400" dirty="0" smtClean="0">
-                <a:latin typeface="Monaco" charset="0"/>
-                <a:ea typeface="Monaco" charset="0"/>
-                <a:cs typeface="Monaco" charset="0"/>
-              </a:rPr>
-              <a:t>for </a:t>
-            </a:r>
+              <a:t> = 0.0</a:t>
+            </a:r>
+          </a:p>
+          <a:p>
             <a:r>
               <a:rPr lang="ro-RO" sz="2400" dirty="0">
                 <a:latin typeface="Monaco" charset="0"/>
                 <a:ea typeface="Monaco" charset="0"/>
                 <a:cs typeface="Monaco" charset="0"/>
               </a:rPr>
-              <a:t>x in data</a:t>
-            </a:r>
-            <a:r>
-              <a:rPr lang="ro-RO" sz="2400" dirty="0" smtClean="0">
-                <a:latin typeface="Monaco" charset="0"/>
-                <a:ea typeface="Monaco" charset="0"/>
-                <a:cs typeface="Monaco" charset="0"/>
-              </a:rPr>
-              <a:t>:</a:t>
-            </a:r>
-          </a:p>
-          <a:p>
-            <a:r>
-              <a:rPr lang="ro-RO" sz="2400" dirty="0" smtClean="0">
+              <a:t>for x in data:</a:t>
+            </a:r>
+          </a:p>
+          <a:p>
+            <a:r>
+              <a:rPr lang="ro-RO" sz="2400" dirty="0">
                 <a:latin typeface="Monaco" charset="0"/>
                 <a:ea typeface="Monaco" charset="0"/>
                 <a:cs typeface="Monaco" charset="0"/>
@@ -4789,13 +4664,6 @@
   <p:clrMapOvr>
     <a:masterClrMapping/>
   </p:clrMapOvr>
-  <p:timing>
-    <p:tnLst>
-      <p:par>
-        <p:cTn id="1" dur="indefinite" restart="never" nodeType="tmRoot"/>
-      </p:par>
-    </p:tnLst>
-  </p:timing>
 </p:sld>
 </file>
 
@@ -4832,125 +4700,59 @@
           <a:lstStyle/>
           <a:p>
             <a:r>
-              <a:rPr lang="en-US" dirty="0" smtClean="0"/>
+              <a:rPr lang="en-US" dirty="0"/>
               <a:t>Code sample</a:t>
             </a:r>
+          </a:p>
+        </p:txBody>
+      </p:sp>
+      <p:sp>
+        <p:nvSpPr>
+          <p:cNvPr id="3" name="Content Placeholder 2"/>
+          <p:cNvSpPr>
+            <a:spLocks noGrp="1"/>
+          </p:cNvSpPr>
+          <p:nvPr>
+            <p:ph idx="1"/>
+          </p:nvPr>
+        </p:nvSpPr>
+        <p:spPr/>
+        <p:txBody>
+          <a:bodyPr/>
+          <a:lstStyle/>
+          <a:p>
+            <a:r>
+              <a:rPr lang="en-US" dirty="0"/>
+              <a:t>I have deliberately used crappy variable names so you have to focus at the functionality</a:t>
+            </a:r>
+            <a:br>
+              <a:rPr lang="en-US" dirty="0"/>
+            </a:br>
+            <a:br>
+              <a:rPr lang="en-US" dirty="0"/>
+            </a:br>
+            <a:br>
+              <a:rPr lang="en-US" dirty="0"/>
+            </a:br>
+            <a:br>
+              <a:rPr lang="en-US" dirty="0"/>
+            </a:br>
+            <a:br>
+              <a:rPr lang="en-US" dirty="0"/>
+            </a:br>
             <a:endParaRPr lang="en-US" dirty="0"/>
           </a:p>
-        </p:txBody>
-      </p:sp>
-      <p:sp>
-        <p:nvSpPr>
-          <p:cNvPr id="3" name="Content Placeholder 2"/>
-          <p:cNvSpPr>
-            <a:spLocks noGrp="1"/>
-          </p:cNvSpPr>
-          <p:nvPr>
-            <p:ph idx="1"/>
-          </p:nvPr>
-        </p:nvSpPr>
-        <p:spPr/>
-        <p:txBody>
-          <a:bodyPr/>
-          <a:lstStyle/>
-          <a:p>
-            <a:r>
-              <a:rPr lang="en-US" dirty="0"/>
-              <a:t>I have deliberately used crappy variable names so you have to focus at the </a:t>
-            </a:r>
-            <a:r>
-              <a:rPr lang="en-US" dirty="0" smtClean="0"/>
-              <a:t>functionality</a:t>
-            </a:r>
-            <a:br>
-              <a:rPr lang="en-US" dirty="0" smtClean="0"/>
-            </a:br>
-            <a:r>
-              <a:rPr lang="en-US" dirty="0" smtClean="0"/>
-              <a:t/>
-            </a:r>
-            <a:br>
-              <a:rPr lang="en-US" dirty="0" smtClean="0"/>
-            </a:br>
-            <a:r>
-              <a:rPr lang="en-US" dirty="0" smtClean="0"/>
-              <a:t/>
-            </a:r>
-            <a:br>
-              <a:rPr lang="en-US" dirty="0" smtClean="0"/>
-            </a:br>
-            <a:r>
-              <a:rPr lang="en-US" dirty="0" smtClean="0"/>
-              <a:t/>
-            </a:r>
-            <a:br>
-              <a:rPr lang="en-US" dirty="0" smtClean="0"/>
-            </a:br>
-            <a:r>
-              <a:rPr lang="en-US" dirty="0" smtClean="0"/>
-              <a:t/>
-            </a:r>
-            <a:br>
-              <a:rPr lang="en-US" dirty="0" smtClean="0"/>
-            </a:br>
-            <a:endParaRPr lang="en-US" dirty="0" smtClean="0"/>
-          </a:p>
-          <a:p>
-            <a:r>
-              <a:rPr lang="en-US" dirty="0"/>
-              <a:t>That’s a “map” operation that translates </a:t>
-            </a:r>
-            <a:r>
-              <a:rPr lang="en-US" dirty="0" smtClean="0"/>
-              <a:t>one </a:t>
-            </a:r>
-            <a:r>
-              <a:rPr lang="en-US" dirty="0"/>
-              <a:t>list to </a:t>
-            </a:r>
-            <a:r>
-              <a:rPr lang="en-US" dirty="0" smtClean="0"/>
-              <a:t>another</a:t>
-            </a:r>
-          </a:p>
-          <a:p>
-            <a:r>
-              <a:rPr lang="en-US" dirty="0" smtClean="0"/>
-              <a:t>The </a:t>
-            </a:r>
-            <a:r>
-              <a:rPr lang="en-US" dirty="0"/>
-              <a:t>clue is </a:t>
-            </a:r>
-            <a:r>
-              <a:rPr lang="en-US" dirty="0" smtClean="0"/>
-              <a:t>initialization </a:t>
-            </a:r>
-            <a:r>
-              <a:rPr lang="en-US" dirty="0"/>
-              <a:t>of </a:t>
-            </a:r>
-            <a:r>
-              <a:rPr lang="en-US" dirty="0" smtClean="0"/>
-              <a:t>empty </a:t>
-            </a:r>
-            <a:r>
-              <a:rPr lang="en-US" dirty="0"/>
-              <a:t>list </a:t>
-            </a:r>
-            <a:r>
-              <a:rPr lang="en-US" dirty="0" smtClean="0"/>
-              <a:t>and </a:t>
-            </a:r>
-            <a:r>
-              <a:rPr lang="en-US" dirty="0"/>
-              <a:t>loop around something that adds to the </a:t>
-            </a:r>
-            <a:r>
-              <a:rPr lang="en-US" dirty="0" smtClean="0"/>
-              <a:t>list as function of blah; it’s blah -&gt; foo</a:t>
-            </a:r>
-            <a:endParaRPr lang="en-US" dirty="0"/>
+          <a:p>
+            <a:r>
+              <a:rPr lang="en-US" dirty="0"/>
+              <a:t>That’s a “map” operation that translates one list to another</a:t>
+            </a:r>
+          </a:p>
+          <a:p>
+            <a:r>
+              <a:rPr lang="en-US" dirty="0"/>
+              <a:t>The clue is initialization of empty list and loop around something that adds to the list as function of blah; it’s blah -&gt; foo</a:t>
+            </a:r>
           </a:p>
           <a:p>
             <a:endParaRPr lang="en-US" dirty="0"/>
@@ -4962,7 +4764,7 @@
           <p:cNvPr id="4" name="TextBox 3">
             <a:extLst>
               <a:ext uri="{FF2B5EF4-FFF2-40B4-BE49-F238E27FC236}">
-                <a16:creationId xmlns="" xmlns:a16="http://schemas.microsoft.com/office/drawing/2014/main" id="{7EA51DEE-4B36-8844-9444-48364D4297AC}"/>
+                <a16:creationId xmlns:a16="http://schemas.microsoft.com/office/drawing/2014/main" id="{7EA51DEE-4B36-8844-9444-48364D4297AC}"/>
               </a:ext>
             </a:extLst>
           </p:cNvPr>
@@ -5004,20 +4806,12 @@
                 <a:ea typeface="Monaco" charset="0"/>
                 <a:cs typeface="Monaco" charset="0"/>
               </a:rPr>
-              <a:t> = </a:t>
-            </a:r>
-            <a:r>
-              <a:rPr lang="ro-RO" sz="2400" dirty="0" smtClean="0">
-                <a:latin typeface="Monaco" charset="0"/>
-                <a:ea typeface="Monaco" charset="0"/>
-                <a:cs typeface="Monaco" charset="0"/>
-              </a:rPr>
-              <a:t>[]</a:t>
-            </a:r>
-          </a:p>
-          <a:p>
-            <a:r>
-              <a:rPr lang="ro-RO" sz="2400" dirty="0" smtClean="0">
+              <a:t> = []</a:t>
+            </a:r>
+          </a:p>
+          <a:p>
+            <a:r>
+              <a:rPr lang="ro-RO" sz="2400" dirty="0">
                 <a:latin typeface="Monaco" charset="0"/>
                 <a:ea typeface="Monaco" charset="0"/>
                 <a:cs typeface="Monaco" charset="0"/>
@@ -5059,7 +4853,7 @@
           </a:p>
           <a:p>
             <a:r>
-              <a:rPr lang="ro-RO" sz="2400" dirty="0" smtClean="0">
+              <a:rPr lang="ro-RO" sz="2400" dirty="0">
                 <a:latin typeface="Monaco" charset="0"/>
                 <a:ea typeface="Monaco" charset="0"/>
                 <a:cs typeface="Monaco" charset="0"/>
@@ -5067,7 +4861,7 @@
               <a:t>    </a:t>
             </a:r>
             <a:r>
-              <a:rPr lang="ro-RO" sz="2400" dirty="0" err="1" smtClean="0">
+              <a:rPr lang="ro-RO" sz="2400" dirty="0" err="1">
                 <a:latin typeface="Monaco" charset="0"/>
                 <a:ea typeface="Monaco" charset="0"/>
                 <a:cs typeface="Monaco" charset="0"/>
@@ -5075,7 +4869,7 @@
               <a:t>foo.append</a:t>
             </a:r>
             <a:r>
-              <a:rPr lang="ro-RO" sz="2400" dirty="0" smtClean="0">
+              <a:rPr lang="ro-RO" sz="2400" dirty="0">
                 <a:latin typeface="Monaco" charset="0"/>
                 <a:ea typeface="Monaco" charset="0"/>
                 <a:cs typeface="Monaco" charset="0"/>
@@ -5083,7 +4877,7 @@
               <a:t>(</a:t>
             </a:r>
             <a:r>
-              <a:rPr lang="ro-RO" sz="2400" dirty="0" err="1" smtClean="0">
+              <a:rPr lang="ro-RO" sz="2400" dirty="0" err="1">
                 <a:latin typeface="Monaco" charset="0"/>
                 <a:ea typeface="Monaco" charset="0"/>
                 <a:cs typeface="Monaco" charset="0"/>
@@ -5091,20 +4885,12 @@
               <a:t>blah</a:t>
             </a:r>
             <a:r>
-              <a:rPr lang="ro-RO" sz="2400" dirty="0" smtClean="0">
-                <a:latin typeface="Monaco" charset="0"/>
-                <a:ea typeface="Monaco" charset="0"/>
-                <a:cs typeface="Monaco" charset="0"/>
-              </a:rPr>
-              <a:t> </a:t>
-            </a:r>
-            <a:r>
               <a:rPr lang="ro-RO" sz="2400" dirty="0">
                 <a:latin typeface="Monaco" charset="0"/>
                 <a:ea typeface="Monaco" charset="0"/>
                 <a:cs typeface="Monaco" charset="0"/>
               </a:rPr>
-              <a:t>* 2)</a:t>
+              <a:t> * 2)</a:t>
             </a:r>
             <a:endParaRPr lang="en-US" sz="2400" dirty="0">
               <a:latin typeface="Monaco" charset="0"/>
@@ -5270,10 +5056,9 @@
           <a:lstStyle/>
           <a:p>
             <a:r>
-              <a:rPr lang="en-US" dirty="0" smtClean="0"/>
+              <a:rPr lang="en-US" dirty="0"/>
               <a:t>Code sample</a:t>
             </a:r>
-            <a:endParaRPr lang="en-US" dirty="0"/>
           </a:p>
         </p:txBody>
       </p:sp>
@@ -5300,78 +5085,49 @@
           <a:lstStyle/>
           <a:p>
             <a:r>
-              <a:rPr lang="en-US" dirty="0" smtClean="0"/>
+              <a:rPr lang="en-US" dirty="0"/>
               <a:t>What high-level math operation is this performing?</a:t>
             </a:r>
             <a:br>
-              <a:rPr lang="en-US" dirty="0" smtClean="0"/>
+              <a:rPr lang="en-US" dirty="0"/>
             </a:br>
-            <a:r>
-              <a:rPr lang="en-US" dirty="0" smtClean="0"/>
-              <a:t/>
-            </a:r>
             <a:br>
-              <a:rPr lang="en-US" dirty="0" smtClean="0"/>
+              <a:rPr lang="en-US" dirty="0"/>
             </a:br>
-            <a:r>
-              <a:rPr lang="en-US" dirty="0" smtClean="0"/>
-              <a:t/>
-            </a:r>
             <a:br>
-              <a:rPr lang="en-US" dirty="0" smtClean="0"/>
+              <a:rPr lang="en-US" dirty="0"/>
             </a:br>
-            <a:r>
-              <a:rPr lang="en-US" dirty="0" smtClean="0"/>
-              <a:t/>
-            </a:r>
             <a:br>
-              <a:rPr lang="en-US" dirty="0" smtClean="0"/>
+              <a:rPr lang="en-US" dirty="0"/>
             </a:br>
-            <a:r>
-              <a:rPr lang="en-US" dirty="0" smtClean="0"/>
-              <a:t/>
-            </a:r>
             <a:br>
-              <a:rPr lang="en-US" dirty="0" smtClean="0"/>
+              <a:rPr lang="en-US" dirty="0"/>
             </a:br>
-            <a:endParaRPr lang="en-US" dirty="0" smtClean="0"/>
-          </a:p>
-          <a:p>
-            <a:r>
-              <a:rPr lang="en-US" dirty="0" smtClean="0"/>
+            <a:endParaRPr lang="en-US" dirty="0"/>
+          </a:p>
+          <a:p>
+            <a:r>
+              <a:rPr lang="en-US" dirty="0"/>
               <a:t>The key is to read “nested loop” as all combinations of n x n</a:t>
             </a:r>
           </a:p>
           <a:p>
             <a:r>
-              <a:rPr lang="en-US" dirty="0" smtClean="0"/>
-              <a:t>Then look at the </a:t>
-            </a:r>
-            <a:r>
-              <a:rPr lang="en-US" dirty="0" smtClean="0"/>
-              <a:t>operation, </a:t>
-            </a:r>
-            <a:r>
-              <a:rPr lang="en-US" dirty="0" smtClean="0"/>
-              <a:t>which is adding two elements</a:t>
-            </a:r>
-          </a:p>
-          <a:p>
-            <a:r>
-              <a:rPr lang="en-US" dirty="0" smtClean="0"/>
+              <a:rPr lang="en-US" dirty="0"/>
+              <a:t>Then look at the operation, which is adding two elements</a:t>
+            </a:r>
+          </a:p>
+          <a:p>
+            <a:r>
+              <a:rPr lang="en-US" dirty="0"/>
               <a:t>Putting it together, add two matrices</a:t>
             </a:r>
           </a:p>
           <a:p>
             <a:r>
-              <a:rPr lang="en-US" dirty="0" smtClean="0"/>
-              <a:t>See nested </a:t>
-            </a:r>
-            <a:r>
-              <a:rPr lang="en-US" dirty="0" smtClean="0"/>
-              <a:t>loops? Think matrix or image operations</a:t>
-            </a:r>
-            <a:endParaRPr lang="en-US" dirty="0"/>
+              <a:rPr lang="en-US" dirty="0"/>
+              <a:t>See nested loops? Think matrix or image operations</a:t>
+            </a:r>
           </a:p>
         </p:txBody>
       </p:sp>
@@ -5380,7 +5136,7 @@
           <p:cNvPr id="4" name="TextBox 3">
             <a:extLst>
               <a:ext uri="{FF2B5EF4-FFF2-40B4-BE49-F238E27FC236}">
-                <a16:creationId xmlns="" xmlns:a16="http://schemas.microsoft.com/office/drawing/2014/main" id="{7EA51DEE-4B36-8844-9444-48364D4297AC}"/>
+                <a16:creationId xmlns:a16="http://schemas.microsoft.com/office/drawing/2014/main" id="{7EA51DEE-4B36-8844-9444-48364D4297AC}"/>
               </a:ext>
             </a:extLst>
           </p:cNvPr>
@@ -5481,14 +5237,14 @@
               <a:t>n</a:t>
             </a:r>
             <a:r>
-              <a:rPr lang="mr-IN" sz="2400" dirty="0" smtClean="0">
+              <a:rPr lang="mr-IN" sz="2400" dirty="0">
                 <a:latin typeface="Monaco" charset="0"/>
                 <a:ea typeface="Monaco" charset="0"/>
                 <a:cs typeface="Monaco" charset="0"/>
               </a:rPr>
               <a:t>):</a:t>
             </a:r>
-            <a:endParaRPr lang="en-US" sz="2400" dirty="0" smtClean="0">
+            <a:endParaRPr lang="en-US" sz="2400" dirty="0">
               <a:latin typeface="Monaco" charset="0"/>
               <a:ea typeface="Monaco" charset="0"/>
               <a:cs typeface="Monaco" charset="0"/>
@@ -5496,7 +5252,7 @@
           </a:p>
           <a:p>
             <a:r>
-              <a:rPr lang="mr-IN" sz="2400" dirty="0" smtClean="0">
+              <a:rPr lang="mr-IN" sz="2400" dirty="0">
                 <a:latin typeface="Monaco" charset="0"/>
                 <a:ea typeface="Monaco" charset="0"/>
                 <a:cs typeface="Monaco" charset="0"/>
@@ -5583,7 +5339,7 @@
               </a:rPr>
               <a:t>):        </a:t>
             </a:r>
-            <a:endParaRPr lang="en-US" sz="2400" dirty="0" smtClean="0">
+            <a:endParaRPr lang="en-US" sz="2400" dirty="0">
               <a:latin typeface="Monaco" charset="0"/>
               <a:ea typeface="Monaco" charset="0"/>
               <a:cs typeface="Monaco" charset="0"/>
@@ -5596,18 +5352,10 @@
                 <a:ea typeface="Monaco" charset="0"/>
                 <a:cs typeface="Monaco" charset="0"/>
               </a:rPr>
-              <a:t> </a:t>
-            </a:r>
-            <a:r>
-              <a:rPr lang="en-US" sz="2400" dirty="0" smtClean="0">
-                <a:latin typeface="Monaco" charset="0"/>
-                <a:ea typeface="Monaco" charset="0"/>
-                <a:cs typeface="Monaco" charset="0"/>
-              </a:rPr>
-              <a:t>       </a:t>
-            </a:r>
-            <a:r>
-              <a:rPr lang="mr-IN" sz="2400" dirty="0" smtClean="0">
+              <a:t>        </a:t>
+            </a:r>
+            <a:r>
+              <a:rPr lang="mr-IN" sz="2400" dirty="0">
                 <a:latin typeface="Monaco" charset="0"/>
                 <a:ea typeface="Monaco" charset="0"/>
                 <a:cs typeface="Monaco" charset="0"/>
@@ -5615,7 +5363,7 @@
               <a:t>C[</a:t>
             </a:r>
             <a:r>
-              <a:rPr lang="mr-IN" sz="2400" dirty="0" err="1" smtClean="0">
+              <a:rPr lang="mr-IN" sz="2400" dirty="0" err="1">
                 <a:latin typeface="Monaco" charset="0"/>
                 <a:ea typeface="Monaco" charset="0"/>
                 <a:cs typeface="Monaco" charset="0"/>
@@ -5968,10 +5716,9 @@
           <a:lstStyle/>
           <a:p>
             <a:r>
-              <a:rPr lang="en-US" dirty="0" smtClean="0"/>
+              <a:rPr lang="en-US" dirty="0"/>
               <a:t>Code sample</a:t>
             </a:r>
-            <a:endParaRPr lang="en-US" dirty="0"/>
           </a:p>
         </p:txBody>
       </p:sp>
@@ -5998,79 +5745,63 @@
           <a:lstStyle/>
           <a:p>
             <a:r>
-              <a:rPr lang="en-US" dirty="0" smtClean="0"/>
-              <a:t>Quick! </a:t>
-            </a:r>
-            <a:r>
-              <a:rPr lang="en-US" dirty="0"/>
-              <a:t>W</a:t>
-            </a:r>
-            <a:r>
-              <a:rPr lang="en-US" dirty="0" smtClean="0"/>
-              <a:t>hat does this do?</a:t>
+              <a:rPr lang="en-US" dirty="0"/>
+              <a:t>Quick! What does this do?</a:t>
             </a:r>
           </a:p>
           <a:p>
             <a:endParaRPr lang="en-US" dirty="0"/>
           </a:p>
           <a:p>
-            <a:endParaRPr lang="en-US" dirty="0" smtClean="0"/>
-          </a:p>
-          <a:p>
             <a:endParaRPr lang="en-US" dirty="0"/>
           </a:p>
           <a:p>
-            <a:endParaRPr lang="en-US" dirty="0" smtClean="0"/>
-          </a:p>
-          <a:p>
-            <a:endParaRPr lang="en-US" dirty="0" smtClean="0"/>
-          </a:p>
-          <a:p>
-            <a:r>
-              <a:rPr lang="en-US" dirty="0" smtClean="0"/>
+            <a:endParaRPr lang="en-US" dirty="0"/>
+          </a:p>
+          <a:p>
+            <a:endParaRPr lang="en-US" dirty="0"/>
+          </a:p>
+          <a:p>
+            <a:endParaRPr lang="en-US" dirty="0"/>
+          </a:p>
+          <a:p>
+            <a:r>
+              <a:rPr lang="en-US" dirty="0"/>
               <a:t>Finds max value in x</a:t>
             </a:r>
           </a:p>
           <a:p>
             <a:r>
               <a:rPr lang="en-US" dirty="0"/>
-              <a:t>Anytime you see an if statement inside of a </a:t>
-            </a:r>
-            <a:r>
-              <a:rPr lang="en-US" dirty="0" smtClean="0"/>
-              <a:t>loop, think </a:t>
-            </a:r>
-            <a:r>
-              <a:rPr lang="en-US" b="1" dirty="0" smtClean="0"/>
+              <a:t>Anytime you see an if statement inside of a loop, think </a:t>
+            </a:r>
+            <a:r>
+              <a:rPr lang="en-US" b="1" dirty="0"/>
               <a:t>filter</a:t>
             </a:r>
             <a:r>
-              <a:rPr lang="en-US" dirty="0" smtClean="0"/>
+              <a:rPr lang="en-US" dirty="0"/>
               <a:t> or </a:t>
             </a:r>
             <a:r>
-              <a:rPr lang="en-US" b="1" dirty="0" smtClean="0"/>
+              <a:rPr lang="en-US" b="1" dirty="0"/>
               <a:t>search</a:t>
             </a:r>
             <a:r>
-              <a:rPr lang="en-US" dirty="0" smtClean="0"/>
+              <a:rPr lang="en-US" dirty="0"/>
               <a:t> or </a:t>
             </a:r>
             <a:r>
-              <a:rPr lang="en-US" b="1" dirty="0" smtClean="0"/>
+              <a:rPr lang="en-US" b="1" dirty="0"/>
               <a:t>accumulator</a:t>
             </a:r>
             <a:r>
-              <a:rPr lang="en-US" dirty="0" smtClean="0"/>
-              <a:t> with </a:t>
-            </a:r>
-            <a:r>
-              <a:rPr lang="en-US" dirty="0"/>
-              <a:t>condition.</a:t>
-            </a:r>
-          </a:p>
-          <a:p>
-            <a:endParaRPr lang="en-US" dirty="0" smtClean="0"/>
+              <a:rPr lang="en-US" dirty="0"/>
+              <a:t> with condition.</a:t>
+            </a:r>
+          </a:p>
+          <a:p>
+            <a:endParaRPr lang="en-US" dirty="0"/>
           </a:p>
         </p:txBody>
       </p:sp>
@@ -6079,7 +5810,7 @@
           <p:cNvPr id="4" name="TextBox 3">
             <a:extLst>
               <a:ext uri="{FF2B5EF4-FFF2-40B4-BE49-F238E27FC236}">
-                <a16:creationId xmlns="" xmlns:a16="http://schemas.microsoft.com/office/drawing/2014/main" id="{7EA51DEE-4B36-8844-9444-48364D4297AC}"/>
+                <a16:creationId xmlns:a16="http://schemas.microsoft.com/office/drawing/2014/main" id="{7EA51DEE-4B36-8844-9444-48364D4297AC}"/>
               </a:ext>
             </a:extLst>
           </p:cNvPr>
@@ -6113,111 +5844,47 @@
                 <a:ea typeface="Monaco" charset="0"/>
                 <a:cs typeface="Monaco" charset="0"/>
               </a:rPr>
-              <a:t>blort = -</a:t>
-            </a:r>
-            <a:r>
-              <a:rPr lang="en-US" sz="2400" dirty="0" smtClean="0">
-                <a:latin typeface="Monaco" charset="0"/>
-                <a:ea typeface="Monaco" charset="0"/>
-                <a:cs typeface="Monaco" charset="0"/>
-              </a:rPr>
-              <a:t>99999</a:t>
-            </a:r>
-          </a:p>
-          <a:p>
-            <a:r>
-              <a:rPr lang="en-US" sz="2400" dirty="0" smtClean="0">
-                <a:latin typeface="Monaco" charset="0"/>
-                <a:ea typeface="Monaco" charset="0"/>
-                <a:cs typeface="Monaco" charset="0"/>
-              </a:rPr>
-              <a:t>for </a:t>
-            </a:r>
+              <a:t>blort = -99999</a:t>
+            </a:r>
+          </a:p>
+          <a:p>
             <a:r>
               <a:rPr lang="en-US" sz="2400" dirty="0">
                 <a:latin typeface="Monaco" charset="0"/>
                 <a:ea typeface="Monaco" charset="0"/>
                 <a:cs typeface="Monaco" charset="0"/>
               </a:rPr>
-              <a:t>x in X</a:t>
-            </a:r>
-            <a:r>
-              <a:rPr lang="en-US" sz="2400" dirty="0" smtClean="0">
-                <a:latin typeface="Monaco" charset="0"/>
-                <a:ea typeface="Monaco" charset="0"/>
-                <a:cs typeface="Monaco" charset="0"/>
-              </a:rPr>
-              <a:t>:</a:t>
-            </a:r>
-          </a:p>
-          <a:p>
-            <a:r>
-              <a:rPr lang="en-US" sz="2400" dirty="0" smtClean="0">
-                <a:latin typeface="Monaco" charset="0"/>
-                <a:ea typeface="Monaco" charset="0"/>
-                <a:cs typeface="Monaco" charset="0"/>
-              </a:rPr>
-              <a:t>    </a:t>
-            </a:r>
+              <a:t>for x in X:</a:t>
+            </a:r>
+          </a:p>
+          <a:p>
             <a:r>
               <a:rPr lang="en-US" sz="2400" dirty="0">
                 <a:latin typeface="Monaco" charset="0"/>
                 <a:ea typeface="Monaco" charset="0"/>
                 <a:cs typeface="Monaco" charset="0"/>
               </a:rPr>
-              <a:t>if x &gt; blort</a:t>
-            </a:r>
-            <a:r>
-              <a:rPr lang="en-US" sz="2400" dirty="0" smtClean="0">
-                <a:latin typeface="Monaco" charset="0"/>
-                <a:ea typeface="Monaco" charset="0"/>
-                <a:cs typeface="Monaco" charset="0"/>
-              </a:rPr>
-              <a:t>:</a:t>
-            </a:r>
-          </a:p>
-          <a:p>
-            <a:r>
-              <a:rPr lang="en-US" sz="2400" dirty="0" smtClean="0">
-                <a:latin typeface="Monaco" charset="0"/>
-                <a:ea typeface="Monaco" charset="0"/>
-                <a:cs typeface="Monaco" charset="0"/>
-              </a:rPr>
-              <a:t>        </a:t>
-            </a:r>
+              <a:t>    if x &gt; blort:</a:t>
+            </a:r>
+          </a:p>
+          <a:p>
             <a:r>
               <a:rPr lang="en-US" sz="2400" dirty="0">
                 <a:latin typeface="Monaco" charset="0"/>
                 <a:ea typeface="Monaco" charset="0"/>
                 <a:cs typeface="Monaco" charset="0"/>
               </a:rPr>
-              <a:t>blort = </a:t>
-            </a:r>
-            <a:r>
-              <a:rPr lang="en-US" sz="2400" dirty="0" smtClean="0">
-                <a:latin typeface="Monaco" charset="0"/>
-                <a:ea typeface="Monaco" charset="0"/>
-                <a:cs typeface="Monaco" charset="0"/>
-              </a:rPr>
-              <a:t>x</a:t>
-            </a:r>
-          </a:p>
-          <a:p>
-            <a:r>
-              <a:rPr lang="en-US" sz="2400" dirty="0" smtClean="0">
-                <a:latin typeface="Monaco" charset="0"/>
-                <a:ea typeface="Monaco" charset="0"/>
-                <a:cs typeface="Monaco" charset="0"/>
-              </a:rPr>
-              <a:t>print(blort</a:t>
-            </a:r>
+              <a:t>        blort = x</a:t>
+            </a:r>
+          </a:p>
+          <a:p>
             <a:r>
               <a:rPr lang="en-US" sz="2400" dirty="0">
                 <a:latin typeface="Monaco" charset="0"/>
                 <a:ea typeface="Monaco" charset="0"/>
                 <a:cs typeface="Monaco" charset="0"/>
               </a:rPr>
-              <a:t>)</a:t>
+              <a:t>print(blort)</a:t>
             </a:r>
           </a:p>
         </p:txBody>
@@ -6378,10 +6045,9 @@
           <a:lstStyle/>
           <a:p>
             <a:r>
-              <a:rPr lang="en-US" dirty="0" smtClean="0"/>
+              <a:rPr lang="en-US" dirty="0"/>
               <a:t>Code sample</a:t>
             </a:r>
-            <a:endParaRPr lang="en-US" dirty="0"/>
           </a:p>
         </p:txBody>
       </p:sp>
@@ -6408,72 +6074,51 @@
           <a:lstStyle/>
           <a:p>
             <a:r>
-              <a:rPr lang="en-US" dirty="0" smtClean="0"/>
-              <a:t>Describe </a:t>
-            </a:r>
-            <a:r>
-              <a:rPr lang="en-US" dirty="0"/>
-              <a:t>what value bar has after this code </a:t>
-            </a:r>
-            <a:r>
-              <a:rPr lang="en-US" dirty="0" smtClean="0"/>
-              <a:t>completes</a:t>
+              <a:rPr lang="en-US" dirty="0"/>
+              <a:t>Describe what value bar has after this code completes</a:t>
             </a:r>
           </a:p>
           <a:p>
             <a:endParaRPr lang="en-US" dirty="0"/>
           </a:p>
           <a:p>
-            <a:endParaRPr lang="en-US" dirty="0" smtClean="0"/>
-          </a:p>
-          <a:p>
             <a:endParaRPr lang="en-US" dirty="0"/>
           </a:p>
           <a:p>
-            <a:endParaRPr lang="en-US" dirty="0" smtClean="0"/>
-          </a:p>
-          <a:p>
             <a:endParaRPr lang="en-US" dirty="0"/>
           </a:p>
           <a:p>
-            <a:endParaRPr lang="en-US" dirty="0" smtClean="0"/>
-          </a:p>
-          <a:p>
-            <a:r>
-              <a:rPr lang="en-US" dirty="0"/>
-              <a:t>N</a:t>
-            </a:r>
-            <a:r>
-              <a:rPr lang="en-US" dirty="0" smtClean="0"/>
-              <a:t>othing </a:t>
-            </a:r>
-            <a:r>
-              <a:rPr lang="en-US" dirty="0"/>
-              <a:t>more than two patterns in a </a:t>
-            </a:r>
-            <a:r>
-              <a:rPr lang="en-US" dirty="0" smtClean="0"/>
-              <a:t>sequence</a:t>
-            </a:r>
-          </a:p>
-          <a:p>
-            <a:r>
-              <a:rPr lang="en-US" b="1" dirty="0" smtClean="0"/>
+            <a:endParaRPr lang="en-US" dirty="0"/>
+          </a:p>
+          <a:p>
+            <a:endParaRPr lang="en-US" dirty="0"/>
+          </a:p>
+          <a:p>
+            <a:endParaRPr lang="en-US" dirty="0"/>
+          </a:p>
+          <a:p>
+            <a:r>
+              <a:rPr lang="en-US" dirty="0"/>
+              <a:t>Nothing more than two patterns in a sequence</a:t>
+            </a:r>
+          </a:p>
+          <a:p>
+            <a:r>
+              <a:rPr lang="en-US" b="1" dirty="0"/>
               <a:t>Map</a:t>
             </a:r>
             <a:r>
-              <a:rPr lang="en-US" dirty="0" smtClean="0"/>
+              <a:rPr lang="en-US" dirty="0"/>
               <a:t> blort into foo then </a:t>
             </a:r>
             <a:r>
-              <a:rPr lang="en-US" b="1" dirty="0" smtClean="0"/>
+              <a:rPr lang="en-US" b="1" dirty="0"/>
               <a:t>filter</a:t>
             </a:r>
             <a:r>
-              <a:rPr lang="en-US" dirty="0" smtClean="0"/>
+              <a:rPr lang="en-US" dirty="0"/>
               <a:t> values in foo to get zoo</a:t>
             </a:r>
-            <a:endParaRPr lang="en-US" dirty="0"/>
           </a:p>
         </p:txBody>
       </p:sp>
@@ -6482,7 +6127,7 @@
           <p:cNvPr id="4" name="TextBox 3">
             <a:extLst>
               <a:ext uri="{FF2B5EF4-FFF2-40B4-BE49-F238E27FC236}">
-                <a16:creationId xmlns="" xmlns:a16="http://schemas.microsoft.com/office/drawing/2014/main" id="{7EA51DEE-4B36-8844-9444-48364D4297AC}"/>
+                <a16:creationId xmlns:a16="http://schemas.microsoft.com/office/drawing/2014/main" id="{7EA51DEE-4B36-8844-9444-48364D4297AC}"/>
               </a:ext>
             </a:extLst>
           </p:cNvPr>
@@ -6516,65 +6161,28 @@
                 <a:ea typeface="Monaco" charset="0"/>
                 <a:cs typeface="Monaco" charset="0"/>
               </a:rPr>
-              <a:t>foo = </a:t>
-            </a:r>
-            <a:r>
-              <a:rPr lang="en-US" sz="2400" dirty="0" smtClean="0">
-                <a:latin typeface="Monaco" charset="0"/>
-                <a:ea typeface="Monaco" charset="0"/>
-                <a:cs typeface="Monaco" charset="0"/>
-              </a:rPr>
-              <a:t>[]</a:t>
-            </a:r>
-          </a:p>
-          <a:p>
-            <a:r>
-              <a:rPr lang="en-US" sz="2400" dirty="0" smtClean="0">
-                <a:latin typeface="Monaco" charset="0"/>
-                <a:ea typeface="Monaco" charset="0"/>
-                <a:cs typeface="Monaco" charset="0"/>
-              </a:rPr>
-              <a:t>bar </a:t>
-            </a:r>
+              <a:t>foo = []</a:t>
+            </a:r>
+          </a:p>
+          <a:p>
             <a:r>
               <a:rPr lang="en-US" sz="2400" dirty="0">
                 <a:latin typeface="Monaco" charset="0"/>
                 <a:ea typeface="Monaco" charset="0"/>
                 <a:cs typeface="Monaco" charset="0"/>
               </a:rPr>
-              <a:t>= </a:t>
-            </a:r>
-            <a:r>
-              <a:rPr lang="en-US" sz="2400" dirty="0" smtClean="0">
-                <a:latin typeface="Monaco" charset="0"/>
-                <a:ea typeface="Monaco" charset="0"/>
-                <a:cs typeface="Monaco" charset="0"/>
-              </a:rPr>
-              <a:t>[]</a:t>
-            </a:r>
-          </a:p>
-          <a:p>
-            <a:r>
-              <a:rPr lang="en-US" sz="2400" dirty="0" smtClean="0">
-                <a:latin typeface="Monaco" charset="0"/>
-                <a:ea typeface="Monaco" charset="0"/>
-                <a:cs typeface="Monaco" charset="0"/>
-              </a:rPr>
-              <a:t>for </a:t>
-            </a:r>
+              <a:t>bar = []</a:t>
+            </a:r>
+          </a:p>
+          <a:p>
             <a:r>
               <a:rPr lang="en-US" sz="2400" dirty="0">
                 <a:latin typeface="Monaco" charset="0"/>
                 <a:ea typeface="Monaco" charset="0"/>
                 <a:cs typeface="Monaco" charset="0"/>
               </a:rPr>
-              <a:t>blah in blort:   </a:t>
-            </a:r>
-            <a:endParaRPr lang="en-US" sz="2400" dirty="0" smtClean="0">
-              <a:latin typeface="Monaco" charset="0"/>
-              <a:ea typeface="Monaco" charset="0"/>
-              <a:cs typeface="Monaco" charset="0"/>
-            </a:endParaRPr>
+              <a:t>for blah in blort:   </a:t>
+            </a:r>
           </a:p>
           <a:p>
             <a:r>
@@ -6583,15 +6191,7 @@
                 <a:ea typeface="Monaco" charset="0"/>
                 <a:cs typeface="Monaco" charset="0"/>
               </a:rPr>
-              <a:t> </a:t>
-            </a:r>
-            <a:r>
-              <a:rPr lang="en-US" sz="2400" dirty="0" smtClean="0">
-                <a:latin typeface="Monaco" charset="0"/>
-                <a:ea typeface="Monaco" charset="0"/>
-                <a:cs typeface="Monaco" charset="0"/>
-              </a:rPr>
-              <a:t>   </a:t>
+              <a:t>    </a:t>
             </a:r>
             <a:r>
               <a:rPr lang="en-US" sz="2400" dirty="0" err="1">
@@ -6607,77 +6207,37 @@
                 <a:ea typeface="Monaco" charset="0"/>
                 <a:cs typeface="Monaco" charset="0"/>
               </a:rPr>
-              <a:t>(blah * 2</a:t>
-            </a:r>
-            <a:r>
-              <a:rPr lang="en-US" sz="2400" dirty="0" smtClean="0">
-                <a:latin typeface="Monaco" charset="0"/>
-                <a:ea typeface="Monaco" charset="0"/>
-                <a:cs typeface="Monaco" charset="0"/>
-              </a:rPr>
-              <a:t>)</a:t>
-            </a:r>
-          </a:p>
-          <a:p>
-            <a:r>
-              <a:rPr lang="en-US" sz="2400" dirty="0" smtClean="0">
-                <a:latin typeface="Monaco" charset="0"/>
-                <a:ea typeface="Monaco" charset="0"/>
-                <a:cs typeface="Monaco" charset="0"/>
-              </a:rPr>
-              <a:t>for </a:t>
-            </a:r>
+              <a:t>(blah * 2)</a:t>
+            </a:r>
+          </a:p>
+          <a:p>
             <a:r>
               <a:rPr lang="en-US" sz="2400" dirty="0">
                 <a:latin typeface="Monaco" charset="0"/>
                 <a:ea typeface="Monaco" charset="0"/>
                 <a:cs typeface="Monaco" charset="0"/>
               </a:rPr>
-              <a:t>zoo in foo</a:t>
-            </a:r>
-            <a:r>
-              <a:rPr lang="en-US" sz="2400" dirty="0" smtClean="0">
-                <a:latin typeface="Monaco" charset="0"/>
-                <a:ea typeface="Monaco" charset="0"/>
-                <a:cs typeface="Monaco" charset="0"/>
-              </a:rPr>
-              <a:t>:</a:t>
-            </a:r>
-          </a:p>
-          <a:p>
-            <a:r>
-              <a:rPr lang="en-US" sz="2400" dirty="0" smtClean="0">
-                <a:latin typeface="Monaco" charset="0"/>
-                <a:ea typeface="Monaco" charset="0"/>
-                <a:cs typeface="Monaco" charset="0"/>
-              </a:rPr>
-              <a:t>    </a:t>
-            </a:r>
+              <a:t>for zoo in foo:</a:t>
+            </a:r>
+          </a:p>
+          <a:p>
             <a:r>
               <a:rPr lang="en-US" sz="2400" dirty="0">
                 <a:latin typeface="Monaco" charset="0"/>
                 <a:ea typeface="Monaco" charset="0"/>
                 <a:cs typeface="Monaco" charset="0"/>
               </a:rPr>
-              <a:t>if zoo&gt;10</a:t>
-            </a:r>
-            <a:r>
-              <a:rPr lang="en-US" sz="2400" dirty="0" smtClean="0">
-                <a:latin typeface="Monaco" charset="0"/>
-                <a:ea typeface="Monaco" charset="0"/>
-                <a:cs typeface="Monaco" charset="0"/>
-              </a:rPr>
-              <a:t>:</a:t>
+              <a:t>    if zoo&gt;10:</a:t>
             </a:r>
             <a:br>
-              <a:rPr lang="en-US" sz="2400" dirty="0" smtClean="0">
+              <a:rPr lang="en-US" sz="2400" dirty="0">
                 <a:latin typeface="Monaco" charset="0"/>
                 <a:ea typeface="Monaco" charset="0"/>
                 <a:cs typeface="Monaco" charset="0"/>
               </a:rPr>
             </a:br>
             <a:r>
-              <a:rPr lang="en-US" sz="2400" dirty="0" smtClean="0">
+              <a:rPr lang="en-US" sz="2400" dirty="0">
                 <a:latin typeface="Monaco" charset="0"/>
                 <a:ea typeface="Monaco" charset="0"/>
                 <a:cs typeface="Monaco" charset="0"/>
@@ -6698,21 +6258,8 @@
                 <a:ea typeface="Monaco" charset="0"/>
                 <a:cs typeface="Monaco" charset="0"/>
               </a:rPr>
-              <a:t>(zoo</a:t>
-            </a:r>
-            <a:r>
-              <a:rPr lang="en-US" sz="2400" dirty="0" smtClean="0">
-                <a:latin typeface="Monaco" charset="0"/>
-                <a:ea typeface="Monaco" charset="0"/>
-                <a:cs typeface="Monaco" charset="0"/>
-              </a:rPr>
-              <a:t>)</a:t>
-            </a:r>
-            <a:endParaRPr lang="en-US" sz="2400" dirty="0">
-              <a:latin typeface="Monaco" charset="0"/>
-              <a:ea typeface="Monaco" charset="0"/>
-              <a:cs typeface="Monaco" charset="0"/>
-            </a:endParaRPr>
+              <a:t>(zoo)</a:t>
+            </a:r>
           </a:p>
         </p:txBody>
       </p:sp>
@@ -6872,80 +6419,62 @@
           <a:lstStyle/>
           <a:p>
             <a:r>
-              <a:rPr lang="en-US" dirty="0" smtClean="0"/>
+              <a:rPr lang="en-US" dirty="0"/>
               <a:t>Summary</a:t>
             </a:r>
+          </a:p>
+        </p:txBody>
+      </p:sp>
+      <p:sp>
+        <p:nvSpPr>
+          <p:cNvPr id="3" name="Content Placeholder 2"/>
+          <p:cNvSpPr>
+            <a:spLocks noGrp="1"/>
+          </p:cNvSpPr>
+          <p:nvPr>
+            <p:ph idx="1"/>
+          </p:nvPr>
+        </p:nvSpPr>
+        <p:spPr/>
+        <p:txBody>
+          <a:bodyPr/>
+          <a:lstStyle/>
+          <a:p>
+            <a:r>
+              <a:rPr lang="en-US" dirty="0"/>
+              <a:t>Code is how we communicate; code </a:t>
+            </a:r>
+            <a:r>
+              <a:rPr lang="en-US" b="1" dirty="0"/>
+              <a:t>is</a:t>
+            </a:r>
+            <a:r>
+              <a:rPr lang="en-US" dirty="0"/>
+              <a:t> the documentation</a:t>
+            </a:r>
+          </a:p>
+          <a:p>
+            <a:r>
+              <a:rPr lang="en-US" dirty="0"/>
+              <a:t>Reading code is about identifying patterns, reverse engineering the intent of the original programmer</a:t>
+            </a:r>
+          </a:p>
+          <a:p>
+            <a:r>
+              <a:rPr lang="en-US" dirty="0"/>
+              <a:t>Be kind to other developers and your future self by writing </a:t>
+            </a:r>
+            <a:r>
+              <a:rPr lang="en-US"/>
+              <a:t>high-quality code; and include useful comments</a:t>
+            </a:r>
             <a:endParaRPr lang="en-US" dirty="0"/>
           </a:p>
-        </p:txBody>
-      </p:sp>
-      <p:sp>
-        <p:nvSpPr>
-          <p:cNvPr id="3" name="Content Placeholder 2"/>
-          <p:cNvSpPr>
-            <a:spLocks noGrp="1"/>
-          </p:cNvSpPr>
-          <p:nvPr>
-            <p:ph idx="1"/>
-          </p:nvPr>
-        </p:nvSpPr>
-        <p:spPr/>
-        <p:txBody>
-          <a:bodyPr/>
-          <a:lstStyle/>
-          <a:p>
-            <a:r>
-              <a:rPr lang="en-US" dirty="0" smtClean="0"/>
-              <a:t>Code is how we communicate; code </a:t>
-            </a:r>
-            <a:r>
-              <a:rPr lang="en-US" b="1" dirty="0" smtClean="0"/>
-              <a:t>is</a:t>
-            </a:r>
-            <a:r>
-              <a:rPr lang="en-US" dirty="0" smtClean="0"/>
-              <a:t> the documentation</a:t>
-            </a:r>
-          </a:p>
-          <a:p>
-            <a:r>
-              <a:rPr lang="en-US" dirty="0" smtClean="0"/>
-              <a:t>Reading code is about identifying patterns, reverse engineering the intent of the original programmer</a:t>
-            </a:r>
-          </a:p>
-          <a:p>
-            <a:r>
-              <a:rPr lang="en-US" dirty="0" smtClean="0"/>
-              <a:t>Be kind </a:t>
-            </a:r>
-            <a:r>
-              <a:rPr lang="en-US" dirty="0"/>
-              <a:t>to other developers and your future self by writing </a:t>
-            </a:r>
-            <a:r>
-              <a:rPr lang="en-US"/>
-              <a:t>high-quality </a:t>
-            </a:r>
-            <a:r>
-              <a:rPr lang="en-US" smtClean="0"/>
-              <a:t>code; and include useful comments</a:t>
-            </a:r>
-            <a:endParaRPr lang="en-US" dirty="0" smtClean="0"/>
-          </a:p>
-          <a:p>
-            <a:r>
-              <a:rPr lang="en-US" dirty="0" smtClean="0"/>
-              <a:t>That </a:t>
-            </a:r>
-            <a:r>
-              <a:rPr lang="en-US" dirty="0"/>
-              <a:t>includes choosing excellent variable and function names and writing code that clearly illustrates your </a:t>
-            </a:r>
-            <a:r>
-              <a:rPr lang="en-US" dirty="0" smtClean="0"/>
-              <a:t>intent</a:t>
-            </a:r>
-            <a:endParaRPr lang="en-US" dirty="0"/>
+          <a:p>
+            <a:r>
+              <a:rPr lang="en-US" dirty="0"/>
+              <a:t>That includes choosing excellent variable and function names and writing code that clearly illustrates your intent</a:t>
+            </a:r>
           </a:p>
         </p:txBody>
       </p:sp>
@@ -6959,13 +6488,6 @@
   <p:clrMapOvr>
     <a:masterClrMapping/>
   </p:clrMapOvr>
-  <p:timing>
-    <p:tnLst>
-      <p:par>
-        <p:cTn id="1" dur="indefinite" restart="never" nodeType="tmRoot"/>
-      </p:par>
-    </p:tnLst>
-  </p:timing>
 </p:sld>
 </file>
 
@@ -7002,10 +6524,9 @@
           <a:lstStyle/>
           <a:p>
             <a:r>
-              <a:rPr lang="en-US" dirty="0" smtClean="0"/>
+              <a:rPr lang="en-US" dirty="0"/>
               <a:t>Why must we be able to read code?</a:t>
             </a:r>
-            <a:endParaRPr lang="en-US" dirty="0"/>
           </a:p>
         </p:txBody>
       </p:sp>
@@ -7025,38 +6546,14 @@
           <a:lstStyle/>
           <a:p>
             <a:r>
-              <a:rPr lang="en-US" dirty="0" smtClean="0"/>
-              <a:t>Fundamentally, </a:t>
-            </a:r>
-            <a:r>
-              <a:rPr lang="en-US" dirty="0"/>
-              <a:t>programmers communicate with </a:t>
-            </a:r>
-            <a:r>
-              <a:rPr lang="en-US" dirty="0" smtClean="0"/>
-              <a:t>code</a:t>
-            </a:r>
-          </a:p>
-          <a:p>
-            <a:r>
-              <a:rPr lang="en-US" dirty="0" smtClean="0"/>
-              <a:t>It’s how we </a:t>
-            </a:r>
-            <a:r>
-              <a:rPr lang="en-US" dirty="0"/>
-              <a:t>not only express our thoughts to the computer but </a:t>
-            </a:r>
-            <a:r>
-              <a:rPr lang="en-US" dirty="0" smtClean="0"/>
-              <a:t>to </a:t>
-            </a:r>
-            <a:r>
-              <a:rPr lang="en-US" dirty="0"/>
-              <a:t>other </a:t>
-            </a:r>
-            <a:r>
-              <a:rPr lang="en-US" dirty="0" smtClean="0"/>
-              <a:t>developers</a:t>
+              <a:rPr lang="en-US" dirty="0"/>
+              <a:t>Fundamentally, programmers communicate with code</a:t>
+            </a:r>
+          </a:p>
+          <a:p>
+            <a:r>
+              <a:rPr lang="en-US" dirty="0"/>
+              <a:t>It’s how we not only express our thoughts to the computer but to other developers</a:t>
             </a:r>
           </a:p>
           <a:p>
@@ -7110,10 +6607,9 @@
           <a:lstStyle/>
           <a:p>
             <a:r>
-              <a:rPr lang="en-US" dirty="0" smtClean="0"/>
+              <a:rPr lang="en-US" dirty="0"/>
               <a:t>Reading code is also part of your process</a:t>
             </a:r>
-            <a:endParaRPr lang="en-US" dirty="0"/>
           </a:p>
         </p:txBody>
       </p:sp>
@@ -7140,141 +6636,60 @@
           <a:lstStyle/>
           <a:p>
             <a:r>
-              <a:rPr lang="en-US" dirty="0" smtClean="0"/>
-              <a:t>We </a:t>
-            </a:r>
-            <a:r>
-              <a:rPr lang="en-US" dirty="0"/>
-              <a:t>learn programming techniques by recognizing cool patterns in the code of </a:t>
-            </a:r>
-            <a:r>
-              <a:rPr lang="en-US" dirty="0" smtClean="0"/>
-              <a:t>others</a:t>
+              <a:rPr lang="en-US" dirty="0"/>
+              <a:t>We learn programming techniques by recognizing cool patterns in the code of others</a:t>
             </a:r>
           </a:p>
           <a:p>
             <a:pPr lvl="1"/>
             <a:r>
-              <a:rPr lang="en-US" dirty="0" smtClean="0"/>
-              <a:t>Being </a:t>
-            </a:r>
-            <a:r>
-              <a:rPr lang="en-US" dirty="0"/>
-              <a:t>able to quickly read code allows you to gain experience watching a programming lecture or </a:t>
-            </a:r>
-            <a:r>
-              <a:rPr lang="en-US" dirty="0" smtClean="0"/>
-              <a:t>video</a:t>
-            </a:r>
-          </a:p>
-          <a:p>
-            <a:r>
-              <a:rPr lang="en-US" dirty="0" smtClean="0"/>
-              <a:t>We </a:t>
-            </a:r>
-            <a:r>
-              <a:rPr lang="en-US" dirty="0"/>
-              <a:t>can often find hints or solutions to a coding problem through code snippets found via Google search or at </a:t>
-            </a:r>
-            <a:r>
-              <a:rPr lang="en-US" dirty="0" err="1" smtClean="0"/>
+              <a:rPr lang="en-US" dirty="0"/>
+              <a:t>Being able to quickly read code allows you to gain experience watching a programming lecture or video</a:t>
+            </a:r>
+          </a:p>
+          <a:p>
+            <a:r>
+              <a:rPr lang="en-US" dirty="0"/>
+              <a:t>We can often find hints or solutions to a coding problem through code snippets found via Google search or at </a:t>
+            </a:r>
+            <a:r>
+              <a:rPr lang="en-US" dirty="0" err="1"/>
               <a:t>StackOverlow</a:t>
             </a:r>
-            <a:endParaRPr lang="en-US" dirty="0" smtClean="0"/>
-          </a:p>
-          <a:p>
-            <a:r>
-              <a:rPr lang="en-US" dirty="0"/>
-              <a:t>The code is the </a:t>
-            </a:r>
-            <a:r>
-              <a:rPr lang="en-US" dirty="0" smtClean="0"/>
-              <a:t>documentation</a:t>
+            <a:endParaRPr lang="en-US" dirty="0"/>
+          </a:p>
+          <a:p>
+            <a:r>
+              <a:rPr lang="en-US" dirty="0"/>
+              <a:t>The code is the documentation</a:t>
             </a:r>
           </a:p>
           <a:p>
             <a:pPr lvl="1"/>
             <a:r>
-              <a:rPr lang="en-US" dirty="0" smtClean="0"/>
-              <a:t>The </a:t>
-            </a:r>
-            <a:r>
-              <a:rPr lang="en-US" dirty="0"/>
-              <a:t>complete behavior of a </a:t>
-            </a:r>
-            <a:r>
-              <a:rPr lang="en-US" dirty="0" smtClean="0"/>
-              <a:t>function isn’t </a:t>
-            </a:r>
-            <a:r>
-              <a:rPr lang="en-US" dirty="0"/>
-              <a:t>always clear from </a:t>
-            </a:r>
-            <a:r>
-              <a:rPr lang="en-US" dirty="0" smtClean="0"/>
-              <a:t>just the name </a:t>
-            </a:r>
-            <a:r>
-              <a:rPr lang="en-US" dirty="0"/>
-              <a:t>or parameter </a:t>
-            </a:r>
-            <a:r>
-              <a:rPr lang="en-US" dirty="0" smtClean="0"/>
-              <a:t>list</a:t>
+              <a:rPr lang="en-US" dirty="0"/>
+              <a:t>The complete behavior of a function isn’t always clear from just the name or parameter list</a:t>
             </a:r>
           </a:p>
           <a:p>
             <a:pPr lvl="1"/>
             <a:r>
-              <a:rPr lang="en-US" dirty="0" smtClean="0"/>
-              <a:t>Looking </a:t>
-            </a:r>
-            <a:r>
-              <a:rPr lang="en-US" dirty="0"/>
-              <a:t>at the source code </a:t>
-            </a:r>
-            <a:r>
-              <a:rPr lang="en-US" dirty="0" smtClean="0"/>
-              <a:t>is </a:t>
-            </a:r>
-            <a:r>
-              <a:rPr lang="en-US" dirty="0"/>
-              <a:t>the best way to understand what it </a:t>
-            </a:r>
-            <a:r>
-              <a:rPr lang="en-US" dirty="0" smtClean="0"/>
-              <a:t>does</a:t>
-            </a:r>
-          </a:p>
-          <a:p>
-            <a:r>
-              <a:rPr lang="en-US" dirty="0" smtClean="0"/>
-              <a:t>All </a:t>
-            </a:r>
-            <a:r>
-              <a:rPr lang="en-US" dirty="0"/>
-              <a:t>code has bugs, particularly code we just wrote that has not been tested </a:t>
-            </a:r>
-            <a:r>
-              <a:rPr lang="en-US" dirty="0" smtClean="0"/>
-              <a:t>exhaustively</a:t>
+              <a:rPr lang="en-US" dirty="0"/>
+              <a:t>Looking at the source code is the best way to understand what it does</a:t>
+            </a:r>
+          </a:p>
+          <a:p>
+            <a:r>
+              <a:rPr lang="en-US" dirty="0"/>
+              <a:t>All code has bugs, particularly code we just wrote that has not been tested exhaustively</a:t>
             </a:r>
           </a:p>
           <a:p>
             <a:pPr lvl="1"/>
             <a:r>
-              <a:rPr lang="en-US" dirty="0" smtClean="0"/>
-              <a:t>As </a:t>
-            </a:r>
-            <a:r>
-              <a:rPr lang="en-US" dirty="0"/>
-              <a:t>part of the coding process, we are constantly bouncing around, reading our existing code base to make sure everything fits </a:t>
-            </a:r>
-            <a:r>
-              <a:rPr lang="en-US" dirty="0" smtClean="0"/>
-              <a:t>together</a:t>
-            </a:r>
-            <a:endParaRPr lang="en-US" dirty="0"/>
+              <a:rPr lang="en-US" dirty="0"/>
+              <a:t>As part of the coding process, we are constantly bouncing around, reading our existing code base to make sure everything fits together</a:t>
+            </a:r>
           </a:p>
         </p:txBody>
       </p:sp>
@@ -7324,10 +6739,9 @@
           <a:lstStyle/>
           <a:p>
             <a:r>
-              <a:rPr lang="en-US" dirty="0" smtClean="0"/>
+              <a:rPr lang="en-US" dirty="0"/>
               <a:t>How to read code</a:t>
             </a:r>
-            <a:endParaRPr lang="en-US" dirty="0"/>
           </a:p>
         </p:txBody>
       </p:sp>
@@ -7354,167 +6768,57 @@
           <a:lstStyle/>
           <a:p>
             <a:r>
-              <a:rPr lang="en-US" dirty="0" smtClean="0"/>
-              <a:t>Our </a:t>
-            </a:r>
-            <a:r>
-              <a:rPr lang="en-US" dirty="0"/>
-              <a:t>first clue comes from the fact that we are not computers, hence, we should not read code like a computer, examining one symbol after the </a:t>
-            </a:r>
-            <a:r>
-              <a:rPr lang="en-US" dirty="0" smtClean="0"/>
-              <a:t>other</a:t>
-            </a:r>
-          </a:p>
-          <a:p>
-            <a:r>
-              <a:rPr lang="en-US" dirty="0" smtClean="0"/>
-              <a:t>Instead</a:t>
-            </a:r>
-            <a:r>
-              <a:rPr lang="en-US" dirty="0"/>
-              <a:t>, </a:t>
-            </a:r>
-            <a:r>
-              <a:rPr lang="en-US" dirty="0" smtClean="0"/>
-              <a:t>we </a:t>
-            </a:r>
-            <a:r>
-              <a:rPr lang="en-US" dirty="0"/>
-              <a:t>look for key elements and code </a:t>
-            </a:r>
-            <a:r>
-              <a:rPr lang="en-US" dirty="0" smtClean="0"/>
-              <a:t>patterns</a:t>
-            </a:r>
-          </a:p>
-          <a:p>
-            <a:r>
-              <a:rPr lang="en-US" dirty="0" smtClean="0"/>
-              <a:t>We </a:t>
-            </a:r>
-            <a:r>
-              <a:rPr lang="en-US" dirty="0"/>
-              <a:t>reverse the process followed by the </a:t>
-            </a:r>
-            <a:r>
-              <a:rPr lang="en-US" dirty="0" smtClean="0"/>
-              <a:t>code author</a:t>
-            </a:r>
-            <a:endParaRPr lang="en-US" dirty="0" smtClean="0"/>
+              <a:rPr lang="en-US" dirty="0"/>
+              <a:t>Our first clue comes from the fact that we are not computers, hence, we should not read code like a computer, examining one symbol after the other</a:t>
+            </a:r>
+          </a:p>
+          <a:p>
+            <a:r>
+              <a:rPr lang="en-US" dirty="0"/>
+              <a:t>Instead, we look for key elements and code patterns</a:t>
+            </a:r>
+          </a:p>
+          <a:p>
+            <a:r>
+              <a:rPr lang="en-US" dirty="0"/>
+              <a:t>We reverse the process followed by the code author</a:t>
+            </a:r>
           </a:p>
           <a:p>
             <a:pPr lvl="1"/>
             <a:r>
               <a:rPr lang="en-US" dirty="0"/>
-              <a:t>C</a:t>
-            </a:r>
-            <a:r>
-              <a:rPr lang="en-US" dirty="0" smtClean="0"/>
-              <a:t>ode </a:t>
-            </a:r>
-            <a:r>
-              <a:rPr lang="en-US" dirty="0"/>
-              <a:t>author </a:t>
-            </a:r>
-            <a:r>
-              <a:rPr lang="en-US" dirty="0" smtClean="0"/>
-              <a:t>thought “</a:t>
-            </a:r>
-            <a:r>
-              <a:rPr lang="en-US" i="1" dirty="0" smtClean="0"/>
-              <a:t>convert </a:t>
+              <a:t>Code author thought “</a:t>
             </a:r>
             <a:r>
               <a:rPr lang="en-US" i="1" dirty="0"/>
-              <a:t>prices to a new list by dividing by </a:t>
-            </a:r>
-            <a:r>
-              <a:rPr lang="en-US" i="1" dirty="0" smtClean="0"/>
-              <a:t>2</a:t>
-            </a:r>
-            <a:r>
-              <a:rPr lang="en-US" dirty="0" smtClean="0"/>
-              <a:t>,” </a:t>
-            </a:r>
-            <a:r>
-              <a:rPr lang="en-US" dirty="0"/>
-              <a:t>which they converted to </a:t>
-            </a:r>
-            <a:r>
-              <a:rPr lang="en-US" dirty="0" smtClean="0"/>
-              <a:t>“map” </a:t>
-            </a:r>
-            <a:r>
-              <a:rPr lang="en-US" dirty="0"/>
-              <a:t>pseudocode and </a:t>
-            </a:r>
-            <a:r>
-              <a:rPr lang="en-US" dirty="0" smtClean="0"/>
-              <a:t>then to Python</a:t>
-            </a:r>
-            <a:r>
-              <a:rPr lang="en-US" dirty="0"/>
-              <a:t> </a:t>
-            </a:r>
-            <a:r>
-              <a:rPr lang="en-US" dirty="0" smtClean="0"/>
-              <a:t>loop</a:t>
+              <a:t>convert prices to a new list by dividing by 2</a:t>
+            </a:r>
+            <a:r>
+              <a:rPr lang="en-US" dirty="0"/>
+              <a:t>,” which they converted to “map” pseudocode and then to Python loop</a:t>
             </a:r>
           </a:p>
           <a:p>
             <a:pPr lvl="1"/>
             <a:r>
-              <a:rPr lang="en-US" dirty="0" smtClean="0"/>
-              <a:t>We must reverse this and imagine </a:t>
-            </a:r>
-            <a:r>
-              <a:rPr lang="en-US" dirty="0"/>
-              <a:t>the original goal of </a:t>
-            </a:r>
-            <a:r>
-              <a:rPr lang="en-US" dirty="0" smtClean="0"/>
-              <a:t>author</a:t>
+              <a:rPr lang="en-US" dirty="0"/>
+              <a:t>We must reverse this and imagine the original goal of author</a:t>
             </a:r>
           </a:p>
           <a:p>
             <a:pPr lvl="1"/>
             <a:r>
-              <a:rPr lang="en-US" dirty="0" smtClean="0"/>
-              <a:t>Don’t try </a:t>
-            </a:r>
-            <a:r>
-              <a:rPr lang="en-US" dirty="0" smtClean="0"/>
-              <a:t>to determine functionality by simulating the statements literally in </a:t>
-            </a:r>
-            <a:r>
-              <a:rPr lang="en-US" dirty="0" smtClean="0"/>
-              <a:t>your head </a:t>
-            </a:r>
-            <a:r>
-              <a:rPr lang="en-US" dirty="0" smtClean="0"/>
-              <a:t>or on paper</a:t>
+              <a:rPr lang="en-US" dirty="0"/>
+              <a:t>Don’t try to determine functionality by simulating the statements literally in your head or on paper</a:t>
             </a:r>
           </a:p>
           <a:p>
             <a:pPr lvl="1"/>
             <a:r>
-              <a:rPr lang="en-US" dirty="0" smtClean="0"/>
-              <a:t>Rather, </a:t>
-            </a:r>
-            <a:r>
-              <a:rPr lang="en-US" dirty="0" smtClean="0"/>
-              <a:t>look </a:t>
-            </a:r>
-            <a:r>
-              <a:rPr lang="en-US" dirty="0"/>
-              <a:t>for patterns that tell us what high-level operations are being </a:t>
-            </a:r>
-            <a:r>
-              <a:rPr lang="en-US" dirty="0" smtClean="0"/>
-              <a:t>performed</a:t>
-            </a:r>
-            <a:endParaRPr lang="en-US" dirty="0"/>
+              <a:rPr lang="en-US" dirty="0"/>
+              <a:t>Rather, look for patterns that tell us what high-level operations are being performed</a:t>
+            </a:r>
           </a:p>
         </p:txBody>
       </p:sp>
@@ -7564,10 +6868,9 @@
           <a:lstStyle/>
           <a:p>
             <a:r>
-              <a:rPr lang="en-US" dirty="0" smtClean="0"/>
+              <a:rPr lang="en-US" dirty="0"/>
               <a:t>Good incentive to write clear code</a:t>
             </a:r>
-            <a:endParaRPr lang="en-US" dirty="0"/>
           </a:p>
         </p:txBody>
       </p:sp>
@@ -7587,34 +6890,14 @@
           <a:lstStyle/>
           <a:p>
             <a:r>
-              <a:rPr lang="en-US" dirty="0" smtClean="0"/>
-              <a:t>You </a:t>
-            </a:r>
-            <a:r>
-              <a:rPr lang="en-US" dirty="0"/>
-              <a:t>should emphasize clarity when writing code, so that reading the code </a:t>
-            </a:r>
-            <a:r>
-              <a:rPr lang="en-US" dirty="0" smtClean="0"/>
-              <a:t>quickly leads </a:t>
-            </a:r>
-            <a:r>
-              <a:rPr lang="en-US" dirty="0"/>
-              <a:t>the reader to your </a:t>
-            </a:r>
-            <a:r>
-              <a:rPr lang="en-US" dirty="0" smtClean="0"/>
-              <a:t>intentions</a:t>
-            </a:r>
-          </a:p>
-          <a:p>
-            <a:r>
-              <a:rPr lang="en-US" dirty="0" smtClean="0"/>
-              <a:t>There </a:t>
-            </a:r>
-            <a:r>
-              <a:rPr lang="en-US" dirty="0"/>
-              <a:t>is an excellent quote (by </a:t>
+              <a:rPr lang="en-US" dirty="0"/>
+              <a:t>You should emphasize clarity when writing code, so that reading the code quickly leads the reader to your intentions</a:t>
+            </a:r>
+          </a:p>
+          <a:p>
+            <a:r>
+              <a:rPr lang="en-US" dirty="0"/>
+              <a:t>There is an excellent quote (by </a:t>
             </a:r>
             <a:r>
               <a:rPr lang="en-US" dirty="0">
@@ -7624,21 +6907,13 @@
             </a:r>
             <a:r>
               <a:rPr lang="en-US" dirty="0"/>
-              <a:t> I think) that summarizes things </a:t>
-            </a:r>
-            <a:r>
-              <a:rPr lang="en-US" dirty="0" smtClean="0"/>
-              <a:t>well:</a:t>
+              <a:t> I think) that summarizes things well:</a:t>
             </a:r>
             <a:br>
-              <a:rPr lang="en-US" dirty="0" smtClean="0"/>
+              <a:rPr lang="en-US" dirty="0"/>
             </a:br>
-            <a:r>
-              <a:rPr lang="en-US" dirty="0" smtClean="0"/>
-              <a:t/>
-            </a:r>
             <a:br>
-              <a:rPr lang="en-US" dirty="0" smtClean="0"/>
+              <a:rPr lang="en-US" dirty="0"/>
             </a:br>
             <a:endParaRPr lang="en-US" dirty="0"/>
           </a:p>
@@ -7729,10 +7004,9 @@
           <a:lstStyle/>
           <a:p>
             <a:r>
-              <a:rPr lang="en-US" dirty="0" smtClean="0"/>
+              <a:rPr lang="en-US" dirty="0"/>
               <a:t>Getting the gist of a program</a:t>
             </a:r>
-            <a:endParaRPr lang="en-US" dirty="0"/>
           </a:p>
         </p:txBody>
       </p:sp>
@@ -7755,82 +7029,32 @@
           <a:p>
             <a:r>
               <a:rPr lang="en-US" dirty="0"/>
-              <a:t>When looking at a textbook for the first time, it makes sense to scan through the table of contents to get an overall view of the </a:t>
-            </a:r>
-            <a:r>
-              <a:rPr lang="en-US" dirty="0" smtClean="0"/>
-              <a:t>content</a:t>
-            </a:r>
-            <a:endParaRPr lang="en-US" dirty="0"/>
-          </a:p>
-          <a:p>
-            <a:r>
-              <a:rPr lang="en-US" dirty="0" smtClean="0"/>
-              <a:t>Same for code: Look </a:t>
-            </a:r>
-            <a:r>
-              <a:rPr lang="en-US" dirty="0"/>
-              <a:t>through all of the files and the names of the functions contained in those </a:t>
-            </a:r>
-            <a:r>
-              <a:rPr lang="en-US" dirty="0" smtClean="0"/>
-              <a:t>files</a:t>
-            </a:r>
-          </a:p>
-          <a:p>
-            <a:r>
-              <a:rPr lang="en-US" dirty="0" smtClean="0"/>
-              <a:t>Figure </a:t>
-            </a:r>
-            <a:r>
-              <a:rPr lang="en-US" dirty="0"/>
-              <a:t>out where the main program </a:t>
-            </a:r>
-            <a:r>
-              <a:rPr lang="en-US" dirty="0" smtClean="0"/>
-              <a:t>is</a:t>
-            </a:r>
-          </a:p>
-          <a:p>
-            <a:r>
-              <a:rPr lang="en-US" dirty="0" smtClean="0"/>
-              <a:t>Depending </a:t>
-            </a:r>
-            <a:r>
-              <a:rPr lang="en-US" dirty="0"/>
-              <a:t>on </a:t>
-            </a:r>
-            <a:r>
-              <a:rPr lang="en-US" dirty="0" smtClean="0"/>
-              <a:t>your purpose in </a:t>
-            </a:r>
-            <a:r>
-              <a:rPr lang="en-US" dirty="0"/>
-              <a:t>reading the program, you might start stepping through the main program or immediately jump to a function of interest.</a:t>
-            </a:r>
-          </a:p>
-          <a:p>
-            <a:r>
-              <a:rPr lang="en-US" dirty="0" smtClean="0"/>
-              <a:t>Look </a:t>
-            </a:r>
-            <a:r>
-              <a:rPr lang="en-US" dirty="0"/>
-              <a:t>at the input-output pairs of the program from sample runs or </a:t>
-            </a:r>
-            <a:r>
-              <a:rPr lang="en-US" dirty="0" smtClean="0"/>
-              <a:t>tests because </a:t>
-            </a:r>
-            <a:r>
-              <a:rPr lang="en-US" dirty="0"/>
-              <a:t>it helps you understand the program's </a:t>
-            </a:r>
-            <a:r>
-              <a:rPr lang="en-US" dirty="0" smtClean="0"/>
-              <a:t>functionality</a:t>
-            </a:r>
-            <a:endParaRPr lang="en-US" dirty="0"/>
+              <a:t>When looking at a textbook for the first time, it makes sense to scan through the table of contents to get an overall view of the content</a:t>
+            </a:r>
+          </a:p>
+          <a:p>
+            <a:r>
+              <a:rPr lang="en-US" dirty="0"/>
+              <a:t>Same for code: Look through all of the files and the names of the functions contained in those files</a:t>
+            </a:r>
+          </a:p>
+          <a:p>
+            <a:r>
+              <a:rPr lang="en-US" dirty="0"/>
+              <a:t>Figure out where the main program is</a:t>
+            </a:r>
+          </a:p>
+          <a:p>
+            <a:r>
+              <a:rPr lang="en-US" dirty="0"/>
+              <a:t>Depending on your purpose in reading the program, you might start stepping through the main program or immediately jump to a function of interest.</a:t>
+            </a:r>
+          </a:p>
+          <a:p>
+            <a:r>
+              <a:rPr lang="en-US" dirty="0"/>
+              <a:t>Look at the input-output pairs of the program from sample runs or tests because it helps you understand the program's functionality</a:t>
+            </a:r>
           </a:p>
         </p:txBody>
       </p:sp>
@@ -7951,10 +7175,9 @@
           <a:lstStyle/>
           <a:p>
             <a:r>
-              <a:rPr lang="en-US" dirty="0" smtClean="0"/>
+              <a:rPr lang="en-US" dirty="0"/>
               <a:t>Look at the function name</a:t>
             </a:r>
-            <a:endParaRPr lang="en-US" dirty="0"/>
           </a:p>
         </p:txBody>
       </p:sp>
@@ -7977,63 +7200,26 @@
           <a:p>
             <a:r>
               <a:rPr lang="en-US" dirty="0"/>
-              <a:t>Once we identify a main program or function to examine, it's time to reverse-engineer the function work </a:t>
-            </a:r>
-            <a:r>
-              <a:rPr lang="en-US" dirty="0" smtClean="0"/>
-              <a:t>plan / algorithm</a:t>
-            </a:r>
-          </a:p>
-          <a:p>
-            <a:r>
-              <a:rPr lang="en-US" dirty="0" smtClean="0"/>
-              <a:t>The </a:t>
-            </a:r>
-            <a:r>
-              <a:rPr lang="en-US" dirty="0"/>
-              <a:t>function's name is perhaps the biggest </a:t>
-            </a:r>
-            <a:r>
-              <a:rPr lang="en-US" dirty="0" smtClean="0"/>
-              <a:t>clue as </a:t>
-            </a:r>
-            <a:r>
-              <a:rPr lang="en-US" dirty="0"/>
-              <a:t>to what the function does, assuming the code author was a decent </a:t>
-            </a:r>
-            <a:r>
-              <a:rPr lang="en-US" dirty="0" smtClean="0"/>
-              <a:t>programmer; </a:t>
-            </a:r>
-            <a:r>
-              <a:rPr lang="en-US" dirty="0"/>
-              <a:t>e.g., there is no doubt what the following function's goal is</a:t>
-            </a:r>
-            <a:r>
-              <a:rPr lang="en-US" dirty="0" smtClean="0"/>
-              <a:t>:</a:t>
+              <a:t>Once we identify a main program or function to examine, it's time to reverse-engineer the function work plan / algorithm</a:t>
+            </a:r>
+          </a:p>
+          <a:p>
+            <a:r>
+              <a:rPr lang="en-US" dirty="0"/>
+              <a:t>The function's name is perhaps the biggest clue as to what the function does, assuming the code author was a decent programmer; e.g., there is no doubt what the following function's goal is:</a:t>
             </a:r>
           </a:p>
           <a:p>
             <a:endParaRPr lang="en-US" dirty="0"/>
           </a:p>
           <a:p>
-            <a:endParaRPr lang="en-US" dirty="0" smtClean="0"/>
-          </a:p>
-          <a:p>
-            <a:r>
-              <a:rPr lang="en-US" dirty="0" smtClean="0"/>
-              <a:t>(Using </a:t>
-            </a:r>
-            <a:r>
-              <a:rPr lang="en-US" dirty="0"/>
-              <a:t>a generic function name like f is how faculty write code-reading questions without giving away the answer</a:t>
-            </a:r>
-            <a:r>
-              <a:rPr lang="en-US" dirty="0" smtClean="0"/>
-              <a:t>.)</a:t>
-            </a:r>
             <a:endParaRPr lang="en-US" dirty="0"/>
+          </a:p>
+          <a:p>
+            <a:r>
+              <a:rPr lang="en-US" dirty="0"/>
+              <a:t>(Using a generic function name like f is how faculty write code-reading questions without giving away the answer.)</a:t>
+            </a:r>
           </a:p>
         </p:txBody>
       </p:sp>
@@ -8042,7 +7228,7 @@
           <p:cNvPr id="4" name="TextBox 3">
             <a:extLst>
               <a:ext uri="{FF2B5EF4-FFF2-40B4-BE49-F238E27FC236}">
-                <a16:creationId xmlns="" xmlns:a16="http://schemas.microsoft.com/office/drawing/2014/main" id="{7EA51DEE-4B36-8844-9444-48364D4297AC}"/>
+                <a16:creationId xmlns:a16="http://schemas.microsoft.com/office/drawing/2014/main" id="{7EA51DEE-4B36-8844-9444-48364D4297AC}"/>
               </a:ext>
             </a:extLst>
           </p:cNvPr>
@@ -8095,14 +7281,14 @@
               <a:t>average</a:t>
             </a:r>
             <a:r>
-              <a:rPr lang="mr-IN" sz="2400" dirty="0" smtClean="0">
+              <a:rPr lang="mr-IN" sz="2400" dirty="0">
                 <a:latin typeface="Monaco" charset="0"/>
                 <a:ea typeface="Monaco" charset="0"/>
                 <a:cs typeface="Monaco" charset="0"/>
               </a:rPr>
               <a:t>(...):</a:t>
             </a:r>
-            <a:endParaRPr lang="en-US" sz="2400" dirty="0" smtClean="0">
+            <a:endParaRPr lang="en-US" sz="2400" dirty="0">
               <a:latin typeface="Monaco" charset="0"/>
               <a:ea typeface="Monaco" charset="0"/>
               <a:cs typeface="Monaco" charset="0"/>
@@ -8110,20 +7296,12 @@
           </a:p>
           <a:p>
             <a:r>
-              <a:rPr lang="mr-IN" sz="2400" dirty="0" smtClean="0">
-                <a:latin typeface="Monaco" charset="0"/>
-                <a:ea typeface="Monaco" charset="0"/>
-                <a:cs typeface="Monaco" charset="0"/>
-              </a:rPr>
-              <a:t>    </a:t>
-            </a:r>
-            <a:r>
               <a:rPr lang="mr-IN" sz="2400" dirty="0">
                 <a:latin typeface="Monaco" charset="0"/>
                 <a:ea typeface="Monaco" charset="0"/>
                 <a:cs typeface="Monaco" charset="0"/>
               </a:rPr>
-              <a:t>...</a:t>
+              <a:t>    ...</a:t>
             </a:r>
             <a:endParaRPr lang="en-US" sz="2400" dirty="0">
               <a:latin typeface="Monaco" charset="0"/>
@@ -8179,10 +7357,9 @@
           <a:lstStyle/>
           <a:p>
             <a:r>
-              <a:rPr lang="en-US" dirty="0" smtClean="0"/>
+              <a:rPr lang="en-US" dirty="0"/>
               <a:t>Function comments</a:t>
             </a:r>
-            <a:endParaRPr lang="en-US" dirty="0"/>
           </a:p>
         </p:txBody>
       </p:sp>
@@ -8202,33 +7379,15 @@
           <a:lstStyle/>
           <a:p>
             <a:r>
-              <a:rPr lang="en-US" dirty="0" smtClean="0"/>
-              <a:t>Sometimes programmers </a:t>
-            </a:r>
-            <a:r>
-              <a:rPr lang="en-US" dirty="0"/>
-              <a:t>will provide comments about the usage of a function, but be </a:t>
-            </a:r>
-            <a:r>
-              <a:rPr lang="en-US" dirty="0" smtClean="0"/>
-              <a:t>careful!</a:t>
-            </a:r>
-            <a:endParaRPr lang="en-US" dirty="0" smtClean="0"/>
-          </a:p>
-          <a:p>
-            <a:r>
-              <a:rPr lang="en-US" dirty="0" smtClean="0"/>
-              <a:t>Programmers often </a:t>
-            </a:r>
-            <a:r>
-              <a:rPr lang="en-US" dirty="0"/>
-              <a:t>change the code without changing the comments and so the comments will be </a:t>
-            </a:r>
-            <a:r>
-              <a:rPr lang="en-US" dirty="0" smtClean="0"/>
-              <a:t>misleading</a:t>
-            </a:r>
-            <a:endParaRPr lang="en-US" dirty="0"/>
+              <a:rPr lang="en-US" dirty="0"/>
+              <a:t>Sometimes programmers will provide comments about the usage of a function, but be careful!</a:t>
+            </a:r>
+          </a:p>
+          <a:p>
+            <a:r>
+              <a:rPr lang="en-US" dirty="0"/>
+              <a:t>Programmers often change the code without changing the comments and so the comments will be misleading</a:t>
+            </a:r>
           </a:p>
         </p:txBody>
       </p:sp>

--- a/notes/reading-code.pptx
+++ b/notes/reading-code.pptx
@@ -4083,7 +4083,7 @@
           <a:p>
             <a:r>
               <a:rPr lang="en-US" dirty="0"/>
-              <a:t>The next step is to identify the parameters and return value</a:t>
+              <a:t>The next step is to identify the parameters and return value(s)</a:t>
             </a:r>
           </a:p>
           <a:p>
@@ -4654,6 +4654,110 @@
           </a:p>
         </p:txBody>
       </p:sp>
+      <p:sp>
+        <p:nvSpPr>
+          <p:cNvPr id="5" name="Rectangle 4">
+            <a:extLst>
+              <a:ext uri="{FF2B5EF4-FFF2-40B4-BE49-F238E27FC236}">
+                <a16:creationId xmlns:a16="http://schemas.microsoft.com/office/drawing/2014/main" id="{EDE644A4-368E-8148-B858-A942C63CE00D}"/>
+              </a:ext>
+            </a:extLst>
+          </p:cNvPr>
+          <p:cNvSpPr/>
+          <p:nvPr/>
+        </p:nvSpPr>
+        <p:spPr>
+          <a:xfrm>
+            <a:off x="4482548" y="2902226"/>
+            <a:ext cx="755374" cy="357809"/>
+          </a:xfrm>
+          <a:prstGeom prst="rect">
+            <a:avLst/>
+          </a:prstGeom>
+          <a:noFill/>
+          <a:ln>
+            <a:solidFill>
+              <a:srgbClr val="C00000"/>
+            </a:solidFill>
+          </a:ln>
+        </p:spPr>
+        <p:style>
+          <a:lnRef idx="2">
+            <a:schemeClr val="accent1">
+              <a:shade val="50000"/>
+            </a:schemeClr>
+          </a:lnRef>
+          <a:fillRef idx="1">
+            <a:schemeClr val="accent1"/>
+          </a:fillRef>
+          <a:effectRef idx="0">
+            <a:schemeClr val="accent1"/>
+          </a:effectRef>
+          <a:fontRef idx="minor">
+            <a:schemeClr val="lt1"/>
+          </a:fontRef>
+        </p:style>
+        <p:txBody>
+          <a:bodyPr rtlCol="0" anchor="ctr"/>
+          <a:lstStyle/>
+          <a:p>
+            <a:pPr algn="ctr"/>
+            <a:endParaRPr lang="en-US"/>
+          </a:p>
+        </p:txBody>
+      </p:sp>
+      <p:sp>
+        <p:nvSpPr>
+          <p:cNvPr id="6" name="Rectangle 5">
+            <a:extLst>
+              <a:ext uri="{FF2B5EF4-FFF2-40B4-BE49-F238E27FC236}">
+                <a16:creationId xmlns:a16="http://schemas.microsoft.com/office/drawing/2014/main" id="{987DB45A-BFE8-1B4D-8492-C478895B6424}"/>
+              </a:ext>
+            </a:extLst>
+          </p:cNvPr>
+          <p:cNvSpPr/>
+          <p:nvPr/>
+        </p:nvSpPr>
+        <p:spPr>
+          <a:xfrm>
+            <a:off x="5315223" y="3297653"/>
+            <a:ext cx="367948" cy="357809"/>
+          </a:xfrm>
+          <a:prstGeom prst="rect">
+            <a:avLst/>
+          </a:prstGeom>
+          <a:noFill/>
+          <a:ln>
+            <a:solidFill>
+              <a:srgbClr val="C00000"/>
+            </a:solidFill>
+          </a:ln>
+        </p:spPr>
+        <p:style>
+          <a:lnRef idx="2">
+            <a:schemeClr val="accent1">
+              <a:shade val="50000"/>
+            </a:schemeClr>
+          </a:lnRef>
+          <a:fillRef idx="1">
+            <a:schemeClr val="accent1"/>
+          </a:fillRef>
+          <a:effectRef idx="0">
+            <a:schemeClr val="accent1"/>
+          </a:effectRef>
+          <a:fontRef idx="minor">
+            <a:schemeClr val="lt1"/>
+          </a:fontRef>
+        </p:style>
+        <p:txBody>
+          <a:bodyPr rtlCol="0" anchor="ctr"/>
+          <a:lstStyle/>
+          <a:p>
+            <a:pPr algn="ctr"/>
+            <a:endParaRPr lang="en-US"/>
+          </a:p>
+        </p:txBody>
+      </p:sp>
     </p:spTree>
     <p:extLst>
       <p:ext uri="{BB962C8B-B14F-4D97-AF65-F5344CB8AC3E}">
@@ -4723,7 +4827,7 @@
           <a:p>
             <a:r>
               <a:rPr lang="en-US" dirty="0"/>
-              <a:t>I have deliberately used crappy variable names so you have to focus at the functionality</a:t>
+              <a:t>I have deliberately used crappy variable names so you have to focus on the functionality:</a:t>
             </a:r>
             <a:br>
               <a:rPr lang="en-US" dirty="0"/>
@@ -4897,6 +5001,162 @@
               <a:ea typeface="Monaco" charset="0"/>
               <a:cs typeface="Monaco" charset="0"/>
             </a:endParaRPr>
+          </a:p>
+        </p:txBody>
+      </p:sp>
+      <p:sp>
+        <p:nvSpPr>
+          <p:cNvPr id="6" name="Rectangle 5">
+            <a:extLst>
+              <a:ext uri="{FF2B5EF4-FFF2-40B4-BE49-F238E27FC236}">
+                <a16:creationId xmlns:a16="http://schemas.microsoft.com/office/drawing/2014/main" id="{A66FF076-F764-6A49-BF39-9F974DEA9064}"/>
+              </a:ext>
+            </a:extLst>
+          </p:cNvPr>
+          <p:cNvSpPr/>
+          <p:nvPr/>
+        </p:nvSpPr>
+        <p:spPr>
+          <a:xfrm>
+            <a:off x="2838942" y="2990229"/>
+            <a:ext cx="1501564" cy="357809"/>
+          </a:xfrm>
+          <a:prstGeom prst="rect">
+            <a:avLst/>
+          </a:prstGeom>
+          <a:noFill/>
+          <a:ln>
+            <a:solidFill>
+              <a:srgbClr val="C00000"/>
+            </a:solidFill>
+          </a:ln>
+        </p:spPr>
+        <p:style>
+          <a:lnRef idx="2">
+            <a:schemeClr val="accent1">
+              <a:shade val="50000"/>
+            </a:schemeClr>
+          </a:lnRef>
+          <a:fillRef idx="1">
+            <a:schemeClr val="accent1"/>
+          </a:fillRef>
+          <a:effectRef idx="0">
+            <a:schemeClr val="accent1"/>
+          </a:effectRef>
+          <a:fontRef idx="minor">
+            <a:schemeClr val="lt1"/>
+          </a:fontRef>
+        </p:style>
+        <p:txBody>
+          <a:bodyPr rtlCol="0" anchor="ctr"/>
+          <a:lstStyle/>
+          <a:p>
+            <a:pPr algn="ctr"/>
+            <a:endParaRPr lang="en-US"/>
+          </a:p>
+        </p:txBody>
+      </p:sp>
+      <p:sp>
+        <p:nvSpPr>
+          <p:cNvPr id="7" name="Rectangle 6">
+            <a:extLst>
+              <a:ext uri="{FF2B5EF4-FFF2-40B4-BE49-F238E27FC236}">
+                <a16:creationId xmlns:a16="http://schemas.microsoft.com/office/drawing/2014/main" id="{9D3E5ED4-7780-1E4C-B9F4-51DF433A3D0B}"/>
+              </a:ext>
+            </a:extLst>
+          </p:cNvPr>
+          <p:cNvSpPr/>
+          <p:nvPr/>
+        </p:nvSpPr>
+        <p:spPr>
+          <a:xfrm>
+            <a:off x="4262629" y="3751724"/>
+            <a:ext cx="1142747" cy="357809"/>
+          </a:xfrm>
+          <a:prstGeom prst="rect">
+            <a:avLst/>
+          </a:prstGeom>
+          <a:noFill/>
+          <a:ln>
+            <a:solidFill>
+              <a:srgbClr val="C00000"/>
+            </a:solidFill>
+          </a:ln>
+        </p:spPr>
+        <p:style>
+          <a:lnRef idx="2">
+            <a:schemeClr val="accent1">
+              <a:shade val="50000"/>
+            </a:schemeClr>
+          </a:lnRef>
+          <a:fillRef idx="1">
+            <a:schemeClr val="accent1"/>
+          </a:fillRef>
+          <a:effectRef idx="0">
+            <a:schemeClr val="accent1"/>
+          </a:effectRef>
+          <a:fontRef idx="minor">
+            <a:schemeClr val="lt1"/>
+          </a:fontRef>
+        </p:style>
+        <p:txBody>
+          <a:bodyPr rtlCol="0" anchor="ctr"/>
+          <a:lstStyle/>
+          <a:p>
+            <a:pPr algn="ctr"/>
+            <a:endParaRPr lang="en-US"/>
+          </a:p>
+        </p:txBody>
+      </p:sp>
+      <p:sp>
+        <p:nvSpPr>
+          <p:cNvPr id="8" name="Rectangle 7">
+            <a:extLst>
+              <a:ext uri="{FF2B5EF4-FFF2-40B4-BE49-F238E27FC236}">
+                <a16:creationId xmlns:a16="http://schemas.microsoft.com/office/drawing/2014/main" id="{5367D066-1B6B-7840-AA19-E7BE1A5FB381}"/>
+              </a:ext>
+            </a:extLst>
+          </p:cNvPr>
+          <p:cNvSpPr/>
+          <p:nvPr/>
+        </p:nvSpPr>
+        <p:spPr>
+          <a:xfrm>
+            <a:off x="5547418" y="3751723"/>
+            <a:ext cx="1489989" cy="357809"/>
+          </a:xfrm>
+          <a:prstGeom prst="rect">
+            <a:avLst/>
+          </a:prstGeom>
+          <a:noFill/>
+          <a:ln>
+            <a:solidFill>
+              <a:srgbClr val="C00000"/>
+            </a:solidFill>
+          </a:ln>
+        </p:spPr>
+        <p:style>
+          <a:lnRef idx="2">
+            <a:schemeClr val="accent1">
+              <a:shade val="50000"/>
+            </a:schemeClr>
+          </a:lnRef>
+          <a:fillRef idx="1">
+            <a:schemeClr val="accent1"/>
+          </a:fillRef>
+          <a:effectRef idx="0">
+            <a:schemeClr val="accent1"/>
+          </a:effectRef>
+          <a:fontRef idx="minor">
+            <a:schemeClr val="lt1"/>
+          </a:fontRef>
+        </p:style>
+        <p:txBody>
+          <a:bodyPr rtlCol="0" anchor="ctr"/>
+          <a:lstStyle/>
+          <a:p>
+            <a:pPr algn="ctr"/>
+            <a:endParaRPr lang="en-US"/>
           </a:p>
         </p:txBody>
       </p:sp>
@@ -6553,11 +6813,451 @@
           <a:p>
             <a:r>
               <a:rPr lang="en-US" dirty="0"/>
-              <a:t>It’s how we not only express our thoughts to the computer but to other developers</a:t>
+              <a:t>It’s how we express our thoughts to the computer and also to other developers</a:t>
+            </a:r>
+          </a:p>
+          <a:p>
+            <a:r>
+              <a:rPr lang="en-US" dirty="0"/>
+              <a:t>It's how we learn from others and improve our skills; example:</a:t>
             </a:r>
           </a:p>
           <a:p>
             <a:endParaRPr lang="en-US" dirty="0"/>
+          </a:p>
+        </p:txBody>
+      </p:sp>
+      <p:sp>
+        <p:nvSpPr>
+          <p:cNvPr id="5" name="TextBox 4">
+            <a:extLst>
+              <a:ext uri="{FF2B5EF4-FFF2-40B4-BE49-F238E27FC236}">
+                <a16:creationId xmlns:a16="http://schemas.microsoft.com/office/drawing/2014/main" id="{9BBCB24D-CEBE-F04F-8D5B-61FE75BE8A68}"/>
+              </a:ext>
+            </a:extLst>
+          </p:cNvPr>
+          <p:cNvSpPr txBox="1"/>
+          <p:nvPr/>
+        </p:nvSpPr>
+        <p:spPr>
+          <a:xfrm>
+            <a:off x="1186069" y="4055887"/>
+            <a:ext cx="10283688" cy="769441"/>
+          </a:xfrm>
+          <a:prstGeom prst="rect">
+            <a:avLst/>
+          </a:prstGeom>
+          <a:noFill/>
+          <a:ln>
+            <a:solidFill>
+              <a:schemeClr val="accent1"/>
+            </a:solidFill>
+          </a:ln>
+        </p:spPr>
+        <p:txBody>
+          <a:bodyPr wrap="square" rtlCol="0">
+            <a:spAutoFit/>
+          </a:bodyPr>
+          <a:lstStyle/>
+          <a:p>
+            <a:r>
+              <a:rPr lang="ro-RO" sz="2200" dirty="0" err="1">
+                <a:latin typeface="Consolas" panose="020B0609020204030204" pitchFamily="49" charset="0"/>
+                <a:ea typeface="Monaco" charset="0"/>
+                <a:cs typeface="Consolas" panose="020B0609020204030204" pitchFamily="49" charset="0"/>
+              </a:rPr>
+              <a:t>df</a:t>
+            </a:r>
+            <a:r>
+              <a:rPr lang="ro-RO" sz="2200" dirty="0">
+                <a:latin typeface="Consolas" panose="020B0609020204030204" pitchFamily="49" charset="0"/>
+                <a:ea typeface="Monaco" charset="0"/>
+                <a:cs typeface="Consolas" panose="020B0609020204030204" pitchFamily="49" charset="0"/>
+              </a:rPr>
+              <a:t>['A'] = False</a:t>
+            </a:r>
+            <a:br>
+              <a:rPr lang="ro-RO" sz="2200" dirty="0">
+                <a:latin typeface="Consolas" panose="020B0609020204030204" pitchFamily="49" charset="0"/>
+                <a:ea typeface="Monaco" charset="0"/>
+                <a:cs typeface="Consolas" panose="020B0609020204030204" pitchFamily="49" charset="0"/>
+              </a:rPr>
+            </a:br>
+            <a:r>
+              <a:rPr lang="ro-RO" sz="2200" dirty="0" err="1">
+                <a:latin typeface="Consolas" panose="020B0609020204030204" pitchFamily="49" charset="0"/>
+                <a:ea typeface="Monaco" charset="0"/>
+                <a:cs typeface="Consolas" panose="020B0609020204030204" pitchFamily="49" charset="0"/>
+              </a:rPr>
+              <a:t>df.loc</a:t>
+            </a:r>
+            <a:r>
+              <a:rPr lang="ro-RO" sz="2200" dirty="0">
+                <a:latin typeface="Consolas" panose="020B0609020204030204" pitchFamily="49" charset="0"/>
+                <a:ea typeface="Monaco" charset="0"/>
+                <a:cs typeface="Consolas" panose="020B0609020204030204" pitchFamily="49" charset="0"/>
+              </a:rPr>
+              <a:t>[(</a:t>
+            </a:r>
+            <a:r>
+              <a:rPr lang="ro-RO" sz="2200" dirty="0" err="1">
+                <a:latin typeface="Consolas" panose="020B0609020204030204" pitchFamily="49" charset="0"/>
+                <a:ea typeface="Monaco" charset="0"/>
+                <a:cs typeface="Consolas" panose="020B0609020204030204" pitchFamily="49" charset="0"/>
+              </a:rPr>
+              <a:t>df</a:t>
+            </a:r>
+            <a:r>
+              <a:rPr lang="ro-RO" sz="2200" dirty="0">
+                <a:latin typeface="Consolas" panose="020B0609020204030204" pitchFamily="49" charset="0"/>
+                <a:ea typeface="Monaco" charset="0"/>
+                <a:cs typeface="Consolas" panose="020B0609020204030204" pitchFamily="49" charset="0"/>
+              </a:rPr>
+              <a:t>['</a:t>
+            </a:r>
+            <a:r>
+              <a:rPr lang="ro-RO" sz="2200" dirty="0" err="1">
+                <a:latin typeface="Consolas" panose="020B0609020204030204" pitchFamily="49" charset="0"/>
+                <a:ea typeface="Monaco" charset="0"/>
+                <a:cs typeface="Consolas" panose="020B0609020204030204" pitchFamily="49" charset="0"/>
+              </a:rPr>
+              <a:t>type</a:t>
+            </a:r>
+            <a:r>
+              <a:rPr lang="ro-RO" sz="2200" dirty="0">
+                <a:latin typeface="Consolas" panose="020B0609020204030204" pitchFamily="49" charset="0"/>
+                <a:ea typeface="Monaco" charset="0"/>
+                <a:cs typeface="Consolas" panose="020B0609020204030204" pitchFamily="49" charset="0"/>
+              </a:rPr>
+              <a:t>']=='</a:t>
+            </a:r>
+            <a:r>
+              <a:rPr lang="ro-RO" sz="2200" dirty="0" err="1">
+                <a:latin typeface="Consolas" panose="020B0609020204030204" pitchFamily="49" charset="0"/>
+                <a:ea typeface="Monaco" charset="0"/>
+                <a:cs typeface="Consolas" panose="020B0609020204030204" pitchFamily="49" charset="0"/>
+              </a:rPr>
+              <a:t>foo</a:t>
+            </a:r>
+            <a:r>
+              <a:rPr lang="ro-RO" sz="2200" dirty="0">
+                <a:latin typeface="Consolas" panose="020B0609020204030204" pitchFamily="49" charset="0"/>
+                <a:ea typeface="Monaco" charset="0"/>
+                <a:cs typeface="Consolas" panose="020B0609020204030204" pitchFamily="49" charset="0"/>
+              </a:rPr>
+              <a:t>')&amp;(</a:t>
+            </a:r>
+            <a:r>
+              <a:rPr lang="ro-RO" sz="2200" dirty="0" err="1">
+                <a:latin typeface="Consolas" panose="020B0609020204030204" pitchFamily="49" charset="0"/>
+                <a:ea typeface="Monaco" charset="0"/>
+                <a:cs typeface="Consolas" panose="020B0609020204030204" pitchFamily="49" charset="0"/>
+              </a:rPr>
+              <a:t>df</a:t>
+            </a:r>
+            <a:r>
+              <a:rPr lang="ro-RO" sz="2200" dirty="0">
+                <a:latin typeface="Consolas" panose="020B0609020204030204" pitchFamily="49" charset="0"/>
+                <a:ea typeface="Monaco" charset="0"/>
+                <a:cs typeface="Consolas" panose="020B0609020204030204" pitchFamily="49" charset="0"/>
+              </a:rPr>
+              <a:t>['</a:t>
+            </a:r>
+            <a:r>
+              <a:rPr lang="ro-RO" sz="2200" dirty="0" err="1">
+                <a:latin typeface="Consolas" panose="020B0609020204030204" pitchFamily="49" charset="0"/>
+                <a:ea typeface="Monaco" charset="0"/>
+                <a:cs typeface="Consolas" panose="020B0609020204030204" pitchFamily="49" charset="0"/>
+              </a:rPr>
+              <a:t>alt_aa</a:t>
+            </a:r>
+            <a:r>
+              <a:rPr lang="ro-RO" sz="2200" dirty="0">
+                <a:latin typeface="Consolas" panose="020B0609020204030204" pitchFamily="49" charset="0"/>
+                <a:ea typeface="Monaco" charset="0"/>
+                <a:cs typeface="Consolas" panose="020B0609020204030204" pitchFamily="49" charset="0"/>
+              </a:rPr>
+              <a:t>']==</a:t>
+            </a:r>
+            <a:r>
+              <a:rPr lang="ro-RO" sz="2200" dirty="0" err="1">
+                <a:latin typeface="Consolas" panose="020B0609020204030204" pitchFamily="49" charset="0"/>
+                <a:ea typeface="Monaco" charset="0"/>
+                <a:cs typeface="Consolas" panose="020B0609020204030204" pitchFamily="49" charset="0"/>
+              </a:rPr>
+              <a:t>df</a:t>
+            </a:r>
+            <a:r>
+              <a:rPr lang="ro-RO" sz="2200" dirty="0">
+                <a:latin typeface="Consolas" panose="020B0609020204030204" pitchFamily="49" charset="0"/>
+                <a:ea typeface="Monaco" charset="0"/>
+                <a:cs typeface="Consolas" panose="020B0609020204030204" pitchFamily="49" charset="0"/>
+              </a:rPr>
+              <a:t>['</a:t>
+            </a:r>
+            <a:r>
+              <a:rPr lang="ro-RO" sz="2200" dirty="0" err="1">
+                <a:latin typeface="Consolas" panose="020B0609020204030204" pitchFamily="49" charset="0"/>
+                <a:ea typeface="Monaco" charset="0"/>
+                <a:cs typeface="Consolas" panose="020B0609020204030204" pitchFamily="49" charset="0"/>
+              </a:rPr>
+              <a:t>ref_aa</a:t>
+            </a:r>
+            <a:r>
+              <a:rPr lang="ro-RO" sz="2200" dirty="0">
+                <a:latin typeface="Consolas" panose="020B0609020204030204" pitchFamily="49" charset="0"/>
+                <a:ea typeface="Monaco" charset="0"/>
+                <a:cs typeface="Consolas" panose="020B0609020204030204" pitchFamily="49" charset="0"/>
+              </a:rPr>
+              <a:t>']),'A']=</a:t>
+            </a:r>
+            <a:r>
+              <a:rPr lang="ro-RO" sz="2200" dirty="0" err="1">
+                <a:latin typeface="Consolas" panose="020B0609020204030204" pitchFamily="49" charset="0"/>
+                <a:ea typeface="Monaco" charset="0"/>
+                <a:cs typeface="Consolas" panose="020B0609020204030204" pitchFamily="49" charset="0"/>
+              </a:rPr>
+              <a:t>True</a:t>
+            </a:r>
+            <a:endParaRPr lang="ro-RO" sz="2200" dirty="0">
+              <a:latin typeface="Consolas" panose="020B0609020204030204" pitchFamily="49" charset="0"/>
+              <a:ea typeface="Monaco" charset="0"/>
+              <a:cs typeface="Consolas" panose="020B0609020204030204" pitchFamily="49" charset="0"/>
+            </a:endParaRPr>
+          </a:p>
+        </p:txBody>
+      </p:sp>
+      <p:sp>
+        <p:nvSpPr>
+          <p:cNvPr id="6" name="TextBox 5">
+            <a:extLst>
+              <a:ext uri="{FF2B5EF4-FFF2-40B4-BE49-F238E27FC236}">
+                <a16:creationId xmlns:a16="http://schemas.microsoft.com/office/drawing/2014/main" id="{26553C10-9391-D54E-ACB3-50E387C90F06}"/>
+              </a:ext>
+            </a:extLst>
+          </p:cNvPr>
+          <p:cNvSpPr txBox="1"/>
+          <p:nvPr/>
+        </p:nvSpPr>
+        <p:spPr>
+          <a:xfrm>
+            <a:off x="1186068" y="5610534"/>
+            <a:ext cx="10283687" cy="430887"/>
+          </a:xfrm>
+          <a:prstGeom prst="rect">
+            <a:avLst/>
+          </a:prstGeom>
+          <a:noFill/>
+          <a:ln>
+            <a:solidFill>
+              <a:schemeClr val="accent1"/>
+            </a:solidFill>
+          </a:ln>
+        </p:spPr>
+        <p:txBody>
+          <a:bodyPr wrap="square" rtlCol="0">
+            <a:spAutoFit/>
+          </a:bodyPr>
+          <a:lstStyle/>
+          <a:p>
+            <a:r>
+              <a:rPr lang="ro-RO" sz="2200" dirty="0" err="1">
+                <a:latin typeface="Consolas" panose="020B0609020204030204" pitchFamily="49" charset="0"/>
+                <a:ea typeface="Monaco" charset="0"/>
+                <a:cs typeface="Consolas" panose="020B0609020204030204" pitchFamily="49" charset="0"/>
+              </a:rPr>
+              <a:t>df</a:t>
+            </a:r>
+            <a:r>
+              <a:rPr lang="ro-RO" sz="2200" dirty="0">
+                <a:latin typeface="Consolas" panose="020B0609020204030204" pitchFamily="49" charset="0"/>
+                <a:ea typeface="Monaco" charset="0"/>
+                <a:cs typeface="Consolas" panose="020B0609020204030204" pitchFamily="49" charset="0"/>
+              </a:rPr>
+              <a:t>[‘A’] = (</a:t>
+            </a:r>
+            <a:r>
+              <a:rPr lang="ro-RO" sz="2200" dirty="0" err="1">
+                <a:latin typeface="Consolas" panose="020B0609020204030204" pitchFamily="49" charset="0"/>
+                <a:ea typeface="Monaco" charset="0"/>
+                <a:cs typeface="Consolas" panose="020B0609020204030204" pitchFamily="49" charset="0"/>
+              </a:rPr>
+              <a:t>df</a:t>
+            </a:r>
+            <a:r>
+              <a:rPr lang="ro-RO" sz="2200" dirty="0">
+                <a:latin typeface="Consolas" panose="020B0609020204030204" pitchFamily="49" charset="0"/>
+                <a:ea typeface="Monaco" charset="0"/>
+                <a:cs typeface="Consolas" panose="020B0609020204030204" pitchFamily="49" charset="0"/>
+              </a:rPr>
+              <a:t>[‘</a:t>
+            </a:r>
+            <a:r>
+              <a:rPr lang="ro-RO" sz="2200" dirty="0" err="1">
+                <a:latin typeface="Consolas" panose="020B0609020204030204" pitchFamily="49" charset="0"/>
+                <a:ea typeface="Monaco" charset="0"/>
+                <a:cs typeface="Consolas" panose="020B0609020204030204" pitchFamily="49" charset="0"/>
+              </a:rPr>
+              <a:t>type</a:t>
+            </a:r>
+            <a:r>
+              <a:rPr lang="ro-RO" sz="2200" dirty="0">
+                <a:latin typeface="Consolas" panose="020B0609020204030204" pitchFamily="49" charset="0"/>
+                <a:ea typeface="Monaco" charset="0"/>
+                <a:cs typeface="Consolas" panose="020B0609020204030204" pitchFamily="49" charset="0"/>
+              </a:rPr>
+              <a:t>’]==‘</a:t>
+            </a:r>
+            <a:r>
+              <a:rPr lang="ro-RO" sz="2200" dirty="0" err="1">
+                <a:latin typeface="Consolas" panose="020B0609020204030204" pitchFamily="49" charset="0"/>
+                <a:ea typeface="Monaco" charset="0"/>
+                <a:cs typeface="Consolas" panose="020B0609020204030204" pitchFamily="49" charset="0"/>
+              </a:rPr>
+              <a:t>foo</a:t>
+            </a:r>
+            <a:r>
+              <a:rPr lang="ro-RO" sz="2200" dirty="0">
+                <a:latin typeface="Consolas" panose="020B0609020204030204" pitchFamily="49" charset="0"/>
+                <a:ea typeface="Monaco" charset="0"/>
+                <a:cs typeface="Consolas" panose="020B0609020204030204" pitchFamily="49" charset="0"/>
+              </a:rPr>
+              <a:t>’)&amp;(</a:t>
+            </a:r>
+            <a:r>
+              <a:rPr lang="ro-RO" sz="2200" dirty="0" err="1">
+                <a:latin typeface="Consolas" panose="020B0609020204030204" pitchFamily="49" charset="0"/>
+                <a:ea typeface="Monaco" charset="0"/>
+                <a:cs typeface="Consolas" panose="020B0609020204030204" pitchFamily="49" charset="0"/>
+              </a:rPr>
+              <a:t>df</a:t>
+            </a:r>
+            <a:r>
+              <a:rPr lang="ro-RO" sz="2200" dirty="0">
+                <a:latin typeface="Consolas" panose="020B0609020204030204" pitchFamily="49" charset="0"/>
+                <a:ea typeface="Monaco" charset="0"/>
+                <a:cs typeface="Consolas" panose="020B0609020204030204" pitchFamily="49" charset="0"/>
+              </a:rPr>
+              <a:t>[‘</a:t>
+            </a:r>
+            <a:r>
+              <a:rPr lang="ro-RO" sz="2200" dirty="0" err="1">
+                <a:latin typeface="Consolas" panose="020B0609020204030204" pitchFamily="49" charset="0"/>
+                <a:ea typeface="Monaco" charset="0"/>
+                <a:cs typeface="Consolas" panose="020B0609020204030204" pitchFamily="49" charset="0"/>
+              </a:rPr>
+              <a:t>ref_aa</a:t>
+            </a:r>
+            <a:r>
+              <a:rPr lang="ro-RO" sz="2200" dirty="0">
+                <a:latin typeface="Consolas" panose="020B0609020204030204" pitchFamily="49" charset="0"/>
+                <a:ea typeface="Monaco" charset="0"/>
+                <a:cs typeface="Consolas" panose="020B0609020204030204" pitchFamily="49" charset="0"/>
+              </a:rPr>
+              <a:t>’]==</a:t>
+            </a:r>
+            <a:r>
+              <a:rPr lang="ro-RO" sz="2200" dirty="0" err="1">
+                <a:latin typeface="Consolas" panose="020B0609020204030204" pitchFamily="49" charset="0"/>
+                <a:ea typeface="Monaco" charset="0"/>
+                <a:cs typeface="Consolas" panose="020B0609020204030204" pitchFamily="49" charset="0"/>
+              </a:rPr>
+              <a:t>df</a:t>
+            </a:r>
+            <a:r>
+              <a:rPr lang="ro-RO" sz="2200" dirty="0">
+                <a:latin typeface="Consolas" panose="020B0609020204030204" pitchFamily="49" charset="0"/>
+                <a:ea typeface="Monaco" charset="0"/>
+                <a:cs typeface="Consolas" panose="020B0609020204030204" pitchFamily="49" charset="0"/>
+              </a:rPr>
+              <a:t>[‘</a:t>
+            </a:r>
+            <a:r>
+              <a:rPr lang="ro-RO" sz="2200" dirty="0" err="1">
+                <a:latin typeface="Consolas" panose="020B0609020204030204" pitchFamily="49" charset="0"/>
+                <a:ea typeface="Monaco" charset="0"/>
+                <a:cs typeface="Consolas" panose="020B0609020204030204" pitchFamily="49" charset="0"/>
+              </a:rPr>
+              <a:t>alt_aa</a:t>
+            </a:r>
+            <a:r>
+              <a:rPr lang="ro-RO" sz="2200" dirty="0">
+                <a:latin typeface="Consolas" panose="020B0609020204030204" pitchFamily="49" charset="0"/>
+                <a:ea typeface="Monaco" charset="0"/>
+                <a:cs typeface="Consolas" panose="020B0609020204030204" pitchFamily="49" charset="0"/>
+              </a:rPr>
+              <a:t>’])</a:t>
+            </a:r>
+          </a:p>
+        </p:txBody>
+      </p:sp>
+      <p:sp>
+        <p:nvSpPr>
+          <p:cNvPr id="9" name="TextBox 8">
+            <a:extLst>
+              <a:ext uri="{FF2B5EF4-FFF2-40B4-BE49-F238E27FC236}">
+                <a16:creationId xmlns:a16="http://schemas.microsoft.com/office/drawing/2014/main" id="{4815E8BF-2702-E64A-9CC2-926D0A79F247}"/>
+              </a:ext>
+            </a:extLst>
+          </p:cNvPr>
+          <p:cNvSpPr txBox="1"/>
+          <p:nvPr/>
+        </p:nvSpPr>
+        <p:spPr>
+          <a:xfrm>
+            <a:off x="67142" y="3978942"/>
+            <a:ext cx="1037733" cy="923330"/>
+          </a:xfrm>
+          <a:prstGeom prst="rect">
+            <a:avLst/>
+          </a:prstGeom>
+          <a:noFill/>
+        </p:spPr>
+        <p:txBody>
+          <a:bodyPr wrap="square" rtlCol="0">
+            <a:spAutoFit/>
+          </a:bodyPr>
+          <a:lstStyle/>
+          <a:p>
+            <a:r>
+              <a:rPr lang="en-US" dirty="0"/>
+              <a:t>Student was doing</a:t>
+            </a:r>
+          </a:p>
+        </p:txBody>
+      </p:sp>
+      <p:sp>
+        <p:nvSpPr>
+          <p:cNvPr id="11" name="TextBox 10">
+            <a:extLst>
+              <a:ext uri="{FF2B5EF4-FFF2-40B4-BE49-F238E27FC236}">
+                <a16:creationId xmlns:a16="http://schemas.microsoft.com/office/drawing/2014/main" id="{F166AB50-847D-C94F-9AD9-D0929351AB8A}"/>
+              </a:ext>
+            </a:extLst>
+          </p:cNvPr>
+          <p:cNvSpPr txBox="1"/>
+          <p:nvPr/>
+        </p:nvSpPr>
+        <p:spPr>
+          <a:xfrm>
+            <a:off x="67142" y="5530632"/>
+            <a:ext cx="1037733" cy="646331"/>
+          </a:xfrm>
+          <a:prstGeom prst="rect">
+            <a:avLst/>
+          </a:prstGeom>
+          <a:noFill/>
+        </p:spPr>
+        <p:txBody>
+          <a:bodyPr wrap="square" rtlCol="0">
+            <a:spAutoFit/>
+          </a:bodyPr>
+          <a:lstStyle/>
+          <a:p>
+            <a:r>
+              <a:rPr lang="en-US" dirty="0"/>
+              <a:t>Then saw this</a:t>
+            </a:r>
           </a:p>
         </p:txBody>
       </p:sp>
@@ -6625,28 +7325,15 @@
         </p:nvSpPr>
         <p:spPr>
           <a:xfrm>
-            <a:off x="838200" y="1566153"/>
-            <a:ext cx="10515600" cy="4610810"/>
+            <a:off x="838200" y="1451114"/>
+            <a:ext cx="10515600" cy="4830416"/>
           </a:xfrm>
         </p:spPr>
         <p:txBody>
           <a:bodyPr>
-            <a:normAutofit fontScale="92500" lnSpcReduction="20000"/>
+            <a:normAutofit/>
           </a:bodyPr>
           <a:lstStyle/>
-          <a:p>
-            <a:r>
-              <a:rPr lang="en-US" dirty="0"/>
-              <a:t>We learn programming techniques by recognizing cool patterns in the code of others</a:t>
-            </a:r>
-          </a:p>
-          <a:p>
-            <a:pPr lvl="1"/>
-            <a:r>
-              <a:rPr lang="en-US" dirty="0"/>
-              <a:t>Being able to quickly read code allows you to gain experience watching a programming lecture or video</a:t>
-            </a:r>
-          </a:p>
           <a:p>
             <a:r>
               <a:rPr lang="en-US" dirty="0"/>
@@ -6796,7 +7483,7 @@
             </a:r>
             <a:r>
               <a:rPr lang="en-US" dirty="0"/>
-              <a:t>,” which they converted to “map” pseudocode and then to Python loop</a:t>
+              <a:t>,” which they converted to “map” pseudocode and then to a Python loop</a:t>
             </a:r>
           </a:p>
           <a:p>
@@ -6810,7 +7497,7 @@
             <a:pPr lvl="1"/>
             <a:r>
               <a:rPr lang="en-US" dirty="0"/>
-              <a:t>Don’t try to determine functionality by simulating the statements literally in your head or on paper</a:t>
+              <a:t>Don’t try to determine functionality by simulating the loops statements literally in your head or on paper</a:t>
             </a:r>
           </a:p>
           <a:p>
@@ -7218,7 +7905,15 @@
           <a:p>
             <a:r>
               <a:rPr lang="en-US" dirty="0"/>
-              <a:t>(Using a generic function name like f is how faculty write code-reading questions without giving away the answer.)</a:t>
+              <a:t>(Using a generic function name like </a:t>
+            </a:r>
+            <a:r>
+              <a:rPr lang="en-US" b="1" dirty="0"/>
+              <a:t>f</a:t>
+            </a:r>
+            <a:r>
+              <a:rPr lang="en-US" dirty="0"/>
+              <a:t> is how faculty write code-reading questions without giving away the answer.)</a:t>
             </a:r>
           </a:p>
         </p:txBody>

--- a/notes/reading-code.pptx
+++ b/notes/reading-code.pptx
@@ -222,7 +222,7 @@
           <a:p>
             <a:fld id="{8A1B613A-EFF1-404F-BEE8-EFAE84A4E5E2}" type="datetimeFigureOut">
               <a:rPr lang="en-US" smtClean="0"/>
-              <a:t>3/22/21</a:t>
+              <a:t>3/25/21</a:t>
             </a:fld>
             <a:endParaRPr lang="en-US"/>
           </a:p>
@@ -387,7 +387,7 @@
           <a:p>
             <a:fld id="{690847EA-AC25-3D4E-89E1-FD3F6A9702B6}" type="datetimeFigureOut">
               <a:rPr lang="en-US" smtClean="0"/>
-              <a:t>3/22/21</a:t>
+              <a:t>3/25/21</a:t>
             </a:fld>
             <a:endParaRPr lang="en-US"/>
           </a:p>
@@ -801,7 +801,7 @@
           <a:p>
             <a:fld id="{BE5295ED-3BAF-1140-8495-3D368771D6B1}" type="datetimeFigureOut">
               <a:rPr lang="en-US" smtClean="0"/>
-              <a:t>3/22/21</a:t>
+              <a:t>3/25/21</a:t>
             </a:fld>
             <a:endParaRPr lang="en-US"/>
           </a:p>
@@ -999,7 +999,7 @@
           <a:p>
             <a:fld id="{BE5295ED-3BAF-1140-8495-3D368771D6B1}" type="datetimeFigureOut">
               <a:rPr lang="en-US" smtClean="0"/>
-              <a:t>3/22/21</a:t>
+              <a:t>3/25/21</a:t>
             </a:fld>
             <a:endParaRPr lang="en-US"/>
           </a:p>
@@ -1207,7 +1207,7 @@
           <a:p>
             <a:fld id="{BE5295ED-3BAF-1140-8495-3D368771D6B1}" type="datetimeFigureOut">
               <a:rPr lang="en-US" smtClean="0"/>
-              <a:t>3/22/21</a:t>
+              <a:t>3/25/21</a:t>
             </a:fld>
             <a:endParaRPr lang="en-US"/>
           </a:p>
@@ -1405,7 +1405,7 @@
           <a:p>
             <a:fld id="{BE5295ED-3BAF-1140-8495-3D368771D6B1}" type="datetimeFigureOut">
               <a:rPr lang="en-US" smtClean="0"/>
-              <a:t>3/22/21</a:t>
+              <a:t>3/25/21</a:t>
             </a:fld>
             <a:endParaRPr lang="en-US"/>
           </a:p>
@@ -1680,7 +1680,7 @@
           <a:p>
             <a:fld id="{BE5295ED-3BAF-1140-8495-3D368771D6B1}" type="datetimeFigureOut">
               <a:rPr lang="en-US" smtClean="0"/>
-              <a:t>3/22/21</a:t>
+              <a:t>3/25/21</a:t>
             </a:fld>
             <a:endParaRPr lang="en-US"/>
           </a:p>
@@ -1945,7 +1945,7 @@
           <a:p>
             <a:fld id="{BE5295ED-3BAF-1140-8495-3D368771D6B1}" type="datetimeFigureOut">
               <a:rPr lang="en-US" smtClean="0"/>
-              <a:t>3/22/21</a:t>
+              <a:t>3/25/21</a:t>
             </a:fld>
             <a:endParaRPr lang="en-US"/>
           </a:p>
@@ -2357,7 +2357,7 @@
           <a:p>
             <a:fld id="{BE5295ED-3BAF-1140-8495-3D368771D6B1}" type="datetimeFigureOut">
               <a:rPr lang="en-US" smtClean="0"/>
-              <a:t>3/22/21</a:t>
+              <a:t>3/25/21</a:t>
             </a:fld>
             <a:endParaRPr lang="en-US"/>
           </a:p>
@@ -2498,7 +2498,7 @@
           <a:p>
             <a:fld id="{BE5295ED-3BAF-1140-8495-3D368771D6B1}" type="datetimeFigureOut">
               <a:rPr lang="en-US" smtClean="0"/>
-              <a:t>3/22/21</a:t>
+              <a:t>3/25/21</a:t>
             </a:fld>
             <a:endParaRPr lang="en-US"/>
           </a:p>
@@ -2611,7 +2611,7 @@
           <a:p>
             <a:fld id="{BE5295ED-3BAF-1140-8495-3D368771D6B1}" type="datetimeFigureOut">
               <a:rPr lang="en-US" smtClean="0"/>
-              <a:t>3/22/21</a:t>
+              <a:t>3/25/21</a:t>
             </a:fld>
             <a:endParaRPr lang="en-US"/>
           </a:p>
@@ -2922,7 +2922,7 @@
           <a:p>
             <a:fld id="{BE5295ED-3BAF-1140-8495-3D368771D6B1}" type="datetimeFigureOut">
               <a:rPr lang="en-US" smtClean="0"/>
-              <a:t>3/22/21</a:t>
+              <a:t>3/25/21</a:t>
             </a:fld>
             <a:endParaRPr lang="en-US"/>
           </a:p>
@@ -3213,7 +3213,7 @@
           <a:p>
             <a:fld id="{BE5295ED-3BAF-1140-8495-3D368771D6B1}" type="datetimeFigureOut">
               <a:rPr lang="en-US" smtClean="0"/>
-              <a:t>3/22/21</a:t>
+              <a:t>3/25/21</a:t>
             </a:fld>
             <a:endParaRPr lang="en-US"/>
           </a:p>
@@ -3454,7 +3454,7 @@
           <a:p>
             <a:fld id="{BE5295ED-3BAF-1140-8495-3D368771D6B1}" type="datetimeFigureOut">
               <a:rPr lang="en-US" smtClean="0"/>
-              <a:t>3/22/21</a:t>
+              <a:t>3/25/21</a:t>
             </a:fld>
             <a:endParaRPr lang="en-US"/>
           </a:p>
@@ -4810,59 +4810,113 @@
           </a:p>
         </p:txBody>
       </p:sp>
-      <p:sp>
-        <p:nvSpPr>
-          <p:cNvPr id="3" name="Content Placeholder 2"/>
-          <p:cNvSpPr>
-            <a:spLocks noGrp="1"/>
-          </p:cNvSpPr>
-          <p:nvPr>
-            <p:ph idx="1"/>
-          </p:nvPr>
-        </p:nvSpPr>
-        <p:spPr/>
-        <p:txBody>
-          <a:bodyPr/>
-          <a:lstStyle/>
-          <a:p>
-            <a:r>
-              <a:rPr lang="en-US" dirty="0"/>
-              <a:t>I have deliberately used crappy variable names so you have to focus on the functionality:</a:t>
-            </a:r>
-            <a:br>
-              <a:rPr lang="en-US" dirty="0"/>
-            </a:br>
-            <a:br>
-              <a:rPr lang="en-US" dirty="0"/>
-            </a:br>
-            <a:br>
-              <a:rPr lang="en-US" dirty="0"/>
-            </a:br>
-            <a:br>
-              <a:rPr lang="en-US" dirty="0"/>
-            </a:br>
-            <a:br>
-              <a:rPr lang="en-US" dirty="0"/>
-            </a:br>
-            <a:endParaRPr lang="en-US" dirty="0"/>
-          </a:p>
-          <a:p>
-            <a:r>
-              <a:rPr lang="en-US" dirty="0"/>
-              <a:t>That’s a “map” operation that translates one list to another</a:t>
-            </a:r>
-          </a:p>
-          <a:p>
-            <a:r>
-              <a:rPr lang="en-US" dirty="0"/>
-              <a:t>The clue is initialization of empty list and loop around something that adds to the list as function of blah; it’s blah -&gt; foo</a:t>
-            </a:r>
-          </a:p>
-          <a:p>
-            <a:endParaRPr lang="en-US" dirty="0"/>
-          </a:p>
-        </p:txBody>
-      </p:sp>
+      <mc:AlternateContent xmlns:mc="http://schemas.openxmlformats.org/markup-compatibility/2006">
+        <mc:Choice xmlns:a14="http://schemas.microsoft.com/office/drawing/2010/main" Requires="a14">
+          <p:sp>
+            <p:nvSpPr>
+              <p:cNvPr id="3" name="Content Placeholder 2"/>
+              <p:cNvSpPr>
+                <a:spLocks noGrp="1"/>
+              </p:cNvSpPr>
+              <p:nvPr>
+                <p:ph idx="1"/>
+              </p:nvPr>
+            </p:nvSpPr>
+            <p:spPr/>
+            <p:txBody>
+              <a:bodyPr>
+                <a:normAutofit/>
+              </a:bodyPr>
+              <a:lstStyle/>
+              <a:p>
+                <a:r>
+                  <a:rPr lang="en-US" dirty="0"/>
+                  <a:t>I have deliberately used crappy variable names so you have to focus on the functionality:</a:t>
+                </a:r>
+                <a:br>
+                  <a:rPr lang="en-US" dirty="0"/>
+                </a:br>
+                <a:br>
+                  <a:rPr lang="en-US" dirty="0"/>
+                </a:br>
+                <a:br>
+                  <a:rPr lang="en-US" dirty="0"/>
+                </a:br>
+                <a:br>
+                  <a:rPr lang="en-US" dirty="0"/>
+                </a:br>
+                <a:br>
+                  <a:rPr lang="en-US" dirty="0"/>
+                </a:br>
+                <a:endParaRPr lang="en-US" dirty="0"/>
+              </a:p>
+              <a:p>
+                <a:r>
+                  <a:rPr lang="en-US" dirty="0"/>
+                  <a:t>That’s a “map” operation that translates one list to another</a:t>
+                </a:r>
+              </a:p>
+              <a:p>
+                <a:r>
+                  <a:rPr lang="en-US" dirty="0"/>
+                  <a:t>The clue is initialization of empty list and loop around something that adds to the list as a function of bar; it’s bar </a:t>
+                </a:r>
+                <a14:m>
+                  <m:oMath xmlns:m="http://schemas.openxmlformats.org/officeDocument/2006/math">
+                    <m:r>
+                      <a:rPr lang="en-US" i="1" dirty="0" smtClean="0">
+                        <a:latin typeface="Cambria Math" panose="02040503050406030204" pitchFamily="18" charset="0"/>
+                        <a:ea typeface="Cambria Math" panose="02040503050406030204" pitchFamily="18" charset="0"/>
+                      </a:rPr>
+                      <m:t>→</m:t>
+                    </m:r>
+                  </m:oMath>
+                </a14:m>
+                <a:r>
+                  <a:rPr lang="en-US" dirty="0"/>
+                  <a:t> foo</a:t>
+                </a:r>
+              </a:p>
+              <a:p>
+                <a:endParaRPr lang="en-US" dirty="0"/>
+              </a:p>
+            </p:txBody>
+          </p:sp>
+        </mc:Choice>
+        <mc:Fallback>
+          <p:sp>
+            <p:nvSpPr>
+              <p:cNvPr id="3" name="Content Placeholder 2"/>
+              <p:cNvSpPr>
+                <a:spLocks noGrp="1" noRot="1" noChangeAspect="1" noMove="1" noResize="1" noEditPoints="1" noAdjustHandles="1" noChangeArrowheads="1" noChangeShapeType="1" noTextEdit="1"/>
+              </p:cNvSpPr>
+              <p:nvPr>
+                <p:ph idx="1"/>
+              </p:nvPr>
+            </p:nvSpPr>
+            <p:spPr>
+              <a:blipFill>
+                <a:blip r:embed="rId2"/>
+                <a:stretch>
+                  <a:fillRect l="-1086" t="-2326" r="-1930"/>
+                </a:stretch>
+              </a:blipFill>
+            </p:spPr>
+            <p:txBody>
+              <a:bodyPr/>
+              <a:lstStyle/>
+              <a:p>
+                <a:r>
+                  <a:rPr lang="en-US">
+                    <a:noFill/>
+                  </a:rPr>
+                  <a:t> </a:t>
+                </a:r>
+              </a:p>
+            </p:txBody>
+          </p:sp>
+        </mc:Fallback>
+      </mc:AlternateContent>
       <p:sp>
         <p:nvSpPr>
           <p:cNvPr id="4" name="TextBox 3">
@@ -4978,23 +5032,7 @@
                 <a:ea typeface="Monaco" charset="0"/>
                 <a:cs typeface="Monaco" charset="0"/>
               </a:rPr>
-              <a:t>(</a:t>
-            </a:r>
-            <a:r>
-              <a:rPr lang="ro-RO" sz="2400" dirty="0" err="1">
-                <a:latin typeface="Monaco" charset="0"/>
-                <a:ea typeface="Monaco" charset="0"/>
-                <a:cs typeface="Monaco" charset="0"/>
-              </a:rPr>
-              <a:t>blah</a:t>
-            </a:r>
-            <a:r>
-              <a:rPr lang="ro-RO" sz="2400" dirty="0">
-                <a:latin typeface="Monaco" charset="0"/>
-                <a:ea typeface="Monaco" charset="0"/>
-                <a:cs typeface="Monaco" charset="0"/>
-              </a:rPr>
-              <a:t> * 2)</a:t>
+              <a:t>(bar * 2)</a:t>
             </a:r>
             <a:endParaRPr lang="en-US" sz="2400" dirty="0">
               <a:latin typeface="Monaco" charset="0"/>
@@ -7240,8 +7278,8 @@
         </p:nvSpPr>
         <p:spPr>
           <a:xfrm>
-            <a:off x="67142" y="5530632"/>
-            <a:ext cx="1037733" cy="646331"/>
+            <a:off x="67142" y="5364312"/>
+            <a:ext cx="1037733" cy="923330"/>
           </a:xfrm>
           <a:prstGeom prst="rect">
             <a:avLst/>
@@ -7256,7 +7294,7 @@
           <a:p>
             <a:r>
               <a:rPr lang="en-US" dirty="0"/>
-              <a:t>Then saw this</a:t>
+              <a:t>Later, they saw this</a:t>
             </a:r>
           </a:p>
         </p:txBody>
@@ -7479,11 +7517,11 @@
             </a:r>
             <a:r>
               <a:rPr lang="en-US" i="1" dirty="0"/>
-              <a:t>convert prices to a new list by dividing by 2</a:t>
-            </a:r>
-            <a:r>
-              <a:rPr lang="en-US" dirty="0"/>
-              <a:t>,” which they converted to “map” pseudocode and then to a Python loop</a:t>
+              <a:t>convert prices into a new list by dividing by 2</a:t>
+            </a:r>
+            <a:r>
+              <a:rPr lang="en-US" dirty="0"/>
+              <a:t>,” which they converted to “map” pattern and then to a Python loop</a:t>
             </a:r>
           </a:p>
           <a:p>
@@ -7584,6 +7622,12 @@
           <a:p>
             <a:r>
               <a:rPr lang="en-US" dirty="0"/>
+              <a:t>The reader could be you or…</a:t>
+            </a:r>
+          </a:p>
+          <a:p>
+            <a:r>
+              <a:rPr lang="en-US" dirty="0"/>
               <a:t>There is an excellent quote (by </a:t>
             </a:r>
             <a:r>
@@ -7617,7 +7661,7 @@
         </p:nvSpPr>
         <p:spPr>
           <a:xfrm>
-            <a:off x="2162782" y="3823369"/>
+            <a:off x="2421199" y="4290508"/>
             <a:ext cx="6251643" cy="1292662"/>
           </a:xfrm>
           <a:prstGeom prst="rect">
@@ -7631,15 +7675,15 @@
           <a:lstStyle/>
           <a:p>
             <a:r>
-              <a:rPr lang="en-US" sz="2600"/>
+              <a:rPr lang="en-US" sz="2600" dirty="0"/>
               <a:t>“</a:t>
             </a:r>
             <a:r>
-              <a:rPr lang="en-US" sz="2600" i="1"/>
+              <a:rPr lang="en-US" sz="2600" i="1" dirty="0"/>
               <a:t>Always code as if the person who ends up maintaining your code will be a violent psychopath who knows where you live.</a:t>
             </a:r>
             <a:r>
-              <a:rPr lang="en-US" sz="2600"/>
+              <a:rPr lang="en-US" sz="2600" dirty="0"/>
               <a:t>”</a:t>
             </a:r>
           </a:p>

--- a/notes/reading-code.pptx
+++ b/notes/reading-code.pptx
@@ -222,7 +222,7 @@
           <a:p>
             <a:fld id="{8A1B613A-EFF1-404F-BEE8-EFAE84A4E5E2}" type="datetimeFigureOut">
               <a:rPr lang="en-US" smtClean="0"/>
-              <a:t>3/25/21</a:t>
+              <a:t>3/26/21</a:t>
             </a:fld>
             <a:endParaRPr lang="en-US"/>
           </a:p>
@@ -387,7 +387,7 @@
           <a:p>
             <a:fld id="{690847EA-AC25-3D4E-89E1-FD3F6A9702B6}" type="datetimeFigureOut">
               <a:rPr lang="en-US" smtClean="0"/>
-              <a:t>3/25/21</a:t>
+              <a:t>3/26/21</a:t>
             </a:fld>
             <a:endParaRPr lang="en-US"/>
           </a:p>
@@ -801,7 +801,7 @@
           <a:p>
             <a:fld id="{BE5295ED-3BAF-1140-8495-3D368771D6B1}" type="datetimeFigureOut">
               <a:rPr lang="en-US" smtClean="0"/>
-              <a:t>3/25/21</a:t>
+              <a:t>3/26/21</a:t>
             </a:fld>
             <a:endParaRPr lang="en-US"/>
           </a:p>
@@ -999,7 +999,7 @@
           <a:p>
             <a:fld id="{BE5295ED-3BAF-1140-8495-3D368771D6B1}" type="datetimeFigureOut">
               <a:rPr lang="en-US" smtClean="0"/>
-              <a:t>3/25/21</a:t>
+              <a:t>3/26/21</a:t>
             </a:fld>
             <a:endParaRPr lang="en-US"/>
           </a:p>
@@ -1207,7 +1207,7 @@
           <a:p>
             <a:fld id="{BE5295ED-3BAF-1140-8495-3D368771D6B1}" type="datetimeFigureOut">
               <a:rPr lang="en-US" smtClean="0"/>
-              <a:t>3/25/21</a:t>
+              <a:t>3/26/21</a:t>
             </a:fld>
             <a:endParaRPr lang="en-US"/>
           </a:p>
@@ -1405,7 +1405,7 @@
           <a:p>
             <a:fld id="{BE5295ED-3BAF-1140-8495-3D368771D6B1}" type="datetimeFigureOut">
               <a:rPr lang="en-US" smtClean="0"/>
-              <a:t>3/25/21</a:t>
+              <a:t>3/26/21</a:t>
             </a:fld>
             <a:endParaRPr lang="en-US"/>
           </a:p>
@@ -1680,7 +1680,7 @@
           <a:p>
             <a:fld id="{BE5295ED-3BAF-1140-8495-3D368771D6B1}" type="datetimeFigureOut">
               <a:rPr lang="en-US" smtClean="0"/>
-              <a:t>3/25/21</a:t>
+              <a:t>3/26/21</a:t>
             </a:fld>
             <a:endParaRPr lang="en-US"/>
           </a:p>
@@ -1945,7 +1945,7 @@
           <a:p>
             <a:fld id="{BE5295ED-3BAF-1140-8495-3D368771D6B1}" type="datetimeFigureOut">
               <a:rPr lang="en-US" smtClean="0"/>
-              <a:t>3/25/21</a:t>
+              <a:t>3/26/21</a:t>
             </a:fld>
             <a:endParaRPr lang="en-US"/>
           </a:p>
@@ -2357,7 +2357,7 @@
           <a:p>
             <a:fld id="{BE5295ED-3BAF-1140-8495-3D368771D6B1}" type="datetimeFigureOut">
               <a:rPr lang="en-US" smtClean="0"/>
-              <a:t>3/25/21</a:t>
+              <a:t>3/26/21</a:t>
             </a:fld>
             <a:endParaRPr lang="en-US"/>
           </a:p>
@@ -2498,7 +2498,7 @@
           <a:p>
             <a:fld id="{BE5295ED-3BAF-1140-8495-3D368771D6B1}" type="datetimeFigureOut">
               <a:rPr lang="en-US" smtClean="0"/>
-              <a:t>3/25/21</a:t>
+              <a:t>3/26/21</a:t>
             </a:fld>
             <a:endParaRPr lang="en-US"/>
           </a:p>
@@ -2611,7 +2611,7 @@
           <a:p>
             <a:fld id="{BE5295ED-3BAF-1140-8495-3D368771D6B1}" type="datetimeFigureOut">
               <a:rPr lang="en-US" smtClean="0"/>
-              <a:t>3/25/21</a:t>
+              <a:t>3/26/21</a:t>
             </a:fld>
             <a:endParaRPr lang="en-US"/>
           </a:p>
@@ -2922,7 +2922,7 @@
           <a:p>
             <a:fld id="{BE5295ED-3BAF-1140-8495-3D368771D6B1}" type="datetimeFigureOut">
               <a:rPr lang="en-US" smtClean="0"/>
-              <a:t>3/25/21</a:t>
+              <a:t>3/26/21</a:t>
             </a:fld>
             <a:endParaRPr lang="en-US"/>
           </a:p>
@@ -3213,7 +3213,7 @@
           <a:p>
             <a:fld id="{BE5295ED-3BAF-1140-8495-3D368771D6B1}" type="datetimeFigureOut">
               <a:rPr lang="en-US" smtClean="0"/>
-              <a:t>3/25/21</a:t>
+              <a:t>3/26/21</a:t>
             </a:fld>
             <a:endParaRPr lang="en-US"/>
           </a:p>
@@ -3454,7 +3454,7 @@
           <a:p>
             <a:fld id="{BE5295ED-3BAF-1140-8495-3D368771D6B1}" type="datetimeFigureOut">
               <a:rPr lang="en-US" smtClean="0"/>
-              <a:t>3/25/21</a:t>
+              <a:t>3/26/21</a:t>
             </a:fld>
             <a:endParaRPr lang="en-US"/>
           </a:p>
@@ -4810,8 +4810,8 @@
           </a:p>
         </p:txBody>
       </p:sp>
-      <mc:AlternateContent xmlns:mc="http://schemas.openxmlformats.org/markup-compatibility/2006">
-        <mc:Choice xmlns:a14="http://schemas.microsoft.com/office/drawing/2010/main" Requires="a14">
+      <mc:AlternateContent xmlns:mc="http://schemas.openxmlformats.org/markup-compatibility/2006" xmlns:a14="http://schemas.microsoft.com/office/drawing/2010/main">
+        <mc:Choice Requires="a14">
           <p:sp>
             <p:nvSpPr>
               <p:cNvPr id="3" name="Content Placeholder 2"/>
@@ -4883,7 +4883,7 @@
             </p:txBody>
           </p:sp>
         </mc:Choice>
-        <mc:Fallback>
+        <mc:Fallback xmlns="">
           <p:sp>
             <p:nvSpPr>
               <p:cNvPr id="3" name="Content Placeholder 2"/>
@@ -4969,28 +4969,20 @@
           </a:p>
           <a:p>
             <a:r>
+              <a:rPr lang="ro-RO" sz="2400">
+                <a:latin typeface="Monaco" charset="0"/>
+                <a:ea typeface="Monaco" charset="0"/>
+                <a:cs typeface="Monaco" charset="0"/>
+              </a:rPr>
+              <a:t>for bar </a:t>
+            </a:r>
+            <a:r>
               <a:rPr lang="ro-RO" sz="2400" dirty="0">
                 <a:latin typeface="Monaco" charset="0"/>
                 <a:ea typeface="Monaco" charset="0"/>
                 <a:cs typeface="Monaco" charset="0"/>
               </a:rPr>
-              <a:t>for </a:t>
-            </a:r>
-            <a:r>
-              <a:rPr lang="ro-RO" sz="2400" dirty="0" err="1">
-                <a:latin typeface="Monaco" charset="0"/>
-                <a:ea typeface="Monaco" charset="0"/>
-                <a:cs typeface="Monaco" charset="0"/>
-              </a:rPr>
-              <a:t>blah</a:t>
-            </a:r>
-            <a:r>
-              <a:rPr lang="ro-RO" sz="2400" dirty="0">
-                <a:latin typeface="Monaco" charset="0"/>
-                <a:ea typeface="Monaco" charset="0"/>
-                <a:cs typeface="Monaco" charset="0"/>
-              </a:rPr>
-              <a:t> in </a:t>
+              <a:t>in </a:t>
             </a:r>
             <a:r>
               <a:rPr lang="ro-RO" sz="2400" dirty="0" err="1">
